--- a/DEWEB-Präsentation_Julian Schwarz.pptx
+++ b/DEWEB-Präsentation_Julian Schwarz.pptx
@@ -4,6 +4,9 @@
   <p:sldMasterIdLst>
     <p:sldMasterId id="2147483648" r:id="rId1"/>
   </p:sldMasterIdLst>
+  <p:notesMasterIdLst>
+    <p:notesMasterId r:id="rId9"/>
+  </p:notesMasterIdLst>
   <p:sldIdLst>
     <p:sldId id="256" r:id="rId2"/>
     <p:sldId id="257" r:id="rId3"/>
@@ -116,6 +119,5627 @@
     </p:ext>
   </p:extLst>
 </p:presentation>
+</file>
+
+<file path=ppt/diagrams/colors1.xml><?xml version="1.0" encoding="utf-8"?>
+<dgm:colorsDef xmlns:dgm="http://schemas.openxmlformats.org/drawingml/2006/diagram" xmlns:a="http://schemas.openxmlformats.org/drawingml/2006/main" uniqueId="urn:microsoft.com/office/officeart/2005/8/colors/colorful1">
+  <dgm:title val=""/>
+  <dgm:desc val=""/>
+  <dgm:catLst>
+    <dgm:cat type="colorful" pri="10100"/>
+  </dgm:catLst>
+  <dgm:styleLbl name="node0">
+    <dgm:fillClrLst meth="repeat">
+      <a:schemeClr val="accent1"/>
+    </dgm:fillClrLst>
+    <dgm:linClrLst meth="repeat">
+      <a:schemeClr val="lt1"/>
+    </dgm:linClrLst>
+    <dgm:effectClrLst/>
+    <dgm:txLinClrLst/>
+    <dgm:txFillClrLst/>
+    <dgm:txEffectClrLst/>
+  </dgm:styleLbl>
+  <dgm:styleLbl name="node1">
+    <dgm:fillClrLst meth="repeat">
+      <a:schemeClr val="accent2"/>
+      <a:schemeClr val="accent3"/>
+      <a:schemeClr val="accent4"/>
+      <a:schemeClr val="accent5"/>
+      <a:schemeClr val="accent6"/>
+    </dgm:fillClrLst>
+    <dgm:linClrLst meth="repeat">
+      <a:schemeClr val="lt1"/>
+    </dgm:linClrLst>
+    <dgm:effectClrLst/>
+    <dgm:txLinClrLst/>
+    <dgm:txFillClrLst/>
+    <dgm:txEffectClrLst/>
+  </dgm:styleLbl>
+  <dgm:styleLbl name="alignNode1">
+    <dgm:fillClrLst meth="repeat">
+      <a:schemeClr val="accent2"/>
+      <a:schemeClr val="accent3"/>
+      <a:schemeClr val="accent4"/>
+      <a:schemeClr val="accent5"/>
+      <a:schemeClr val="accent6"/>
+    </dgm:fillClrLst>
+    <dgm:linClrLst meth="repeat">
+      <a:schemeClr val="accent2"/>
+      <a:schemeClr val="accent3"/>
+      <a:schemeClr val="accent4"/>
+      <a:schemeClr val="accent5"/>
+      <a:schemeClr val="accent6"/>
+    </dgm:linClrLst>
+    <dgm:effectClrLst/>
+    <dgm:txLinClrLst/>
+    <dgm:txFillClrLst/>
+    <dgm:txEffectClrLst/>
+  </dgm:styleLbl>
+  <dgm:styleLbl name="lnNode1">
+    <dgm:fillClrLst meth="repeat">
+      <a:schemeClr val="accent2"/>
+      <a:schemeClr val="accent3"/>
+      <a:schemeClr val="accent4"/>
+      <a:schemeClr val="accent5"/>
+      <a:schemeClr val="accent6"/>
+    </dgm:fillClrLst>
+    <dgm:linClrLst meth="repeat">
+      <a:schemeClr val="lt1"/>
+    </dgm:linClrLst>
+    <dgm:effectClrLst/>
+    <dgm:txLinClrLst/>
+    <dgm:txFillClrLst/>
+    <dgm:txEffectClrLst/>
+  </dgm:styleLbl>
+  <dgm:styleLbl name="vennNode1">
+    <dgm:fillClrLst meth="repeat">
+      <a:schemeClr val="accent2">
+        <a:alpha val="50000"/>
+      </a:schemeClr>
+      <a:schemeClr val="accent3">
+        <a:alpha val="50000"/>
+      </a:schemeClr>
+      <a:schemeClr val="accent4">
+        <a:alpha val="50000"/>
+      </a:schemeClr>
+      <a:schemeClr val="accent5">
+        <a:alpha val="50000"/>
+      </a:schemeClr>
+      <a:schemeClr val="accent6">
+        <a:alpha val="50000"/>
+      </a:schemeClr>
+    </dgm:fillClrLst>
+    <dgm:linClrLst meth="repeat">
+      <a:schemeClr val="lt1"/>
+    </dgm:linClrLst>
+    <dgm:effectClrLst/>
+    <dgm:txLinClrLst/>
+    <dgm:txFillClrLst/>
+    <dgm:txEffectClrLst/>
+  </dgm:styleLbl>
+  <dgm:styleLbl name="node2">
+    <dgm:fillClrLst>
+      <a:schemeClr val="accent2"/>
+    </dgm:fillClrLst>
+    <dgm:linClrLst meth="repeat">
+      <a:schemeClr val="lt1"/>
+    </dgm:linClrLst>
+    <dgm:effectClrLst/>
+    <dgm:txLinClrLst/>
+    <dgm:txFillClrLst/>
+    <dgm:txEffectClrLst/>
+  </dgm:styleLbl>
+  <dgm:styleLbl name="node3">
+    <dgm:fillClrLst>
+      <a:schemeClr val="accent3"/>
+    </dgm:fillClrLst>
+    <dgm:linClrLst meth="repeat">
+      <a:schemeClr val="lt1"/>
+    </dgm:linClrLst>
+    <dgm:effectClrLst/>
+    <dgm:txLinClrLst/>
+    <dgm:txFillClrLst/>
+    <dgm:txEffectClrLst/>
+  </dgm:styleLbl>
+  <dgm:styleLbl name="node4">
+    <dgm:fillClrLst>
+      <a:schemeClr val="accent4"/>
+    </dgm:fillClrLst>
+    <dgm:linClrLst meth="repeat">
+      <a:schemeClr val="lt1"/>
+    </dgm:linClrLst>
+    <dgm:effectClrLst/>
+    <dgm:txLinClrLst/>
+    <dgm:txFillClrLst/>
+    <dgm:txEffectClrLst/>
+  </dgm:styleLbl>
+  <dgm:styleLbl name="fgImgPlace1">
+    <dgm:fillClrLst meth="repeat">
+      <a:schemeClr val="accent2">
+        <a:tint val="50000"/>
+      </a:schemeClr>
+      <a:schemeClr val="accent3">
+        <a:tint val="50000"/>
+      </a:schemeClr>
+      <a:schemeClr val="accent4">
+        <a:tint val="50000"/>
+      </a:schemeClr>
+      <a:schemeClr val="accent5">
+        <a:tint val="50000"/>
+      </a:schemeClr>
+      <a:schemeClr val="accent6">
+        <a:tint val="50000"/>
+      </a:schemeClr>
+    </dgm:fillClrLst>
+    <dgm:linClrLst meth="repeat">
+      <a:schemeClr val="lt1"/>
+    </dgm:linClrLst>
+    <dgm:effectClrLst/>
+    <dgm:txLinClrLst/>
+    <dgm:txFillClrLst meth="repeat">
+      <a:schemeClr val="lt1"/>
+    </dgm:txFillClrLst>
+    <dgm:txEffectClrLst/>
+  </dgm:styleLbl>
+  <dgm:styleLbl name="alignImgPlace1">
+    <dgm:fillClrLst>
+      <a:schemeClr val="accent1">
+        <a:tint val="50000"/>
+      </a:schemeClr>
+      <a:schemeClr val="accent2">
+        <a:tint val="20000"/>
+      </a:schemeClr>
+    </dgm:fillClrLst>
+    <dgm:linClrLst meth="repeat">
+      <a:schemeClr val="lt1"/>
+    </dgm:linClrLst>
+    <dgm:effectClrLst/>
+    <dgm:txLinClrLst/>
+    <dgm:txFillClrLst meth="repeat">
+      <a:schemeClr val="lt1"/>
+    </dgm:txFillClrLst>
+    <dgm:txEffectClrLst/>
+  </dgm:styleLbl>
+  <dgm:styleLbl name="bgImgPlace1">
+    <dgm:fillClrLst>
+      <a:schemeClr val="accent1">
+        <a:tint val="50000"/>
+      </a:schemeClr>
+      <a:schemeClr val="accent2">
+        <a:tint val="20000"/>
+      </a:schemeClr>
+    </dgm:fillClrLst>
+    <dgm:linClrLst meth="repeat">
+      <a:schemeClr val="lt1"/>
+    </dgm:linClrLst>
+    <dgm:effectClrLst/>
+    <dgm:txLinClrLst/>
+    <dgm:txFillClrLst meth="repeat">
+      <a:schemeClr val="lt1"/>
+    </dgm:txFillClrLst>
+    <dgm:txEffectClrLst/>
+  </dgm:styleLbl>
+  <dgm:styleLbl name="sibTrans2D1">
+    <dgm:fillClrLst meth="repeat">
+      <a:schemeClr val="accent2"/>
+      <a:schemeClr val="accent3"/>
+      <a:schemeClr val="accent4"/>
+      <a:schemeClr val="accent5"/>
+      <a:schemeClr val="accent6"/>
+    </dgm:fillClrLst>
+    <dgm:linClrLst meth="cycle">
+      <a:schemeClr val="lt1"/>
+    </dgm:linClrLst>
+    <dgm:effectClrLst/>
+    <dgm:txLinClrLst/>
+    <dgm:txFillClrLst/>
+    <dgm:txEffectClrLst/>
+  </dgm:styleLbl>
+  <dgm:styleLbl name="fgSibTrans2D1">
+    <dgm:fillClrLst meth="repeat">
+      <a:schemeClr val="accent2"/>
+      <a:schemeClr val="accent3"/>
+      <a:schemeClr val="accent4"/>
+      <a:schemeClr val="accent5"/>
+      <a:schemeClr val="accent6"/>
+    </dgm:fillClrLst>
+    <dgm:linClrLst meth="cycle">
+      <a:schemeClr val="lt1"/>
+    </dgm:linClrLst>
+    <dgm:effectClrLst/>
+    <dgm:txLinClrLst/>
+    <dgm:txFillClrLst meth="repeat">
+      <a:schemeClr val="lt1"/>
+    </dgm:txFillClrLst>
+    <dgm:txEffectClrLst/>
+  </dgm:styleLbl>
+  <dgm:styleLbl name="bgSibTrans2D1">
+    <dgm:fillClrLst meth="repeat">
+      <a:schemeClr val="accent2"/>
+      <a:schemeClr val="accent3"/>
+      <a:schemeClr val="accent4"/>
+      <a:schemeClr val="accent5"/>
+      <a:schemeClr val="accent6"/>
+    </dgm:fillClrLst>
+    <dgm:linClrLst meth="cycle">
+      <a:schemeClr val="lt1"/>
+    </dgm:linClrLst>
+    <dgm:effectClrLst/>
+    <dgm:txLinClrLst/>
+    <dgm:txFillClrLst meth="repeat">
+      <a:schemeClr val="lt1"/>
+    </dgm:txFillClrLst>
+    <dgm:txEffectClrLst/>
+  </dgm:styleLbl>
+  <dgm:styleLbl name="sibTrans1D1">
+    <dgm:fillClrLst meth="repeat">
+      <a:schemeClr val="accent2"/>
+      <a:schemeClr val="accent3"/>
+      <a:schemeClr val="accent4"/>
+      <a:schemeClr val="accent5"/>
+      <a:schemeClr val="accent6"/>
+    </dgm:fillClrLst>
+    <dgm:linClrLst meth="repeat">
+      <a:schemeClr val="accent2"/>
+      <a:schemeClr val="accent3"/>
+      <a:schemeClr val="accent4"/>
+      <a:schemeClr val="accent5"/>
+      <a:schemeClr val="accent6"/>
+    </dgm:linClrLst>
+    <dgm:effectClrLst/>
+    <dgm:txLinClrLst/>
+    <dgm:txFillClrLst meth="repeat">
+      <a:schemeClr val="tx1"/>
+    </dgm:txFillClrLst>
+    <dgm:txEffectClrLst/>
+  </dgm:styleLbl>
+  <dgm:styleLbl name="callout">
+    <dgm:fillClrLst meth="repeat">
+      <a:schemeClr val="accent2"/>
+    </dgm:fillClrLst>
+    <dgm:linClrLst meth="repeat">
+      <a:schemeClr val="accent2">
+        <a:tint val="50000"/>
+      </a:schemeClr>
+    </dgm:linClrLst>
+    <dgm:effectClrLst/>
+    <dgm:txLinClrLst/>
+    <dgm:txFillClrLst meth="repeat">
+      <a:schemeClr val="tx1"/>
+    </dgm:txFillClrLst>
+    <dgm:txEffectClrLst/>
+  </dgm:styleLbl>
+  <dgm:styleLbl name="asst0">
+    <dgm:fillClrLst meth="repeat">
+      <a:schemeClr val="accent1"/>
+    </dgm:fillClrLst>
+    <dgm:linClrLst meth="repeat">
+      <a:schemeClr val="lt1"/>
+    </dgm:linClrLst>
+    <dgm:effectClrLst/>
+    <dgm:txLinClrLst/>
+    <dgm:txFillClrLst/>
+    <dgm:txEffectClrLst/>
+  </dgm:styleLbl>
+  <dgm:styleLbl name="asst1">
+    <dgm:fillClrLst meth="repeat">
+      <a:schemeClr val="accent2"/>
+    </dgm:fillClrLst>
+    <dgm:linClrLst meth="repeat">
+      <a:schemeClr val="lt1"/>
+    </dgm:linClrLst>
+    <dgm:effectClrLst/>
+    <dgm:txLinClrLst/>
+    <dgm:txFillClrLst/>
+    <dgm:txEffectClrLst/>
+  </dgm:styleLbl>
+  <dgm:styleLbl name="asst2">
+    <dgm:fillClrLst>
+      <a:schemeClr val="accent3"/>
+    </dgm:fillClrLst>
+    <dgm:linClrLst meth="repeat">
+      <a:schemeClr val="lt1"/>
+    </dgm:linClrLst>
+    <dgm:effectClrLst/>
+    <dgm:txLinClrLst/>
+    <dgm:txFillClrLst/>
+    <dgm:txEffectClrLst/>
+  </dgm:styleLbl>
+  <dgm:styleLbl name="asst3">
+    <dgm:fillClrLst>
+      <a:schemeClr val="accent4"/>
+    </dgm:fillClrLst>
+    <dgm:linClrLst meth="repeat">
+      <a:schemeClr val="lt1"/>
+    </dgm:linClrLst>
+    <dgm:effectClrLst/>
+    <dgm:txLinClrLst/>
+    <dgm:txFillClrLst/>
+    <dgm:txEffectClrLst/>
+  </dgm:styleLbl>
+  <dgm:styleLbl name="asst4">
+    <dgm:fillClrLst>
+      <a:schemeClr val="accent5"/>
+    </dgm:fillClrLst>
+    <dgm:linClrLst meth="repeat">
+      <a:schemeClr val="lt1"/>
+    </dgm:linClrLst>
+    <dgm:effectClrLst/>
+    <dgm:txLinClrLst/>
+    <dgm:txFillClrLst/>
+    <dgm:txEffectClrLst/>
+  </dgm:styleLbl>
+  <dgm:styleLbl name="parChTrans2D1">
+    <dgm:fillClrLst meth="repeat">
+      <a:schemeClr val="accent2"/>
+    </dgm:fillClrLst>
+    <dgm:linClrLst meth="repeat">
+      <a:schemeClr val="lt1"/>
+    </dgm:linClrLst>
+    <dgm:effectClrLst/>
+    <dgm:txLinClrLst/>
+    <dgm:txFillClrLst meth="repeat">
+      <a:schemeClr val="lt1"/>
+    </dgm:txFillClrLst>
+    <dgm:txEffectClrLst/>
+  </dgm:styleLbl>
+  <dgm:styleLbl name="parChTrans2D2">
+    <dgm:fillClrLst meth="repeat">
+      <a:schemeClr val="accent3"/>
+    </dgm:fillClrLst>
+    <dgm:linClrLst meth="repeat">
+      <a:schemeClr val="lt1"/>
+    </dgm:linClrLst>
+    <dgm:effectClrLst/>
+    <dgm:txLinClrLst/>
+    <dgm:txFillClrLst/>
+    <dgm:txEffectClrLst/>
+  </dgm:styleLbl>
+  <dgm:styleLbl name="parChTrans2D3">
+    <dgm:fillClrLst meth="repeat">
+      <a:schemeClr val="accent4"/>
+    </dgm:fillClrLst>
+    <dgm:linClrLst meth="repeat">
+      <a:schemeClr val="lt1"/>
+    </dgm:linClrLst>
+    <dgm:effectClrLst/>
+    <dgm:txLinClrLst/>
+    <dgm:txFillClrLst/>
+    <dgm:txEffectClrLst/>
+  </dgm:styleLbl>
+  <dgm:styleLbl name="parChTrans2D4">
+    <dgm:fillClrLst meth="repeat">
+      <a:schemeClr val="accent5"/>
+    </dgm:fillClrLst>
+    <dgm:linClrLst meth="repeat">
+      <a:schemeClr val="lt1"/>
+    </dgm:linClrLst>
+    <dgm:effectClrLst/>
+    <dgm:txLinClrLst/>
+    <dgm:txFillClrLst meth="repeat">
+      <a:schemeClr val="lt1"/>
+    </dgm:txFillClrLst>
+    <dgm:txEffectClrLst/>
+  </dgm:styleLbl>
+  <dgm:styleLbl name="parChTrans1D1">
+    <dgm:fillClrLst meth="repeat">
+      <a:schemeClr val="accent2"/>
+    </dgm:fillClrLst>
+    <dgm:linClrLst meth="repeat">
+      <a:schemeClr val="accent1"/>
+    </dgm:linClrLst>
+    <dgm:effectClrLst/>
+    <dgm:txLinClrLst/>
+    <dgm:txFillClrLst meth="repeat">
+      <a:schemeClr val="tx1"/>
+    </dgm:txFillClrLst>
+    <dgm:txEffectClrLst/>
+  </dgm:styleLbl>
+  <dgm:styleLbl name="parChTrans1D2">
+    <dgm:fillClrLst meth="repeat">
+      <a:schemeClr val="accent3">
+        <a:tint val="90000"/>
+      </a:schemeClr>
+    </dgm:fillClrLst>
+    <dgm:linClrLst meth="repeat">
+      <a:schemeClr val="accent2"/>
+    </dgm:linClrLst>
+    <dgm:effectClrLst/>
+    <dgm:txLinClrLst/>
+    <dgm:txFillClrLst meth="repeat">
+      <a:schemeClr val="tx1"/>
+    </dgm:txFillClrLst>
+    <dgm:txEffectClrLst/>
+  </dgm:styleLbl>
+  <dgm:styleLbl name="parChTrans1D3">
+    <dgm:fillClrLst meth="repeat">
+      <a:schemeClr val="accent4">
+        <a:tint val="70000"/>
+      </a:schemeClr>
+    </dgm:fillClrLst>
+    <dgm:linClrLst meth="repeat">
+      <a:schemeClr val="accent3"/>
+    </dgm:linClrLst>
+    <dgm:effectClrLst/>
+    <dgm:txLinClrLst/>
+    <dgm:txFillClrLst meth="repeat">
+      <a:schemeClr val="tx1"/>
+    </dgm:txFillClrLst>
+    <dgm:txEffectClrLst/>
+  </dgm:styleLbl>
+  <dgm:styleLbl name="parChTrans1D4">
+    <dgm:fillClrLst meth="repeat">
+      <a:schemeClr val="accent5">
+        <a:tint val="50000"/>
+      </a:schemeClr>
+    </dgm:fillClrLst>
+    <dgm:linClrLst meth="repeat">
+      <a:schemeClr val="accent4"/>
+    </dgm:linClrLst>
+    <dgm:effectClrLst/>
+    <dgm:txLinClrLst/>
+    <dgm:txFillClrLst meth="repeat">
+      <a:schemeClr val="tx1"/>
+    </dgm:txFillClrLst>
+    <dgm:txEffectClrLst/>
+  </dgm:styleLbl>
+  <dgm:styleLbl name="fgAcc1">
+    <dgm:fillClrLst meth="repeat">
+      <a:schemeClr val="lt1">
+        <a:alpha val="90000"/>
+      </a:schemeClr>
+    </dgm:fillClrLst>
+    <dgm:linClrLst meth="repeat">
+      <a:schemeClr val="accent2"/>
+      <a:schemeClr val="accent3"/>
+      <a:schemeClr val="accent4"/>
+      <a:schemeClr val="accent5"/>
+      <a:schemeClr val="accent6"/>
+    </dgm:linClrLst>
+    <dgm:effectClrLst/>
+    <dgm:txLinClrLst/>
+    <dgm:txFillClrLst meth="repeat">
+      <a:schemeClr val="dk1"/>
+    </dgm:txFillClrLst>
+    <dgm:txEffectClrLst/>
+  </dgm:styleLbl>
+  <dgm:styleLbl name="conFgAcc1">
+    <dgm:fillClrLst meth="repeat">
+      <a:schemeClr val="lt1">
+        <a:alpha val="90000"/>
+      </a:schemeClr>
+    </dgm:fillClrLst>
+    <dgm:linClrLst meth="repeat">
+      <a:schemeClr val="accent2"/>
+      <a:schemeClr val="accent3"/>
+      <a:schemeClr val="accent4"/>
+      <a:schemeClr val="accent5"/>
+      <a:schemeClr val="accent6"/>
+    </dgm:linClrLst>
+    <dgm:effectClrLst/>
+    <dgm:txLinClrLst/>
+    <dgm:txFillClrLst meth="repeat">
+      <a:schemeClr val="dk1"/>
+    </dgm:txFillClrLst>
+    <dgm:txEffectClrLst/>
+  </dgm:styleLbl>
+  <dgm:styleLbl name="alignAcc1">
+    <dgm:fillClrLst meth="repeat">
+      <a:schemeClr val="lt1">
+        <a:alpha val="90000"/>
+      </a:schemeClr>
+    </dgm:fillClrLst>
+    <dgm:linClrLst meth="repeat">
+      <a:schemeClr val="accent2"/>
+      <a:schemeClr val="accent3"/>
+      <a:schemeClr val="accent4"/>
+      <a:schemeClr val="accent5"/>
+      <a:schemeClr val="accent6"/>
+    </dgm:linClrLst>
+    <dgm:effectClrLst/>
+    <dgm:txLinClrLst/>
+    <dgm:txFillClrLst meth="repeat">
+      <a:schemeClr val="dk1"/>
+    </dgm:txFillClrLst>
+    <dgm:txEffectClrLst/>
+  </dgm:styleLbl>
+  <dgm:styleLbl name="trAlignAcc1">
+    <dgm:fillClrLst meth="repeat">
+      <a:schemeClr val="lt1">
+        <a:alpha val="40000"/>
+      </a:schemeClr>
+    </dgm:fillClrLst>
+    <dgm:linClrLst meth="repeat">
+      <a:schemeClr val="accent1"/>
+    </dgm:linClrLst>
+    <dgm:effectClrLst/>
+    <dgm:txLinClrLst/>
+    <dgm:txFillClrLst meth="repeat">
+      <a:schemeClr val="dk1"/>
+    </dgm:txFillClrLst>
+    <dgm:txEffectClrLst/>
+  </dgm:styleLbl>
+  <dgm:styleLbl name="bgAcc1">
+    <dgm:fillClrLst meth="repeat">
+      <a:schemeClr val="lt1">
+        <a:alpha val="90000"/>
+      </a:schemeClr>
+    </dgm:fillClrLst>
+    <dgm:linClrLst meth="repeat">
+      <a:schemeClr val="accent2"/>
+      <a:schemeClr val="accent3"/>
+      <a:schemeClr val="accent4"/>
+      <a:schemeClr val="accent5"/>
+      <a:schemeClr val="accent6"/>
+    </dgm:linClrLst>
+    <dgm:effectClrLst/>
+    <dgm:txLinClrLst/>
+    <dgm:txFillClrLst meth="repeat">
+      <a:schemeClr val="dk1"/>
+    </dgm:txFillClrLst>
+    <dgm:txEffectClrLst/>
+  </dgm:styleLbl>
+  <dgm:styleLbl name="solidFgAcc1">
+    <dgm:fillClrLst meth="repeat">
+      <a:schemeClr val="lt1"/>
+    </dgm:fillClrLst>
+    <dgm:linClrLst meth="repeat">
+      <a:schemeClr val="accent2"/>
+      <a:schemeClr val="accent3"/>
+      <a:schemeClr val="accent4"/>
+      <a:schemeClr val="accent5"/>
+      <a:schemeClr val="accent6"/>
+    </dgm:linClrLst>
+    <dgm:effectClrLst/>
+    <dgm:txLinClrLst/>
+    <dgm:txFillClrLst meth="repeat">
+      <a:schemeClr val="dk1"/>
+    </dgm:txFillClrLst>
+    <dgm:txEffectClrLst/>
+  </dgm:styleLbl>
+  <dgm:styleLbl name="solidAlignAcc1">
+    <dgm:fillClrLst meth="repeat">
+      <a:schemeClr val="lt1"/>
+    </dgm:fillClrLst>
+    <dgm:linClrLst meth="repeat">
+      <a:schemeClr val="accent2"/>
+      <a:schemeClr val="accent3"/>
+      <a:schemeClr val="accent4"/>
+      <a:schemeClr val="accent5"/>
+      <a:schemeClr val="accent6"/>
+    </dgm:linClrLst>
+    <dgm:effectClrLst/>
+    <dgm:txLinClrLst/>
+    <dgm:txFillClrLst meth="repeat">
+      <a:schemeClr val="dk1"/>
+    </dgm:txFillClrLst>
+    <dgm:txEffectClrLst/>
+  </dgm:styleLbl>
+  <dgm:styleLbl name="solidBgAcc1">
+    <dgm:fillClrLst meth="repeat">
+      <a:schemeClr val="lt1"/>
+    </dgm:fillClrLst>
+    <dgm:linClrLst meth="repeat">
+      <a:schemeClr val="accent2"/>
+      <a:schemeClr val="accent3"/>
+      <a:schemeClr val="accent4"/>
+      <a:schemeClr val="accent5"/>
+      <a:schemeClr val="accent6"/>
+    </dgm:linClrLst>
+    <dgm:effectClrLst/>
+    <dgm:txLinClrLst/>
+    <dgm:txFillClrLst meth="repeat">
+      <a:schemeClr val="dk1"/>
+    </dgm:txFillClrLst>
+    <dgm:txEffectClrLst/>
+  </dgm:styleLbl>
+  <dgm:styleLbl name="fgAccFollowNode1">
+    <dgm:fillClrLst meth="repeat">
+      <a:schemeClr val="accent2">
+        <a:tint val="40000"/>
+        <a:alpha val="90000"/>
+      </a:schemeClr>
+      <a:schemeClr val="accent3">
+        <a:tint val="40000"/>
+        <a:alpha val="90000"/>
+      </a:schemeClr>
+      <a:schemeClr val="accent4">
+        <a:tint val="40000"/>
+        <a:alpha val="90000"/>
+      </a:schemeClr>
+      <a:schemeClr val="accent5">
+        <a:tint val="40000"/>
+        <a:alpha val="90000"/>
+      </a:schemeClr>
+      <a:schemeClr val="accent6">
+        <a:tint val="40000"/>
+        <a:alpha val="90000"/>
+      </a:schemeClr>
+    </dgm:fillClrLst>
+    <dgm:linClrLst meth="repeat">
+      <a:schemeClr val="accent2">
+        <a:tint val="40000"/>
+        <a:alpha val="90000"/>
+      </a:schemeClr>
+      <a:schemeClr val="accent3">
+        <a:tint val="40000"/>
+        <a:alpha val="90000"/>
+      </a:schemeClr>
+      <a:schemeClr val="accent4">
+        <a:tint val="40000"/>
+        <a:alpha val="90000"/>
+      </a:schemeClr>
+      <a:schemeClr val="accent5">
+        <a:tint val="40000"/>
+        <a:alpha val="90000"/>
+      </a:schemeClr>
+      <a:schemeClr val="accent6">
+        <a:tint val="40000"/>
+        <a:alpha val="90000"/>
+      </a:schemeClr>
+    </dgm:linClrLst>
+    <dgm:effectClrLst/>
+    <dgm:txLinClrLst/>
+    <dgm:txFillClrLst meth="repeat">
+      <a:schemeClr val="dk1"/>
+    </dgm:txFillClrLst>
+    <dgm:txEffectClrLst/>
+  </dgm:styleLbl>
+  <dgm:styleLbl name="alignAccFollowNode1">
+    <dgm:fillClrLst meth="repeat">
+      <a:schemeClr val="accent2">
+        <a:tint val="40000"/>
+        <a:alpha val="90000"/>
+      </a:schemeClr>
+      <a:schemeClr val="accent3">
+        <a:tint val="40000"/>
+        <a:alpha val="90000"/>
+      </a:schemeClr>
+      <a:schemeClr val="accent4">
+        <a:tint val="40000"/>
+        <a:alpha val="90000"/>
+      </a:schemeClr>
+      <a:schemeClr val="accent5">
+        <a:tint val="40000"/>
+        <a:alpha val="90000"/>
+      </a:schemeClr>
+      <a:schemeClr val="accent6">
+        <a:tint val="40000"/>
+        <a:alpha val="90000"/>
+      </a:schemeClr>
+    </dgm:fillClrLst>
+    <dgm:linClrLst meth="repeat">
+      <a:schemeClr val="accent2">
+        <a:tint val="40000"/>
+        <a:alpha val="90000"/>
+      </a:schemeClr>
+      <a:schemeClr val="accent3">
+        <a:tint val="40000"/>
+        <a:alpha val="90000"/>
+      </a:schemeClr>
+      <a:schemeClr val="accent4">
+        <a:tint val="40000"/>
+        <a:alpha val="90000"/>
+      </a:schemeClr>
+      <a:schemeClr val="accent5">
+        <a:tint val="40000"/>
+        <a:alpha val="90000"/>
+      </a:schemeClr>
+      <a:schemeClr val="accent6">
+        <a:tint val="40000"/>
+        <a:alpha val="90000"/>
+      </a:schemeClr>
+    </dgm:linClrLst>
+    <dgm:effectClrLst/>
+    <dgm:txLinClrLst/>
+    <dgm:txFillClrLst meth="repeat">
+      <a:schemeClr val="dk1"/>
+    </dgm:txFillClrLst>
+    <dgm:txEffectClrLst/>
+  </dgm:styleLbl>
+  <dgm:styleLbl name="bgAccFollowNode1">
+    <dgm:fillClrLst meth="repeat">
+      <a:schemeClr val="accent2">
+        <a:tint val="40000"/>
+        <a:alpha val="90000"/>
+      </a:schemeClr>
+      <a:schemeClr val="accent3">
+        <a:tint val="40000"/>
+        <a:alpha val="90000"/>
+      </a:schemeClr>
+      <a:schemeClr val="accent4">
+        <a:tint val="40000"/>
+        <a:alpha val="90000"/>
+      </a:schemeClr>
+      <a:schemeClr val="accent5">
+        <a:tint val="40000"/>
+        <a:alpha val="90000"/>
+      </a:schemeClr>
+      <a:schemeClr val="accent6">
+        <a:tint val="40000"/>
+        <a:alpha val="90000"/>
+      </a:schemeClr>
+    </dgm:fillClrLst>
+    <dgm:linClrLst meth="repeat">
+      <a:schemeClr val="accent2">
+        <a:tint val="40000"/>
+        <a:alpha val="90000"/>
+      </a:schemeClr>
+      <a:schemeClr val="accent3">
+        <a:tint val="40000"/>
+        <a:alpha val="90000"/>
+      </a:schemeClr>
+      <a:schemeClr val="accent4">
+        <a:tint val="40000"/>
+        <a:alpha val="90000"/>
+      </a:schemeClr>
+      <a:schemeClr val="accent5">
+        <a:tint val="40000"/>
+        <a:alpha val="90000"/>
+      </a:schemeClr>
+      <a:schemeClr val="accent6">
+        <a:tint val="40000"/>
+        <a:alpha val="90000"/>
+      </a:schemeClr>
+    </dgm:linClrLst>
+    <dgm:effectClrLst/>
+    <dgm:txLinClrLst/>
+    <dgm:txFillClrLst meth="repeat">
+      <a:schemeClr val="dk1"/>
+    </dgm:txFillClrLst>
+    <dgm:txEffectClrLst/>
+  </dgm:styleLbl>
+  <dgm:styleLbl name="fgAcc0">
+    <dgm:fillClrLst meth="repeat">
+      <a:schemeClr val="lt1">
+        <a:alpha val="90000"/>
+      </a:schemeClr>
+    </dgm:fillClrLst>
+    <dgm:linClrLst>
+      <a:schemeClr val="accent1"/>
+    </dgm:linClrLst>
+    <dgm:effectClrLst/>
+    <dgm:txLinClrLst/>
+    <dgm:txFillClrLst meth="repeat">
+      <a:schemeClr val="dk1"/>
+    </dgm:txFillClrLst>
+    <dgm:txEffectClrLst/>
+  </dgm:styleLbl>
+  <dgm:styleLbl name="fgAcc2">
+    <dgm:fillClrLst meth="repeat">
+      <a:schemeClr val="lt1">
+        <a:alpha val="90000"/>
+      </a:schemeClr>
+    </dgm:fillClrLst>
+    <dgm:linClrLst>
+      <a:schemeClr val="accent2"/>
+    </dgm:linClrLst>
+    <dgm:effectClrLst/>
+    <dgm:txLinClrLst/>
+    <dgm:txFillClrLst meth="repeat">
+      <a:schemeClr val="dk1"/>
+    </dgm:txFillClrLst>
+    <dgm:txEffectClrLst/>
+  </dgm:styleLbl>
+  <dgm:styleLbl name="fgAcc3">
+    <dgm:fillClrLst meth="repeat">
+      <a:schemeClr val="lt1">
+        <a:alpha val="90000"/>
+      </a:schemeClr>
+    </dgm:fillClrLst>
+    <dgm:linClrLst>
+      <a:schemeClr val="accent3"/>
+    </dgm:linClrLst>
+    <dgm:effectClrLst/>
+    <dgm:txLinClrLst/>
+    <dgm:txFillClrLst meth="repeat">
+      <a:schemeClr val="dk1"/>
+    </dgm:txFillClrLst>
+    <dgm:txEffectClrLst/>
+  </dgm:styleLbl>
+  <dgm:styleLbl name="fgAcc4">
+    <dgm:fillClrLst meth="repeat">
+      <a:schemeClr val="lt1">
+        <a:alpha val="90000"/>
+      </a:schemeClr>
+    </dgm:fillClrLst>
+    <dgm:linClrLst>
+      <a:schemeClr val="accent4"/>
+    </dgm:linClrLst>
+    <dgm:effectClrLst/>
+    <dgm:txLinClrLst/>
+    <dgm:txFillClrLst meth="repeat">
+      <a:schemeClr val="dk1"/>
+    </dgm:txFillClrLst>
+    <dgm:txEffectClrLst/>
+  </dgm:styleLbl>
+  <dgm:styleLbl name="bgShp">
+    <dgm:fillClrLst meth="repeat">
+      <a:schemeClr val="accent2">
+        <a:tint val="40000"/>
+      </a:schemeClr>
+    </dgm:fillClrLst>
+    <dgm:linClrLst meth="repeat">
+      <a:schemeClr val="dk1"/>
+    </dgm:linClrLst>
+    <dgm:effectClrLst/>
+    <dgm:txLinClrLst/>
+    <dgm:txFillClrLst meth="repeat">
+      <a:schemeClr val="dk1"/>
+    </dgm:txFillClrLst>
+    <dgm:txEffectClrLst/>
+  </dgm:styleLbl>
+  <dgm:styleLbl name="dkBgShp">
+    <dgm:fillClrLst meth="repeat">
+      <a:schemeClr val="accent2">
+        <a:shade val="90000"/>
+      </a:schemeClr>
+    </dgm:fillClrLst>
+    <dgm:linClrLst meth="repeat">
+      <a:schemeClr val="dk1"/>
+    </dgm:linClrLst>
+    <dgm:effectClrLst/>
+    <dgm:txLinClrLst/>
+    <dgm:txFillClrLst meth="repeat">
+      <a:schemeClr val="lt1"/>
+    </dgm:txFillClrLst>
+    <dgm:txEffectClrLst/>
+  </dgm:styleLbl>
+  <dgm:styleLbl name="trBgShp">
+    <dgm:fillClrLst meth="repeat">
+      <a:schemeClr val="accent1">
+        <a:tint val="50000"/>
+        <a:alpha val="40000"/>
+      </a:schemeClr>
+    </dgm:fillClrLst>
+    <dgm:linClrLst meth="repeat">
+      <a:schemeClr val="accent2"/>
+    </dgm:linClrLst>
+    <dgm:effectClrLst/>
+    <dgm:txLinClrLst/>
+    <dgm:txFillClrLst meth="repeat">
+      <a:schemeClr val="lt1"/>
+    </dgm:txFillClrLst>
+    <dgm:txEffectClrLst/>
+  </dgm:styleLbl>
+  <dgm:styleLbl name="fgShp">
+    <dgm:fillClrLst meth="repeat">
+      <a:schemeClr val="accent2">
+        <a:tint val="40000"/>
+      </a:schemeClr>
+    </dgm:fillClrLst>
+    <dgm:linClrLst meth="repeat">
+      <a:schemeClr val="lt1"/>
+    </dgm:linClrLst>
+    <dgm:effectClrLst/>
+    <dgm:txLinClrLst/>
+    <dgm:txFillClrLst meth="repeat">
+      <a:schemeClr val="dk1"/>
+    </dgm:txFillClrLst>
+    <dgm:txEffectClrLst/>
+  </dgm:styleLbl>
+  <dgm:styleLbl name="revTx">
+    <dgm:fillClrLst meth="repeat">
+      <a:schemeClr val="lt1">
+        <a:alpha val="0"/>
+      </a:schemeClr>
+    </dgm:fillClrLst>
+    <dgm:linClrLst meth="repeat">
+      <a:schemeClr val="dk1">
+        <a:alpha val="0"/>
+      </a:schemeClr>
+    </dgm:linClrLst>
+    <dgm:effectClrLst/>
+    <dgm:txLinClrLst/>
+    <dgm:txFillClrLst meth="repeat">
+      <a:schemeClr val="tx1"/>
+    </dgm:txFillClrLst>
+    <dgm:txEffectClrLst/>
+  </dgm:styleLbl>
+</dgm:colorsDef>
+</file>
+
+<file path=ppt/diagrams/colors2.xml><?xml version="1.0" encoding="utf-8"?>
+<dgm:colorsDef xmlns:dgm="http://schemas.openxmlformats.org/drawingml/2006/diagram" xmlns:a="http://schemas.openxmlformats.org/drawingml/2006/main" uniqueId="urn:microsoft.com/office/officeart/2005/8/colors/colorful2">
+  <dgm:title val=""/>
+  <dgm:desc val=""/>
+  <dgm:catLst>
+    <dgm:cat type="colorful" pri="10200"/>
+  </dgm:catLst>
+  <dgm:styleLbl name="node0">
+    <dgm:fillClrLst meth="repeat">
+      <a:schemeClr val="accent1"/>
+    </dgm:fillClrLst>
+    <dgm:linClrLst meth="repeat">
+      <a:schemeClr val="lt1"/>
+    </dgm:linClrLst>
+    <dgm:effectClrLst/>
+    <dgm:txLinClrLst/>
+    <dgm:txFillClrLst/>
+    <dgm:txEffectClrLst/>
+  </dgm:styleLbl>
+  <dgm:styleLbl name="node1">
+    <dgm:fillClrLst>
+      <a:schemeClr val="accent2"/>
+      <a:schemeClr val="accent3"/>
+    </dgm:fillClrLst>
+    <dgm:linClrLst meth="repeat">
+      <a:schemeClr val="lt1"/>
+    </dgm:linClrLst>
+    <dgm:effectClrLst/>
+    <dgm:txLinClrLst/>
+    <dgm:txFillClrLst/>
+    <dgm:txEffectClrLst/>
+  </dgm:styleLbl>
+  <dgm:styleLbl name="alignNode1">
+    <dgm:fillClrLst>
+      <a:schemeClr val="accent2"/>
+      <a:schemeClr val="accent3"/>
+    </dgm:fillClrLst>
+    <dgm:linClrLst>
+      <a:schemeClr val="accent2"/>
+      <a:schemeClr val="accent3"/>
+    </dgm:linClrLst>
+    <dgm:effectClrLst/>
+    <dgm:txLinClrLst/>
+    <dgm:txFillClrLst/>
+    <dgm:txEffectClrLst/>
+  </dgm:styleLbl>
+  <dgm:styleLbl name="lnNode1">
+    <dgm:fillClrLst>
+      <a:schemeClr val="accent2"/>
+      <a:schemeClr val="accent3"/>
+    </dgm:fillClrLst>
+    <dgm:linClrLst meth="repeat">
+      <a:schemeClr val="lt1"/>
+    </dgm:linClrLst>
+    <dgm:effectClrLst/>
+    <dgm:txLinClrLst/>
+    <dgm:txFillClrLst/>
+    <dgm:txEffectClrLst/>
+  </dgm:styleLbl>
+  <dgm:styleLbl name="vennNode1">
+    <dgm:fillClrLst>
+      <a:schemeClr val="accent2">
+        <a:alpha val="50000"/>
+      </a:schemeClr>
+      <a:schemeClr val="accent3">
+        <a:alpha val="50000"/>
+      </a:schemeClr>
+    </dgm:fillClrLst>
+    <dgm:linClrLst meth="repeat">
+      <a:schemeClr val="lt1"/>
+    </dgm:linClrLst>
+    <dgm:effectClrLst/>
+    <dgm:txLinClrLst/>
+    <dgm:txFillClrLst/>
+    <dgm:txEffectClrLst/>
+  </dgm:styleLbl>
+  <dgm:styleLbl name="node2">
+    <dgm:fillClrLst>
+      <a:schemeClr val="accent3"/>
+    </dgm:fillClrLst>
+    <dgm:linClrLst meth="repeat">
+      <a:schemeClr val="lt1"/>
+    </dgm:linClrLst>
+    <dgm:effectClrLst/>
+    <dgm:txLinClrLst/>
+    <dgm:txFillClrLst/>
+    <dgm:txEffectClrLst/>
+  </dgm:styleLbl>
+  <dgm:styleLbl name="node3">
+    <dgm:fillClrLst>
+      <a:schemeClr val="accent4"/>
+    </dgm:fillClrLst>
+    <dgm:linClrLst meth="repeat">
+      <a:schemeClr val="lt1"/>
+    </dgm:linClrLst>
+    <dgm:effectClrLst/>
+    <dgm:txLinClrLst/>
+    <dgm:txFillClrLst/>
+    <dgm:txEffectClrLst/>
+  </dgm:styleLbl>
+  <dgm:styleLbl name="node4">
+    <dgm:fillClrLst>
+      <a:schemeClr val="accent5"/>
+    </dgm:fillClrLst>
+    <dgm:linClrLst meth="repeat">
+      <a:schemeClr val="lt1"/>
+    </dgm:linClrLst>
+    <dgm:effectClrLst/>
+    <dgm:txLinClrLst/>
+    <dgm:txFillClrLst/>
+    <dgm:txEffectClrLst/>
+  </dgm:styleLbl>
+  <dgm:styleLbl name="fgImgPlace1">
+    <dgm:fillClrLst>
+      <a:schemeClr val="accent2">
+        <a:tint val="50000"/>
+      </a:schemeClr>
+      <a:schemeClr val="accent3">
+        <a:tint val="50000"/>
+      </a:schemeClr>
+    </dgm:fillClrLst>
+    <dgm:linClrLst meth="repeat">
+      <a:schemeClr val="lt1"/>
+    </dgm:linClrLst>
+    <dgm:effectClrLst/>
+    <dgm:txLinClrLst/>
+    <dgm:txFillClrLst meth="repeat">
+      <a:schemeClr val="lt1"/>
+    </dgm:txFillClrLst>
+    <dgm:txEffectClrLst/>
+  </dgm:styleLbl>
+  <dgm:styleLbl name="alignImgPlace1">
+    <dgm:fillClrLst>
+      <a:schemeClr val="accent2">
+        <a:tint val="50000"/>
+      </a:schemeClr>
+      <a:schemeClr val="accent3">
+        <a:tint val="20000"/>
+      </a:schemeClr>
+    </dgm:fillClrLst>
+    <dgm:linClrLst meth="repeat">
+      <a:schemeClr val="lt1"/>
+    </dgm:linClrLst>
+    <dgm:effectClrLst/>
+    <dgm:txLinClrLst/>
+    <dgm:txFillClrLst meth="repeat">
+      <a:schemeClr val="lt1"/>
+    </dgm:txFillClrLst>
+    <dgm:txEffectClrLst/>
+  </dgm:styleLbl>
+  <dgm:styleLbl name="bgImgPlace1">
+    <dgm:fillClrLst>
+      <a:schemeClr val="accent2">
+        <a:tint val="50000"/>
+      </a:schemeClr>
+      <a:schemeClr val="accent3">
+        <a:tint val="20000"/>
+      </a:schemeClr>
+    </dgm:fillClrLst>
+    <dgm:linClrLst meth="repeat">
+      <a:schemeClr val="lt1"/>
+    </dgm:linClrLst>
+    <dgm:effectClrLst/>
+    <dgm:txLinClrLst/>
+    <dgm:txFillClrLst meth="repeat">
+      <a:schemeClr val="lt1"/>
+    </dgm:txFillClrLst>
+    <dgm:txEffectClrLst/>
+  </dgm:styleLbl>
+  <dgm:styleLbl name="sibTrans2D1">
+    <dgm:fillClrLst>
+      <a:schemeClr val="accent2"/>
+      <a:schemeClr val="accent3"/>
+    </dgm:fillClrLst>
+    <dgm:linClrLst meth="repeat">
+      <a:schemeClr val="lt1"/>
+    </dgm:linClrLst>
+    <dgm:effectClrLst/>
+    <dgm:txLinClrLst/>
+    <dgm:txFillClrLst/>
+    <dgm:txEffectClrLst/>
+  </dgm:styleLbl>
+  <dgm:styleLbl name="fgSibTrans2D1">
+    <dgm:fillClrLst>
+      <a:schemeClr val="accent2"/>
+      <a:schemeClr val="accent3"/>
+    </dgm:fillClrLst>
+    <dgm:linClrLst meth="repeat">
+      <a:schemeClr val="lt1"/>
+    </dgm:linClrLst>
+    <dgm:effectClrLst/>
+    <dgm:txLinClrLst/>
+    <dgm:txFillClrLst meth="repeat">
+      <a:schemeClr val="lt1"/>
+    </dgm:txFillClrLst>
+    <dgm:txEffectClrLst/>
+  </dgm:styleLbl>
+  <dgm:styleLbl name="bgSibTrans2D1">
+    <dgm:fillClrLst>
+      <a:schemeClr val="accent2"/>
+      <a:schemeClr val="accent3"/>
+    </dgm:fillClrLst>
+    <dgm:linClrLst meth="repeat">
+      <a:schemeClr val="lt1"/>
+    </dgm:linClrLst>
+    <dgm:effectClrLst/>
+    <dgm:txLinClrLst/>
+    <dgm:txFillClrLst meth="repeat">
+      <a:schemeClr val="lt1"/>
+    </dgm:txFillClrLst>
+    <dgm:txEffectClrLst/>
+  </dgm:styleLbl>
+  <dgm:styleLbl name="sibTrans1D1">
+    <dgm:fillClrLst/>
+    <dgm:linClrLst>
+      <a:schemeClr val="accent2"/>
+      <a:schemeClr val="accent3"/>
+    </dgm:linClrLst>
+    <dgm:effectClrLst/>
+    <dgm:txLinClrLst/>
+    <dgm:txFillClrLst meth="repeat">
+      <a:schemeClr val="tx1"/>
+    </dgm:txFillClrLst>
+    <dgm:txEffectClrLst/>
+  </dgm:styleLbl>
+  <dgm:styleLbl name="callout">
+    <dgm:fillClrLst meth="repeat">
+      <a:schemeClr val="accent2"/>
+    </dgm:fillClrLst>
+    <dgm:linClrLst meth="repeat">
+      <a:schemeClr val="accent2">
+        <a:tint val="50000"/>
+      </a:schemeClr>
+    </dgm:linClrLst>
+    <dgm:effectClrLst/>
+    <dgm:txLinClrLst/>
+    <dgm:txFillClrLst meth="repeat">
+      <a:schemeClr val="tx1"/>
+    </dgm:txFillClrLst>
+    <dgm:txEffectClrLst/>
+  </dgm:styleLbl>
+  <dgm:styleLbl name="asst0">
+    <dgm:fillClrLst meth="repeat">
+      <a:schemeClr val="accent2"/>
+    </dgm:fillClrLst>
+    <dgm:linClrLst meth="repeat">
+      <a:schemeClr val="lt1">
+        <a:shade val="80000"/>
+      </a:schemeClr>
+    </dgm:linClrLst>
+    <dgm:effectClrLst/>
+    <dgm:txLinClrLst/>
+    <dgm:txFillClrLst/>
+    <dgm:txEffectClrLst/>
+  </dgm:styleLbl>
+  <dgm:styleLbl name="asst1">
+    <dgm:fillClrLst meth="repeat">
+      <a:schemeClr val="accent3"/>
+    </dgm:fillClrLst>
+    <dgm:linClrLst meth="repeat">
+      <a:schemeClr val="lt1">
+        <a:shade val="80000"/>
+      </a:schemeClr>
+    </dgm:linClrLst>
+    <dgm:effectClrLst/>
+    <dgm:txLinClrLst/>
+    <dgm:txFillClrLst/>
+    <dgm:txEffectClrLst/>
+  </dgm:styleLbl>
+  <dgm:styleLbl name="asst2">
+    <dgm:fillClrLst>
+      <a:schemeClr val="accent4"/>
+    </dgm:fillClrLst>
+    <dgm:linClrLst meth="repeat">
+      <a:schemeClr val="lt1"/>
+    </dgm:linClrLst>
+    <dgm:effectClrLst/>
+    <dgm:txLinClrLst/>
+    <dgm:txFillClrLst/>
+    <dgm:txEffectClrLst/>
+  </dgm:styleLbl>
+  <dgm:styleLbl name="asst3">
+    <dgm:fillClrLst>
+      <a:schemeClr val="accent5"/>
+    </dgm:fillClrLst>
+    <dgm:linClrLst meth="repeat">
+      <a:schemeClr val="lt1"/>
+    </dgm:linClrLst>
+    <dgm:effectClrLst/>
+    <dgm:txLinClrLst/>
+    <dgm:txFillClrLst/>
+    <dgm:txEffectClrLst/>
+  </dgm:styleLbl>
+  <dgm:styleLbl name="asst4">
+    <dgm:fillClrLst>
+      <a:schemeClr val="accent6"/>
+    </dgm:fillClrLst>
+    <dgm:linClrLst meth="repeat">
+      <a:schemeClr val="lt1"/>
+    </dgm:linClrLst>
+    <dgm:effectClrLst/>
+    <dgm:txLinClrLst/>
+    <dgm:txFillClrLst/>
+    <dgm:txEffectClrLst/>
+  </dgm:styleLbl>
+  <dgm:styleLbl name="parChTrans2D1">
+    <dgm:fillClrLst meth="repeat">
+      <a:schemeClr val="accent2"/>
+    </dgm:fillClrLst>
+    <dgm:linClrLst meth="repeat">
+      <a:schemeClr val="lt1"/>
+    </dgm:linClrLst>
+    <dgm:effectClrLst/>
+    <dgm:txLinClrLst/>
+    <dgm:txFillClrLst meth="repeat">
+      <a:schemeClr val="lt1"/>
+    </dgm:txFillClrLst>
+    <dgm:txEffectClrLst/>
+  </dgm:styleLbl>
+  <dgm:styleLbl name="parChTrans2D2">
+    <dgm:fillClrLst meth="repeat">
+      <a:schemeClr val="accent3"/>
+    </dgm:fillClrLst>
+    <dgm:linClrLst meth="repeat">
+      <a:schemeClr val="lt1"/>
+    </dgm:linClrLst>
+    <dgm:effectClrLst/>
+    <dgm:txLinClrLst/>
+    <dgm:txFillClrLst/>
+    <dgm:txEffectClrLst/>
+  </dgm:styleLbl>
+  <dgm:styleLbl name="parChTrans2D3">
+    <dgm:fillClrLst meth="repeat">
+      <a:schemeClr val="accent4"/>
+    </dgm:fillClrLst>
+    <dgm:linClrLst meth="repeat">
+      <a:schemeClr val="lt1"/>
+    </dgm:linClrLst>
+    <dgm:effectClrLst/>
+    <dgm:txLinClrLst/>
+    <dgm:txFillClrLst/>
+    <dgm:txEffectClrLst/>
+  </dgm:styleLbl>
+  <dgm:styleLbl name="parChTrans2D4">
+    <dgm:fillClrLst meth="repeat">
+      <a:schemeClr val="accent5"/>
+    </dgm:fillClrLst>
+    <dgm:linClrLst meth="repeat">
+      <a:schemeClr val="lt1"/>
+    </dgm:linClrLst>
+    <dgm:effectClrLst/>
+    <dgm:txLinClrLst/>
+    <dgm:txFillClrLst meth="repeat">
+      <a:schemeClr val="lt1"/>
+    </dgm:txFillClrLst>
+    <dgm:txEffectClrLst/>
+  </dgm:styleLbl>
+  <dgm:styleLbl name="parChTrans1D1">
+    <dgm:fillClrLst meth="repeat">
+      <a:schemeClr val="accent2"/>
+    </dgm:fillClrLst>
+    <dgm:linClrLst meth="repeat">
+      <a:schemeClr val="accent2"/>
+    </dgm:linClrLst>
+    <dgm:effectClrLst/>
+    <dgm:txLinClrLst/>
+    <dgm:txFillClrLst meth="repeat">
+      <a:schemeClr val="tx1"/>
+    </dgm:txFillClrLst>
+    <dgm:txEffectClrLst/>
+  </dgm:styleLbl>
+  <dgm:styleLbl name="parChTrans1D2">
+    <dgm:fillClrLst meth="repeat">
+      <a:schemeClr val="accent2">
+        <a:tint val="90000"/>
+      </a:schemeClr>
+    </dgm:fillClrLst>
+    <dgm:linClrLst meth="repeat">
+      <a:schemeClr val="accent3"/>
+    </dgm:linClrLst>
+    <dgm:effectClrLst/>
+    <dgm:txLinClrLst/>
+    <dgm:txFillClrLst meth="repeat">
+      <a:schemeClr val="tx1"/>
+    </dgm:txFillClrLst>
+    <dgm:txEffectClrLst/>
+  </dgm:styleLbl>
+  <dgm:styleLbl name="parChTrans1D3">
+    <dgm:fillClrLst meth="repeat">
+      <a:schemeClr val="accent2">
+        <a:tint val="70000"/>
+      </a:schemeClr>
+    </dgm:fillClrLst>
+    <dgm:linClrLst meth="repeat">
+      <a:schemeClr val="accent4"/>
+    </dgm:linClrLst>
+    <dgm:effectClrLst/>
+    <dgm:txLinClrLst/>
+    <dgm:txFillClrLst meth="repeat">
+      <a:schemeClr val="tx1"/>
+    </dgm:txFillClrLst>
+    <dgm:txEffectClrLst/>
+  </dgm:styleLbl>
+  <dgm:styleLbl name="parChTrans1D4">
+    <dgm:fillClrLst meth="repeat">
+      <a:schemeClr val="accent2">
+        <a:tint val="50000"/>
+      </a:schemeClr>
+    </dgm:fillClrLst>
+    <dgm:linClrLst meth="repeat">
+      <a:schemeClr val="accent5"/>
+    </dgm:linClrLst>
+    <dgm:effectClrLst/>
+    <dgm:txLinClrLst/>
+    <dgm:txFillClrLst meth="repeat">
+      <a:schemeClr val="tx1"/>
+    </dgm:txFillClrLst>
+    <dgm:txEffectClrLst/>
+  </dgm:styleLbl>
+  <dgm:styleLbl name="fgAcc1">
+    <dgm:fillClrLst meth="repeat">
+      <a:schemeClr val="lt1">
+        <a:alpha val="90000"/>
+      </a:schemeClr>
+    </dgm:fillClrLst>
+    <dgm:linClrLst>
+      <a:schemeClr val="accent2"/>
+      <a:schemeClr val="accent3"/>
+    </dgm:linClrLst>
+    <dgm:effectClrLst/>
+    <dgm:txLinClrLst/>
+    <dgm:txFillClrLst meth="repeat">
+      <a:schemeClr val="dk1"/>
+    </dgm:txFillClrLst>
+    <dgm:txEffectClrLst/>
+  </dgm:styleLbl>
+  <dgm:styleLbl name="conFgAcc1">
+    <dgm:fillClrLst meth="repeat">
+      <a:schemeClr val="lt1">
+        <a:alpha val="90000"/>
+      </a:schemeClr>
+    </dgm:fillClrLst>
+    <dgm:linClrLst>
+      <a:schemeClr val="accent2"/>
+      <a:schemeClr val="accent3"/>
+    </dgm:linClrLst>
+    <dgm:effectClrLst/>
+    <dgm:txLinClrLst/>
+    <dgm:txFillClrLst meth="repeat">
+      <a:schemeClr val="dk1"/>
+    </dgm:txFillClrLst>
+    <dgm:txEffectClrLst/>
+  </dgm:styleLbl>
+  <dgm:styleLbl name="alignAcc1">
+    <dgm:fillClrLst meth="repeat">
+      <a:schemeClr val="lt1">
+        <a:alpha val="90000"/>
+      </a:schemeClr>
+    </dgm:fillClrLst>
+    <dgm:linClrLst>
+      <a:schemeClr val="accent2"/>
+      <a:schemeClr val="accent3"/>
+    </dgm:linClrLst>
+    <dgm:effectClrLst/>
+    <dgm:txLinClrLst/>
+    <dgm:txFillClrLst meth="repeat">
+      <a:schemeClr val="dk1"/>
+    </dgm:txFillClrLst>
+    <dgm:txEffectClrLst/>
+  </dgm:styleLbl>
+  <dgm:styleLbl name="trAlignAcc1">
+    <dgm:fillClrLst meth="repeat">
+      <a:schemeClr val="lt1">
+        <a:alpha val="40000"/>
+      </a:schemeClr>
+    </dgm:fillClrLst>
+    <dgm:linClrLst meth="repeat">
+      <a:schemeClr val="accent2"/>
+    </dgm:linClrLst>
+    <dgm:effectClrLst/>
+    <dgm:txLinClrLst/>
+    <dgm:txFillClrLst meth="repeat">
+      <a:schemeClr val="dk1"/>
+    </dgm:txFillClrLst>
+    <dgm:txEffectClrLst/>
+  </dgm:styleLbl>
+  <dgm:styleLbl name="bgAcc1">
+    <dgm:fillClrLst meth="repeat">
+      <a:schemeClr val="lt1">
+        <a:alpha val="90000"/>
+      </a:schemeClr>
+    </dgm:fillClrLst>
+    <dgm:linClrLst>
+      <a:schemeClr val="accent2"/>
+      <a:schemeClr val="accent3"/>
+    </dgm:linClrLst>
+    <dgm:effectClrLst/>
+    <dgm:txLinClrLst/>
+    <dgm:txFillClrLst meth="repeat">
+      <a:schemeClr val="dk1"/>
+    </dgm:txFillClrLst>
+    <dgm:txEffectClrLst/>
+  </dgm:styleLbl>
+  <dgm:styleLbl name="solidFgAcc1">
+    <dgm:fillClrLst meth="repeat">
+      <a:schemeClr val="lt1"/>
+    </dgm:fillClrLst>
+    <dgm:linClrLst>
+      <a:schemeClr val="accent2"/>
+      <a:schemeClr val="accent3"/>
+    </dgm:linClrLst>
+    <dgm:effectClrLst/>
+    <dgm:txLinClrLst/>
+    <dgm:txFillClrLst meth="repeat">
+      <a:schemeClr val="dk1"/>
+    </dgm:txFillClrLst>
+    <dgm:txEffectClrLst/>
+  </dgm:styleLbl>
+  <dgm:styleLbl name="solidAlignAcc1">
+    <dgm:fillClrLst meth="repeat">
+      <a:schemeClr val="lt1"/>
+    </dgm:fillClrLst>
+    <dgm:linClrLst>
+      <a:schemeClr val="accent2"/>
+      <a:schemeClr val="accent3"/>
+    </dgm:linClrLst>
+    <dgm:effectClrLst/>
+    <dgm:txLinClrLst/>
+    <dgm:txFillClrLst meth="repeat">
+      <a:schemeClr val="dk1"/>
+    </dgm:txFillClrLst>
+    <dgm:txEffectClrLst/>
+  </dgm:styleLbl>
+  <dgm:styleLbl name="solidBgAcc1">
+    <dgm:fillClrLst meth="repeat">
+      <a:schemeClr val="lt1"/>
+    </dgm:fillClrLst>
+    <dgm:linClrLst>
+      <a:schemeClr val="accent2"/>
+      <a:schemeClr val="accent3"/>
+    </dgm:linClrLst>
+    <dgm:effectClrLst/>
+    <dgm:txLinClrLst/>
+    <dgm:txFillClrLst meth="repeat">
+      <a:schemeClr val="dk1"/>
+    </dgm:txFillClrLst>
+    <dgm:txEffectClrLst/>
+  </dgm:styleLbl>
+  <dgm:styleLbl name="fgAccFollowNode1">
+    <dgm:fillClrLst>
+      <a:schemeClr val="accent2">
+        <a:tint val="40000"/>
+        <a:alpha val="90000"/>
+      </a:schemeClr>
+      <a:schemeClr val="accent3">
+        <a:tint val="40000"/>
+        <a:alpha val="90000"/>
+      </a:schemeClr>
+    </dgm:fillClrLst>
+    <dgm:linClrLst>
+      <a:schemeClr val="accent2">
+        <a:tint val="40000"/>
+        <a:alpha val="90000"/>
+      </a:schemeClr>
+      <a:schemeClr val="accent3">
+        <a:tint val="40000"/>
+        <a:alpha val="90000"/>
+      </a:schemeClr>
+    </dgm:linClrLst>
+    <dgm:effectClrLst/>
+    <dgm:txLinClrLst/>
+    <dgm:txFillClrLst meth="repeat">
+      <a:schemeClr val="dk1"/>
+    </dgm:txFillClrLst>
+    <dgm:txEffectClrLst/>
+  </dgm:styleLbl>
+  <dgm:styleLbl name="alignAccFollowNode1">
+    <dgm:fillClrLst>
+      <a:schemeClr val="accent2">
+        <a:tint val="40000"/>
+        <a:alpha val="90000"/>
+      </a:schemeClr>
+      <a:schemeClr val="accent3">
+        <a:tint val="40000"/>
+        <a:alpha val="90000"/>
+      </a:schemeClr>
+    </dgm:fillClrLst>
+    <dgm:linClrLst>
+      <a:schemeClr val="accent2">
+        <a:tint val="40000"/>
+        <a:alpha val="90000"/>
+      </a:schemeClr>
+      <a:schemeClr val="accent3">
+        <a:tint val="40000"/>
+        <a:alpha val="90000"/>
+      </a:schemeClr>
+    </dgm:linClrLst>
+    <dgm:effectClrLst/>
+    <dgm:txLinClrLst/>
+    <dgm:txFillClrLst meth="repeat">
+      <a:schemeClr val="dk1"/>
+    </dgm:txFillClrLst>
+    <dgm:txEffectClrLst/>
+  </dgm:styleLbl>
+  <dgm:styleLbl name="bgAccFollowNode1">
+    <dgm:fillClrLst>
+      <a:schemeClr val="accent2">
+        <a:tint val="40000"/>
+        <a:alpha val="90000"/>
+      </a:schemeClr>
+      <a:schemeClr val="accent3">
+        <a:tint val="40000"/>
+        <a:alpha val="90000"/>
+      </a:schemeClr>
+    </dgm:fillClrLst>
+    <dgm:linClrLst>
+      <a:schemeClr val="accent2">
+        <a:tint val="40000"/>
+        <a:alpha val="90000"/>
+      </a:schemeClr>
+      <a:schemeClr val="accent3">
+        <a:tint val="40000"/>
+        <a:alpha val="90000"/>
+      </a:schemeClr>
+    </dgm:linClrLst>
+    <dgm:effectClrLst/>
+    <dgm:txLinClrLst/>
+    <dgm:txFillClrLst meth="repeat">
+      <a:schemeClr val="dk1"/>
+    </dgm:txFillClrLst>
+    <dgm:txEffectClrLst/>
+  </dgm:styleLbl>
+  <dgm:styleLbl name="fgAcc0">
+    <dgm:fillClrLst meth="repeat">
+      <a:schemeClr val="lt1">
+        <a:alpha val="90000"/>
+      </a:schemeClr>
+    </dgm:fillClrLst>
+    <dgm:linClrLst>
+      <a:schemeClr val="accent1"/>
+    </dgm:linClrLst>
+    <dgm:effectClrLst/>
+    <dgm:txLinClrLst/>
+    <dgm:txFillClrLst meth="repeat">
+      <a:schemeClr val="dk1"/>
+    </dgm:txFillClrLst>
+    <dgm:txEffectClrLst/>
+  </dgm:styleLbl>
+  <dgm:styleLbl name="fgAcc2">
+    <dgm:fillClrLst meth="repeat">
+      <a:schemeClr val="lt1">
+        <a:alpha val="90000"/>
+      </a:schemeClr>
+    </dgm:fillClrLst>
+    <dgm:linClrLst>
+      <a:schemeClr val="accent3"/>
+    </dgm:linClrLst>
+    <dgm:effectClrLst/>
+    <dgm:txLinClrLst/>
+    <dgm:txFillClrLst meth="repeat">
+      <a:schemeClr val="dk1"/>
+    </dgm:txFillClrLst>
+    <dgm:txEffectClrLst/>
+  </dgm:styleLbl>
+  <dgm:styleLbl name="fgAcc3">
+    <dgm:fillClrLst meth="repeat">
+      <a:schemeClr val="lt1">
+        <a:alpha val="90000"/>
+      </a:schemeClr>
+    </dgm:fillClrLst>
+    <dgm:linClrLst>
+      <a:schemeClr val="accent4"/>
+    </dgm:linClrLst>
+    <dgm:effectClrLst/>
+    <dgm:txLinClrLst/>
+    <dgm:txFillClrLst meth="repeat">
+      <a:schemeClr val="dk1"/>
+    </dgm:txFillClrLst>
+    <dgm:txEffectClrLst/>
+  </dgm:styleLbl>
+  <dgm:styleLbl name="fgAcc4">
+    <dgm:fillClrLst meth="repeat">
+      <a:schemeClr val="lt1">
+        <a:alpha val="90000"/>
+      </a:schemeClr>
+    </dgm:fillClrLst>
+    <dgm:linClrLst>
+      <a:schemeClr val="accent5"/>
+    </dgm:linClrLst>
+    <dgm:effectClrLst/>
+    <dgm:txLinClrLst/>
+    <dgm:txFillClrLst meth="repeat">
+      <a:schemeClr val="dk1"/>
+    </dgm:txFillClrLst>
+    <dgm:txEffectClrLst/>
+  </dgm:styleLbl>
+  <dgm:styleLbl name="bgShp">
+    <dgm:fillClrLst meth="repeat">
+      <a:schemeClr val="accent2">
+        <a:tint val="40000"/>
+      </a:schemeClr>
+    </dgm:fillClrLst>
+    <dgm:linClrLst meth="repeat">
+      <a:schemeClr val="dk1"/>
+    </dgm:linClrLst>
+    <dgm:effectClrLst/>
+    <dgm:txLinClrLst/>
+    <dgm:txFillClrLst meth="repeat">
+      <a:schemeClr val="dk1"/>
+    </dgm:txFillClrLst>
+    <dgm:txEffectClrLst/>
+  </dgm:styleLbl>
+  <dgm:styleLbl name="dkBgShp">
+    <dgm:fillClrLst meth="repeat">
+      <a:schemeClr val="accent2">
+        <a:shade val="90000"/>
+      </a:schemeClr>
+    </dgm:fillClrLst>
+    <dgm:linClrLst meth="repeat">
+      <a:schemeClr val="dk1"/>
+    </dgm:linClrLst>
+    <dgm:effectClrLst/>
+    <dgm:txLinClrLst/>
+    <dgm:txFillClrLst meth="repeat">
+      <a:schemeClr val="lt1"/>
+    </dgm:txFillClrLst>
+    <dgm:txEffectClrLst/>
+  </dgm:styleLbl>
+  <dgm:styleLbl name="trBgShp">
+    <dgm:fillClrLst meth="repeat">
+      <a:schemeClr val="accent2">
+        <a:tint val="50000"/>
+        <a:alpha val="40000"/>
+      </a:schemeClr>
+    </dgm:fillClrLst>
+    <dgm:linClrLst meth="repeat">
+      <a:schemeClr val="accent2"/>
+    </dgm:linClrLst>
+    <dgm:effectClrLst/>
+    <dgm:txLinClrLst/>
+    <dgm:txFillClrLst meth="repeat">
+      <a:schemeClr val="lt1"/>
+    </dgm:txFillClrLst>
+    <dgm:txEffectClrLst/>
+  </dgm:styleLbl>
+  <dgm:styleLbl name="fgShp">
+    <dgm:fillClrLst meth="repeat">
+      <a:schemeClr val="accent2">
+        <a:tint val="40000"/>
+      </a:schemeClr>
+    </dgm:fillClrLst>
+    <dgm:linClrLst meth="repeat">
+      <a:schemeClr val="lt1"/>
+    </dgm:linClrLst>
+    <dgm:effectClrLst/>
+    <dgm:txLinClrLst/>
+    <dgm:txFillClrLst meth="repeat">
+      <a:schemeClr val="dk1"/>
+    </dgm:txFillClrLst>
+    <dgm:txEffectClrLst/>
+  </dgm:styleLbl>
+  <dgm:styleLbl name="revTx">
+    <dgm:fillClrLst meth="repeat">
+      <a:schemeClr val="lt1">
+        <a:alpha val="0"/>
+      </a:schemeClr>
+    </dgm:fillClrLst>
+    <dgm:linClrLst meth="repeat">
+      <a:schemeClr val="dk1">
+        <a:alpha val="0"/>
+      </a:schemeClr>
+    </dgm:linClrLst>
+    <dgm:effectClrLst/>
+    <dgm:txLinClrLst/>
+    <dgm:txFillClrLst meth="repeat">
+      <a:schemeClr val="tx1"/>
+    </dgm:txFillClrLst>
+    <dgm:txEffectClrLst/>
+  </dgm:styleLbl>
+</dgm:colorsDef>
+</file>
+
+<file path=ppt/diagrams/data1.xml><?xml version="1.0" encoding="utf-8"?>
+<dgm:dataModel xmlns:dgm="http://schemas.openxmlformats.org/drawingml/2006/diagram" xmlns:a="http://schemas.openxmlformats.org/drawingml/2006/main">
+  <dgm:ptLst>
+    <dgm:pt modelId="{61EB6FD1-F37A-44E7-A945-B6ECCEDE6327}" type="doc">
+      <dgm:prSet loTypeId="urn:microsoft.com/office/officeart/2005/8/layout/hierarchy3" loCatId="hierarchy" qsTypeId="urn:microsoft.com/office/officeart/2005/8/quickstyle/simple1" qsCatId="simple" csTypeId="urn:microsoft.com/office/officeart/2005/8/colors/colorful1" csCatId="colorful"/>
+      <dgm:spPr/>
+      <dgm:t>
+        <a:bodyPr/>
+        <a:lstStyle/>
+        <a:p>
+          <a:endParaRPr lang="en-US"/>
+        </a:p>
+      </dgm:t>
+    </dgm:pt>
+    <dgm:pt modelId="{37DDBA09-6457-442A-9D5B-1FFA04BCF8BA}">
+      <dgm:prSet/>
+      <dgm:spPr/>
+      <dgm:t>
+        <a:bodyPr/>
+        <a:lstStyle/>
+        <a:p>
+          <a:r>
+            <a:rPr lang="de-CH"/>
+            <a:t>Penaltygame</a:t>
+          </a:r>
+          <a:endParaRPr lang="en-US"/>
+        </a:p>
+      </dgm:t>
+    </dgm:pt>
+    <dgm:pt modelId="{1A0C85DB-739C-476A-B62F-E119D5E01B50}" type="parTrans" cxnId="{B7B1093C-22C8-4C7B-A223-2DE9442A50FF}">
+      <dgm:prSet/>
+      <dgm:spPr/>
+      <dgm:t>
+        <a:bodyPr/>
+        <a:lstStyle/>
+        <a:p>
+          <a:endParaRPr lang="en-US"/>
+        </a:p>
+      </dgm:t>
+    </dgm:pt>
+    <dgm:pt modelId="{C250F1B6-F89A-4E61-A827-0298433DF7F4}" type="sibTrans" cxnId="{B7B1093C-22C8-4C7B-A223-2DE9442A50FF}">
+      <dgm:prSet/>
+      <dgm:spPr/>
+      <dgm:t>
+        <a:bodyPr/>
+        <a:lstStyle/>
+        <a:p>
+          <a:endParaRPr lang="en-US"/>
+        </a:p>
+      </dgm:t>
+    </dgm:pt>
+    <dgm:pt modelId="{CFEA581D-F63B-4DC3-86A8-640A5CBD7804}">
+      <dgm:prSet/>
+      <dgm:spPr/>
+      <dgm:t>
+        <a:bodyPr/>
+        <a:lstStyle/>
+        <a:p>
+          <a:r>
+            <a:rPr lang="de-CH"/>
+            <a:t>Spritesuche -&gt; Bild</a:t>
+          </a:r>
+          <a:endParaRPr lang="en-US"/>
+        </a:p>
+      </dgm:t>
+    </dgm:pt>
+    <dgm:pt modelId="{9A00B98D-8DAF-48CF-84D2-A990F41B6423}" type="parTrans" cxnId="{69F64410-392D-4649-AFD9-5F7A27A8BA17}">
+      <dgm:prSet/>
+      <dgm:spPr/>
+      <dgm:t>
+        <a:bodyPr/>
+        <a:lstStyle/>
+        <a:p>
+          <a:endParaRPr lang="en-US"/>
+        </a:p>
+      </dgm:t>
+    </dgm:pt>
+    <dgm:pt modelId="{48335C06-8F24-49D5-B2EC-A174A4965F74}" type="sibTrans" cxnId="{69F64410-392D-4649-AFD9-5F7A27A8BA17}">
+      <dgm:prSet/>
+      <dgm:spPr/>
+      <dgm:t>
+        <a:bodyPr/>
+        <a:lstStyle/>
+        <a:p>
+          <a:endParaRPr lang="en-US"/>
+        </a:p>
+      </dgm:t>
+    </dgm:pt>
+    <dgm:pt modelId="{79E0538D-A316-4F46-A6AD-F6747FABB11F}">
+      <dgm:prSet/>
+      <dgm:spPr/>
+      <dgm:t>
+        <a:bodyPr/>
+        <a:lstStyle/>
+        <a:p>
+          <a:r>
+            <a:rPr lang="de-CH"/>
+            <a:t>Zwei Feldspieler</a:t>
+          </a:r>
+          <a:endParaRPr lang="en-US"/>
+        </a:p>
+      </dgm:t>
+    </dgm:pt>
+    <dgm:pt modelId="{4A87D619-BD4C-4FD6-A98E-05CA9B3B3083}" type="parTrans" cxnId="{EB1E0EF7-67E0-4ED7-BB27-9AC175B4F9FE}">
+      <dgm:prSet/>
+      <dgm:spPr/>
+      <dgm:t>
+        <a:bodyPr/>
+        <a:lstStyle/>
+        <a:p>
+          <a:endParaRPr lang="en-US"/>
+        </a:p>
+      </dgm:t>
+    </dgm:pt>
+    <dgm:pt modelId="{F8F1F564-40F2-47D0-B8B0-EBBD8477EADC}" type="sibTrans" cxnId="{EB1E0EF7-67E0-4ED7-BB27-9AC175B4F9FE}">
+      <dgm:prSet/>
+      <dgm:spPr/>
+      <dgm:t>
+        <a:bodyPr/>
+        <a:lstStyle/>
+        <a:p>
+          <a:endParaRPr lang="en-US"/>
+        </a:p>
+      </dgm:t>
+    </dgm:pt>
+    <dgm:pt modelId="{B8D7A352-7916-4F6B-B3DD-083E0E5ECE4E}" type="pres">
+      <dgm:prSet presAssocID="{61EB6FD1-F37A-44E7-A945-B6ECCEDE6327}" presName="diagram" presStyleCnt="0">
+        <dgm:presLayoutVars>
+          <dgm:chPref val="1"/>
+          <dgm:dir/>
+          <dgm:animOne val="branch"/>
+          <dgm:animLvl val="lvl"/>
+          <dgm:resizeHandles/>
+        </dgm:presLayoutVars>
+      </dgm:prSet>
+      <dgm:spPr/>
+    </dgm:pt>
+    <dgm:pt modelId="{7CD8B373-0AA8-413E-ABD3-1B68E9D33B4A}" type="pres">
+      <dgm:prSet presAssocID="{37DDBA09-6457-442A-9D5B-1FFA04BCF8BA}" presName="root" presStyleCnt="0"/>
+      <dgm:spPr/>
+    </dgm:pt>
+    <dgm:pt modelId="{7ECB5B75-D971-4238-9BBB-D454AEBBF60D}" type="pres">
+      <dgm:prSet presAssocID="{37DDBA09-6457-442A-9D5B-1FFA04BCF8BA}" presName="rootComposite" presStyleCnt="0"/>
+      <dgm:spPr/>
+    </dgm:pt>
+    <dgm:pt modelId="{3AD50213-D7C8-40B0-AC32-A46C7BFD758D}" type="pres">
+      <dgm:prSet presAssocID="{37DDBA09-6457-442A-9D5B-1FFA04BCF8BA}" presName="rootText" presStyleLbl="node1" presStyleIdx="0" presStyleCnt="3"/>
+      <dgm:spPr/>
+    </dgm:pt>
+    <dgm:pt modelId="{78853098-776A-4CA4-B667-C4678142490D}" type="pres">
+      <dgm:prSet presAssocID="{37DDBA09-6457-442A-9D5B-1FFA04BCF8BA}" presName="rootConnector" presStyleLbl="node1" presStyleIdx="0" presStyleCnt="3"/>
+      <dgm:spPr/>
+    </dgm:pt>
+    <dgm:pt modelId="{7FB6A561-8EC8-403B-9839-EB0104535B0C}" type="pres">
+      <dgm:prSet presAssocID="{37DDBA09-6457-442A-9D5B-1FFA04BCF8BA}" presName="childShape" presStyleCnt="0"/>
+      <dgm:spPr/>
+    </dgm:pt>
+    <dgm:pt modelId="{B366310B-48E3-4764-8369-E3677958BCFA}" type="pres">
+      <dgm:prSet presAssocID="{CFEA581D-F63B-4DC3-86A8-640A5CBD7804}" presName="root" presStyleCnt="0"/>
+      <dgm:spPr/>
+    </dgm:pt>
+    <dgm:pt modelId="{4082C4DC-9EDE-46ED-A17A-3372E4E86536}" type="pres">
+      <dgm:prSet presAssocID="{CFEA581D-F63B-4DC3-86A8-640A5CBD7804}" presName="rootComposite" presStyleCnt="0"/>
+      <dgm:spPr/>
+    </dgm:pt>
+    <dgm:pt modelId="{60028F21-1455-4D12-ACC0-1C7B2E327CBA}" type="pres">
+      <dgm:prSet presAssocID="{CFEA581D-F63B-4DC3-86A8-640A5CBD7804}" presName="rootText" presStyleLbl="node1" presStyleIdx="1" presStyleCnt="3"/>
+      <dgm:spPr/>
+    </dgm:pt>
+    <dgm:pt modelId="{DB36E625-1C4C-42CA-A147-C64017452BBB}" type="pres">
+      <dgm:prSet presAssocID="{CFEA581D-F63B-4DC3-86A8-640A5CBD7804}" presName="rootConnector" presStyleLbl="node1" presStyleIdx="1" presStyleCnt="3"/>
+      <dgm:spPr/>
+    </dgm:pt>
+    <dgm:pt modelId="{F1367FFD-97D4-4E0C-9B5D-CCDD5954D154}" type="pres">
+      <dgm:prSet presAssocID="{CFEA581D-F63B-4DC3-86A8-640A5CBD7804}" presName="childShape" presStyleCnt="0"/>
+      <dgm:spPr/>
+    </dgm:pt>
+    <dgm:pt modelId="{C820D74E-5BFE-463C-B983-B072867E2175}" type="pres">
+      <dgm:prSet presAssocID="{79E0538D-A316-4F46-A6AD-F6747FABB11F}" presName="root" presStyleCnt="0"/>
+      <dgm:spPr/>
+    </dgm:pt>
+    <dgm:pt modelId="{0487A5B0-B3DD-4DDA-A3CB-529E477A7FCF}" type="pres">
+      <dgm:prSet presAssocID="{79E0538D-A316-4F46-A6AD-F6747FABB11F}" presName="rootComposite" presStyleCnt="0"/>
+      <dgm:spPr/>
+    </dgm:pt>
+    <dgm:pt modelId="{B9129F9D-EFD7-4BCE-B169-743748B97B80}" type="pres">
+      <dgm:prSet presAssocID="{79E0538D-A316-4F46-A6AD-F6747FABB11F}" presName="rootText" presStyleLbl="node1" presStyleIdx="2" presStyleCnt="3"/>
+      <dgm:spPr/>
+    </dgm:pt>
+    <dgm:pt modelId="{32C3850D-02B9-4E96-B60B-545B499C3F28}" type="pres">
+      <dgm:prSet presAssocID="{79E0538D-A316-4F46-A6AD-F6747FABB11F}" presName="rootConnector" presStyleLbl="node1" presStyleIdx="2" presStyleCnt="3"/>
+      <dgm:spPr/>
+    </dgm:pt>
+    <dgm:pt modelId="{0195374A-D527-41BE-B447-2A3F8F4D8C42}" type="pres">
+      <dgm:prSet presAssocID="{79E0538D-A316-4F46-A6AD-F6747FABB11F}" presName="childShape" presStyleCnt="0"/>
+      <dgm:spPr/>
+    </dgm:pt>
+  </dgm:ptLst>
+  <dgm:cxnLst>
+    <dgm:cxn modelId="{69F64410-392D-4649-AFD9-5F7A27A8BA17}" srcId="{61EB6FD1-F37A-44E7-A945-B6ECCEDE6327}" destId="{CFEA581D-F63B-4DC3-86A8-640A5CBD7804}" srcOrd="1" destOrd="0" parTransId="{9A00B98D-8DAF-48CF-84D2-A990F41B6423}" sibTransId="{48335C06-8F24-49D5-B2EC-A174A4965F74}"/>
+    <dgm:cxn modelId="{B7B1093C-22C8-4C7B-A223-2DE9442A50FF}" srcId="{61EB6FD1-F37A-44E7-A945-B6ECCEDE6327}" destId="{37DDBA09-6457-442A-9D5B-1FFA04BCF8BA}" srcOrd="0" destOrd="0" parTransId="{1A0C85DB-739C-476A-B62F-E119D5E01B50}" sibTransId="{C250F1B6-F89A-4E61-A827-0298433DF7F4}"/>
+    <dgm:cxn modelId="{E5DCA854-E016-4C22-A910-C67A4CABB9D8}" type="presOf" srcId="{79E0538D-A316-4F46-A6AD-F6747FABB11F}" destId="{B9129F9D-EFD7-4BCE-B169-743748B97B80}" srcOrd="0" destOrd="0" presId="urn:microsoft.com/office/officeart/2005/8/layout/hierarchy3"/>
+    <dgm:cxn modelId="{C8F26556-E7FE-4B3B-8CBF-DD75860DC7A6}" type="presOf" srcId="{37DDBA09-6457-442A-9D5B-1FFA04BCF8BA}" destId="{3AD50213-D7C8-40B0-AC32-A46C7BFD758D}" srcOrd="0" destOrd="0" presId="urn:microsoft.com/office/officeart/2005/8/layout/hierarchy3"/>
+    <dgm:cxn modelId="{3E47B27E-3142-43DD-BD09-459D4F3E1AA0}" type="presOf" srcId="{CFEA581D-F63B-4DC3-86A8-640A5CBD7804}" destId="{DB36E625-1C4C-42CA-A147-C64017452BBB}" srcOrd="1" destOrd="0" presId="urn:microsoft.com/office/officeart/2005/8/layout/hierarchy3"/>
+    <dgm:cxn modelId="{6D3B4184-8EF5-4B1F-9014-13E38E480BD7}" type="presOf" srcId="{CFEA581D-F63B-4DC3-86A8-640A5CBD7804}" destId="{60028F21-1455-4D12-ACC0-1C7B2E327CBA}" srcOrd="0" destOrd="0" presId="urn:microsoft.com/office/officeart/2005/8/layout/hierarchy3"/>
+    <dgm:cxn modelId="{2772B8A9-4092-4D92-9127-F3476CEB05FC}" type="presOf" srcId="{37DDBA09-6457-442A-9D5B-1FFA04BCF8BA}" destId="{78853098-776A-4CA4-B667-C4678142490D}" srcOrd="1" destOrd="0" presId="urn:microsoft.com/office/officeart/2005/8/layout/hierarchy3"/>
+    <dgm:cxn modelId="{C81DEFEF-FFA9-4B35-9D26-4E40E536459D}" type="presOf" srcId="{61EB6FD1-F37A-44E7-A945-B6ECCEDE6327}" destId="{B8D7A352-7916-4F6B-B3DD-083E0E5ECE4E}" srcOrd="0" destOrd="0" presId="urn:microsoft.com/office/officeart/2005/8/layout/hierarchy3"/>
+    <dgm:cxn modelId="{D4C0FFF0-49B8-4B30-83FE-1BCE350C5B8F}" type="presOf" srcId="{79E0538D-A316-4F46-A6AD-F6747FABB11F}" destId="{32C3850D-02B9-4E96-B60B-545B499C3F28}" srcOrd="1" destOrd="0" presId="urn:microsoft.com/office/officeart/2005/8/layout/hierarchy3"/>
+    <dgm:cxn modelId="{EB1E0EF7-67E0-4ED7-BB27-9AC175B4F9FE}" srcId="{61EB6FD1-F37A-44E7-A945-B6ECCEDE6327}" destId="{79E0538D-A316-4F46-A6AD-F6747FABB11F}" srcOrd="2" destOrd="0" parTransId="{4A87D619-BD4C-4FD6-A98E-05CA9B3B3083}" sibTransId="{F8F1F564-40F2-47D0-B8B0-EBBD8477EADC}"/>
+    <dgm:cxn modelId="{7F8D1E69-CB6B-4828-A3F0-6E09E0560520}" type="presParOf" srcId="{B8D7A352-7916-4F6B-B3DD-083E0E5ECE4E}" destId="{7CD8B373-0AA8-413E-ABD3-1B68E9D33B4A}" srcOrd="0" destOrd="0" presId="urn:microsoft.com/office/officeart/2005/8/layout/hierarchy3"/>
+    <dgm:cxn modelId="{9884C486-496E-4293-8224-68190D30EE32}" type="presParOf" srcId="{7CD8B373-0AA8-413E-ABD3-1B68E9D33B4A}" destId="{7ECB5B75-D971-4238-9BBB-D454AEBBF60D}" srcOrd="0" destOrd="0" presId="urn:microsoft.com/office/officeart/2005/8/layout/hierarchy3"/>
+    <dgm:cxn modelId="{7DA3A48F-4368-44B4-9A89-C43C2A7D96BD}" type="presParOf" srcId="{7ECB5B75-D971-4238-9BBB-D454AEBBF60D}" destId="{3AD50213-D7C8-40B0-AC32-A46C7BFD758D}" srcOrd="0" destOrd="0" presId="urn:microsoft.com/office/officeart/2005/8/layout/hierarchy3"/>
+    <dgm:cxn modelId="{C14921BF-6228-4B4D-9A83-30B543CA2506}" type="presParOf" srcId="{7ECB5B75-D971-4238-9BBB-D454AEBBF60D}" destId="{78853098-776A-4CA4-B667-C4678142490D}" srcOrd="1" destOrd="0" presId="urn:microsoft.com/office/officeart/2005/8/layout/hierarchy3"/>
+    <dgm:cxn modelId="{BD7795DC-109E-4C7B-8797-52D3C0835642}" type="presParOf" srcId="{7CD8B373-0AA8-413E-ABD3-1B68E9D33B4A}" destId="{7FB6A561-8EC8-403B-9839-EB0104535B0C}" srcOrd="1" destOrd="0" presId="urn:microsoft.com/office/officeart/2005/8/layout/hierarchy3"/>
+    <dgm:cxn modelId="{C1EE0FB9-7699-4F57-A02D-D18B3C08AF60}" type="presParOf" srcId="{B8D7A352-7916-4F6B-B3DD-083E0E5ECE4E}" destId="{B366310B-48E3-4764-8369-E3677958BCFA}" srcOrd="1" destOrd="0" presId="urn:microsoft.com/office/officeart/2005/8/layout/hierarchy3"/>
+    <dgm:cxn modelId="{6701C99A-A22D-41DD-8122-E2DFFCCA4CBE}" type="presParOf" srcId="{B366310B-48E3-4764-8369-E3677958BCFA}" destId="{4082C4DC-9EDE-46ED-A17A-3372E4E86536}" srcOrd="0" destOrd="0" presId="urn:microsoft.com/office/officeart/2005/8/layout/hierarchy3"/>
+    <dgm:cxn modelId="{50093585-E8D6-44F0-866F-330725690E6C}" type="presParOf" srcId="{4082C4DC-9EDE-46ED-A17A-3372E4E86536}" destId="{60028F21-1455-4D12-ACC0-1C7B2E327CBA}" srcOrd="0" destOrd="0" presId="urn:microsoft.com/office/officeart/2005/8/layout/hierarchy3"/>
+    <dgm:cxn modelId="{197F3F8B-4967-41CA-B99E-68C0CA141E66}" type="presParOf" srcId="{4082C4DC-9EDE-46ED-A17A-3372E4E86536}" destId="{DB36E625-1C4C-42CA-A147-C64017452BBB}" srcOrd="1" destOrd="0" presId="urn:microsoft.com/office/officeart/2005/8/layout/hierarchy3"/>
+    <dgm:cxn modelId="{65EA5581-3582-4986-B38F-D815790155B3}" type="presParOf" srcId="{B366310B-48E3-4764-8369-E3677958BCFA}" destId="{F1367FFD-97D4-4E0C-9B5D-CCDD5954D154}" srcOrd="1" destOrd="0" presId="urn:microsoft.com/office/officeart/2005/8/layout/hierarchy3"/>
+    <dgm:cxn modelId="{36D2499C-584B-469A-B897-C22AA5582AC5}" type="presParOf" srcId="{B8D7A352-7916-4F6B-B3DD-083E0E5ECE4E}" destId="{C820D74E-5BFE-463C-B983-B072867E2175}" srcOrd="2" destOrd="0" presId="urn:microsoft.com/office/officeart/2005/8/layout/hierarchy3"/>
+    <dgm:cxn modelId="{98AFD348-AF0B-4527-AF8E-D2804FCBF715}" type="presParOf" srcId="{C820D74E-5BFE-463C-B983-B072867E2175}" destId="{0487A5B0-B3DD-4DDA-A3CB-529E477A7FCF}" srcOrd="0" destOrd="0" presId="urn:microsoft.com/office/officeart/2005/8/layout/hierarchy3"/>
+    <dgm:cxn modelId="{921BC443-AED4-46D2-91C9-7729A1B8CE4E}" type="presParOf" srcId="{0487A5B0-B3DD-4DDA-A3CB-529E477A7FCF}" destId="{B9129F9D-EFD7-4BCE-B169-743748B97B80}" srcOrd="0" destOrd="0" presId="urn:microsoft.com/office/officeart/2005/8/layout/hierarchy3"/>
+    <dgm:cxn modelId="{622CC043-EB81-4FDE-AA8B-2E713877CE91}" type="presParOf" srcId="{0487A5B0-B3DD-4DDA-A3CB-529E477A7FCF}" destId="{32C3850D-02B9-4E96-B60B-545B499C3F28}" srcOrd="1" destOrd="0" presId="urn:microsoft.com/office/officeart/2005/8/layout/hierarchy3"/>
+    <dgm:cxn modelId="{1B8AEE1A-319B-4466-9E30-FD5D99A1DBA6}" type="presParOf" srcId="{C820D74E-5BFE-463C-B983-B072867E2175}" destId="{0195374A-D527-41BE-B447-2A3F8F4D8C42}" srcOrd="1" destOrd="0" presId="urn:microsoft.com/office/officeart/2005/8/layout/hierarchy3"/>
+  </dgm:cxnLst>
+  <dgm:bg/>
+  <dgm:whole/>
+  <dgm:extLst>
+    <a:ext uri="http://schemas.microsoft.com/office/drawing/2008/diagram">
+      <dsp:dataModelExt xmlns:dsp="http://schemas.microsoft.com/office/drawing/2008/diagram" relId="rId6" minVer="http://schemas.openxmlformats.org/drawingml/2006/diagram"/>
+    </a:ext>
+  </dgm:extLst>
+</dgm:dataModel>
+</file>
+
+<file path=ppt/diagrams/data2.xml><?xml version="1.0" encoding="utf-8"?>
+<dgm:dataModel xmlns:dgm="http://schemas.openxmlformats.org/drawingml/2006/diagram" xmlns:a="http://schemas.openxmlformats.org/drawingml/2006/main">
+  <dgm:ptLst>
+    <dgm:pt modelId="{21ECF0FA-0C01-4628-B68F-702262D67E14}" type="doc">
+      <dgm:prSet loTypeId="urn:microsoft.com/office/officeart/2005/8/layout/hierarchy3" loCatId="hierarchy" qsTypeId="urn:microsoft.com/office/officeart/2005/8/quickstyle/simple1" qsCatId="simple" csTypeId="urn:microsoft.com/office/officeart/2005/8/colors/colorful2" csCatId="colorful"/>
+      <dgm:spPr/>
+      <dgm:t>
+        <a:bodyPr/>
+        <a:lstStyle/>
+        <a:p>
+          <a:endParaRPr lang="en-US"/>
+        </a:p>
+      </dgm:t>
+    </dgm:pt>
+    <dgm:pt modelId="{8ABD5452-11AC-4260-AC1A-A6BDC9C9490E}">
+      <dgm:prSet/>
+      <dgm:spPr/>
+      <dgm:t>
+        <a:bodyPr/>
+        <a:lstStyle/>
+        <a:p>
+          <a:r>
+            <a:rPr lang="de-CH" b="1"/>
+            <a:t>Unterschätzt!</a:t>
+          </a:r>
+          <a:endParaRPr lang="en-US"/>
+        </a:p>
+      </dgm:t>
+    </dgm:pt>
+    <dgm:pt modelId="{F3B66BD3-3910-4000-AFE3-19C43D524497}" type="parTrans" cxnId="{EB73DA06-91F4-492D-90DA-342EBFFFCB0E}">
+      <dgm:prSet/>
+      <dgm:spPr/>
+      <dgm:t>
+        <a:bodyPr/>
+        <a:lstStyle/>
+        <a:p>
+          <a:endParaRPr lang="en-US"/>
+        </a:p>
+      </dgm:t>
+    </dgm:pt>
+    <dgm:pt modelId="{EB5CB4D2-28C9-4A73-ABC4-EB99F8B93AF0}" type="sibTrans" cxnId="{EB73DA06-91F4-492D-90DA-342EBFFFCB0E}">
+      <dgm:prSet/>
+      <dgm:spPr/>
+      <dgm:t>
+        <a:bodyPr/>
+        <a:lstStyle/>
+        <a:p>
+          <a:endParaRPr lang="en-US"/>
+        </a:p>
+      </dgm:t>
+    </dgm:pt>
+    <dgm:pt modelId="{151DFEB8-871A-46B5-AFBB-D4DD5E1D2D22}">
+      <dgm:prSet/>
+      <dgm:spPr/>
+      <dgm:t>
+        <a:bodyPr/>
+        <a:lstStyle/>
+        <a:p>
+          <a:r>
+            <a:rPr lang="de-CH"/>
+            <a:t>Klassen</a:t>
+          </a:r>
+          <a:endParaRPr lang="en-US"/>
+        </a:p>
+      </dgm:t>
+    </dgm:pt>
+    <dgm:pt modelId="{9B90E715-5E57-4736-A35C-DB8C501077CB}" type="parTrans" cxnId="{A7EDA3B4-DE7F-4E22-AE1C-87644DC83C16}">
+      <dgm:prSet/>
+      <dgm:spPr/>
+      <dgm:t>
+        <a:bodyPr/>
+        <a:lstStyle/>
+        <a:p>
+          <a:endParaRPr lang="en-US"/>
+        </a:p>
+      </dgm:t>
+    </dgm:pt>
+    <dgm:pt modelId="{6BCFD548-D9B8-49F2-B007-316FD3C78703}" type="sibTrans" cxnId="{A7EDA3B4-DE7F-4E22-AE1C-87644DC83C16}">
+      <dgm:prSet/>
+      <dgm:spPr/>
+      <dgm:t>
+        <a:bodyPr/>
+        <a:lstStyle/>
+        <a:p>
+          <a:endParaRPr lang="en-US"/>
+        </a:p>
+      </dgm:t>
+    </dgm:pt>
+    <dgm:pt modelId="{D1CC9D53-33A5-480C-9551-33592DE6C588}" type="pres">
+      <dgm:prSet presAssocID="{21ECF0FA-0C01-4628-B68F-702262D67E14}" presName="diagram" presStyleCnt="0">
+        <dgm:presLayoutVars>
+          <dgm:chPref val="1"/>
+          <dgm:dir/>
+          <dgm:animOne val="branch"/>
+          <dgm:animLvl val="lvl"/>
+          <dgm:resizeHandles/>
+        </dgm:presLayoutVars>
+      </dgm:prSet>
+      <dgm:spPr/>
+    </dgm:pt>
+    <dgm:pt modelId="{B311DE3B-89F9-4B6C-BE2A-E42D1CEE8D70}" type="pres">
+      <dgm:prSet presAssocID="{8ABD5452-11AC-4260-AC1A-A6BDC9C9490E}" presName="root" presStyleCnt="0"/>
+      <dgm:spPr/>
+    </dgm:pt>
+    <dgm:pt modelId="{29B7FD29-9DBC-42EC-BB5B-93E36F5BCDB4}" type="pres">
+      <dgm:prSet presAssocID="{8ABD5452-11AC-4260-AC1A-A6BDC9C9490E}" presName="rootComposite" presStyleCnt="0"/>
+      <dgm:spPr/>
+    </dgm:pt>
+    <dgm:pt modelId="{CA77DBBD-708C-4461-998E-AD3029B4D940}" type="pres">
+      <dgm:prSet presAssocID="{8ABD5452-11AC-4260-AC1A-A6BDC9C9490E}" presName="rootText" presStyleLbl="node1" presStyleIdx="0" presStyleCnt="2"/>
+      <dgm:spPr/>
+    </dgm:pt>
+    <dgm:pt modelId="{6394E83A-6F86-4031-AAC4-08F43E94F42A}" type="pres">
+      <dgm:prSet presAssocID="{8ABD5452-11AC-4260-AC1A-A6BDC9C9490E}" presName="rootConnector" presStyleLbl="node1" presStyleIdx="0" presStyleCnt="2"/>
+      <dgm:spPr/>
+    </dgm:pt>
+    <dgm:pt modelId="{0E379086-748B-4530-9B94-101C9F83A0C8}" type="pres">
+      <dgm:prSet presAssocID="{8ABD5452-11AC-4260-AC1A-A6BDC9C9490E}" presName="childShape" presStyleCnt="0"/>
+      <dgm:spPr/>
+    </dgm:pt>
+    <dgm:pt modelId="{0E402A3D-FE75-455D-A9F5-F28523B4791D}" type="pres">
+      <dgm:prSet presAssocID="{151DFEB8-871A-46B5-AFBB-D4DD5E1D2D22}" presName="root" presStyleCnt="0"/>
+      <dgm:spPr/>
+    </dgm:pt>
+    <dgm:pt modelId="{1882E932-4AA4-4E1B-AD54-B4AB2C5E1E8B}" type="pres">
+      <dgm:prSet presAssocID="{151DFEB8-871A-46B5-AFBB-D4DD5E1D2D22}" presName="rootComposite" presStyleCnt="0"/>
+      <dgm:spPr/>
+    </dgm:pt>
+    <dgm:pt modelId="{F7A31468-D323-4CA1-AF86-320AA6A91371}" type="pres">
+      <dgm:prSet presAssocID="{151DFEB8-871A-46B5-AFBB-D4DD5E1D2D22}" presName="rootText" presStyleLbl="node1" presStyleIdx="1" presStyleCnt="2"/>
+      <dgm:spPr/>
+    </dgm:pt>
+    <dgm:pt modelId="{FED30873-2856-4D52-B0E2-88CCE492A891}" type="pres">
+      <dgm:prSet presAssocID="{151DFEB8-871A-46B5-AFBB-D4DD5E1D2D22}" presName="rootConnector" presStyleLbl="node1" presStyleIdx="1" presStyleCnt="2"/>
+      <dgm:spPr/>
+    </dgm:pt>
+    <dgm:pt modelId="{83FB22E1-42B7-45AD-AF2A-04CDCED4D29C}" type="pres">
+      <dgm:prSet presAssocID="{151DFEB8-871A-46B5-AFBB-D4DD5E1D2D22}" presName="childShape" presStyleCnt="0"/>
+      <dgm:spPr/>
+    </dgm:pt>
+  </dgm:ptLst>
+  <dgm:cxnLst>
+    <dgm:cxn modelId="{EB73DA06-91F4-492D-90DA-342EBFFFCB0E}" srcId="{21ECF0FA-0C01-4628-B68F-702262D67E14}" destId="{8ABD5452-11AC-4260-AC1A-A6BDC9C9490E}" srcOrd="0" destOrd="0" parTransId="{F3B66BD3-3910-4000-AFE3-19C43D524497}" sibTransId="{EB5CB4D2-28C9-4A73-ABC4-EB99F8B93AF0}"/>
+    <dgm:cxn modelId="{48A03515-461F-4D2F-A387-F4CC2E2465AD}" type="presOf" srcId="{151DFEB8-871A-46B5-AFBB-D4DD5E1D2D22}" destId="{F7A31468-D323-4CA1-AF86-320AA6A91371}" srcOrd="0" destOrd="0" presId="urn:microsoft.com/office/officeart/2005/8/layout/hierarchy3"/>
+    <dgm:cxn modelId="{E905A354-8A0E-412A-A7D5-6464431B5223}" type="presOf" srcId="{8ABD5452-11AC-4260-AC1A-A6BDC9C9490E}" destId="{CA77DBBD-708C-4461-998E-AD3029B4D940}" srcOrd="0" destOrd="0" presId="urn:microsoft.com/office/officeart/2005/8/layout/hierarchy3"/>
+    <dgm:cxn modelId="{98BD0A77-A43C-42AD-9C89-4DD02F1B1AA2}" type="presOf" srcId="{21ECF0FA-0C01-4628-B68F-702262D67E14}" destId="{D1CC9D53-33A5-480C-9551-33592DE6C588}" srcOrd="0" destOrd="0" presId="urn:microsoft.com/office/officeart/2005/8/layout/hierarchy3"/>
+    <dgm:cxn modelId="{1BFC2884-2BC1-4D31-B9E1-180DCC99EA68}" type="presOf" srcId="{151DFEB8-871A-46B5-AFBB-D4DD5E1D2D22}" destId="{FED30873-2856-4D52-B0E2-88CCE492A891}" srcOrd="1" destOrd="0" presId="urn:microsoft.com/office/officeart/2005/8/layout/hierarchy3"/>
+    <dgm:cxn modelId="{A7EDA3B4-DE7F-4E22-AE1C-87644DC83C16}" srcId="{21ECF0FA-0C01-4628-B68F-702262D67E14}" destId="{151DFEB8-871A-46B5-AFBB-D4DD5E1D2D22}" srcOrd="1" destOrd="0" parTransId="{9B90E715-5E57-4736-A35C-DB8C501077CB}" sibTransId="{6BCFD548-D9B8-49F2-B007-316FD3C78703}"/>
+    <dgm:cxn modelId="{C59105F0-2B64-4CDF-BE1C-43D5EB747392}" type="presOf" srcId="{8ABD5452-11AC-4260-AC1A-A6BDC9C9490E}" destId="{6394E83A-6F86-4031-AAC4-08F43E94F42A}" srcOrd="1" destOrd="0" presId="urn:microsoft.com/office/officeart/2005/8/layout/hierarchy3"/>
+    <dgm:cxn modelId="{E3C24672-C914-4A73-9DD9-58CACDF683D0}" type="presParOf" srcId="{D1CC9D53-33A5-480C-9551-33592DE6C588}" destId="{B311DE3B-89F9-4B6C-BE2A-E42D1CEE8D70}" srcOrd="0" destOrd="0" presId="urn:microsoft.com/office/officeart/2005/8/layout/hierarchy3"/>
+    <dgm:cxn modelId="{683A4365-F6F0-4090-BFAA-D5F0BF4C1925}" type="presParOf" srcId="{B311DE3B-89F9-4B6C-BE2A-E42D1CEE8D70}" destId="{29B7FD29-9DBC-42EC-BB5B-93E36F5BCDB4}" srcOrd="0" destOrd="0" presId="urn:microsoft.com/office/officeart/2005/8/layout/hierarchy3"/>
+    <dgm:cxn modelId="{B01200C2-72E5-400E-B32A-2728C7707D96}" type="presParOf" srcId="{29B7FD29-9DBC-42EC-BB5B-93E36F5BCDB4}" destId="{CA77DBBD-708C-4461-998E-AD3029B4D940}" srcOrd="0" destOrd="0" presId="urn:microsoft.com/office/officeart/2005/8/layout/hierarchy3"/>
+    <dgm:cxn modelId="{F7EDA8DE-CEEB-47F2-BA67-51302226019A}" type="presParOf" srcId="{29B7FD29-9DBC-42EC-BB5B-93E36F5BCDB4}" destId="{6394E83A-6F86-4031-AAC4-08F43E94F42A}" srcOrd="1" destOrd="0" presId="urn:microsoft.com/office/officeart/2005/8/layout/hierarchy3"/>
+    <dgm:cxn modelId="{2F1E4AA2-EB2E-4C05-8B41-5FE5B1E133F8}" type="presParOf" srcId="{B311DE3B-89F9-4B6C-BE2A-E42D1CEE8D70}" destId="{0E379086-748B-4530-9B94-101C9F83A0C8}" srcOrd="1" destOrd="0" presId="urn:microsoft.com/office/officeart/2005/8/layout/hierarchy3"/>
+    <dgm:cxn modelId="{3DAC51EE-90B0-4491-8516-3CDD0E1D2A0A}" type="presParOf" srcId="{D1CC9D53-33A5-480C-9551-33592DE6C588}" destId="{0E402A3D-FE75-455D-A9F5-F28523B4791D}" srcOrd="1" destOrd="0" presId="urn:microsoft.com/office/officeart/2005/8/layout/hierarchy3"/>
+    <dgm:cxn modelId="{7235340D-E4F7-47B9-BBA8-9B92FE2ED32C}" type="presParOf" srcId="{0E402A3D-FE75-455D-A9F5-F28523B4791D}" destId="{1882E932-4AA4-4E1B-AD54-B4AB2C5E1E8B}" srcOrd="0" destOrd="0" presId="urn:microsoft.com/office/officeart/2005/8/layout/hierarchy3"/>
+    <dgm:cxn modelId="{A3C40D90-F622-44D5-962B-8BC17DCA4DF4}" type="presParOf" srcId="{1882E932-4AA4-4E1B-AD54-B4AB2C5E1E8B}" destId="{F7A31468-D323-4CA1-AF86-320AA6A91371}" srcOrd="0" destOrd="0" presId="urn:microsoft.com/office/officeart/2005/8/layout/hierarchy3"/>
+    <dgm:cxn modelId="{C2ED26AC-4166-402B-B7EF-FC47C5D672E9}" type="presParOf" srcId="{1882E932-4AA4-4E1B-AD54-B4AB2C5E1E8B}" destId="{FED30873-2856-4D52-B0E2-88CCE492A891}" srcOrd="1" destOrd="0" presId="urn:microsoft.com/office/officeart/2005/8/layout/hierarchy3"/>
+    <dgm:cxn modelId="{ECF05DE7-489B-412E-8171-5C408D0F1B45}" type="presParOf" srcId="{0E402A3D-FE75-455D-A9F5-F28523B4791D}" destId="{83FB22E1-42B7-45AD-AF2A-04CDCED4D29C}" srcOrd="1" destOrd="0" presId="urn:microsoft.com/office/officeart/2005/8/layout/hierarchy3"/>
+  </dgm:cxnLst>
+  <dgm:bg/>
+  <dgm:whole/>
+  <dgm:extLst>
+    <a:ext uri="http://schemas.microsoft.com/office/drawing/2008/diagram">
+      <dsp:dataModelExt xmlns:dsp="http://schemas.microsoft.com/office/drawing/2008/diagram" relId="rId7" minVer="http://schemas.openxmlformats.org/drawingml/2006/diagram"/>
+    </a:ext>
+  </dgm:extLst>
+</dgm:dataModel>
+</file>
+
+<file path=ppt/diagrams/drawing1.xml><?xml version="1.0" encoding="utf-8"?>
+<dsp:drawing xmlns:dgm="http://schemas.openxmlformats.org/drawingml/2006/diagram" xmlns:dsp="http://schemas.microsoft.com/office/drawing/2008/diagram" xmlns:a="http://schemas.openxmlformats.org/drawingml/2006/main">
+  <dsp:spTree>
+    <dsp:nvGrpSpPr>
+      <dsp:cNvPr id="0" name=""/>
+      <dsp:cNvGrpSpPr/>
+    </dsp:nvGrpSpPr>
+    <dsp:grpSpPr/>
+    <dsp:sp modelId="{3AD50213-D7C8-40B0-AC32-A46C7BFD758D}">
+      <dsp:nvSpPr>
+        <dsp:cNvPr id="0" name=""/>
+        <dsp:cNvSpPr/>
+      </dsp:nvSpPr>
+      <dsp:spPr>
+        <a:xfrm>
+          <a:off x="1333" y="1316033"/>
+          <a:ext cx="3121474" cy="1560737"/>
+        </a:xfrm>
+        <a:prstGeom prst="roundRect">
+          <a:avLst>
+            <a:gd name="adj" fmla="val 10000"/>
+          </a:avLst>
+        </a:prstGeom>
+        <a:solidFill>
+          <a:schemeClr val="accent2">
+            <a:hueOff val="0"/>
+            <a:satOff val="0"/>
+            <a:lumOff val="0"/>
+            <a:alphaOff val="0"/>
+          </a:schemeClr>
+        </a:solidFill>
+        <a:ln w="19050" cap="flat" cmpd="sng" algn="ctr">
+          <a:solidFill>
+            <a:schemeClr val="lt1">
+              <a:hueOff val="0"/>
+              <a:satOff val="0"/>
+              <a:lumOff val="0"/>
+              <a:alphaOff val="0"/>
+            </a:schemeClr>
+          </a:solidFill>
+          <a:prstDash val="solid"/>
+          <a:miter lim="800000"/>
+        </a:ln>
+        <a:effectLst/>
+      </dsp:spPr>
+      <dsp:style>
+        <a:lnRef idx="2">
+          <a:scrgbClr r="0" g="0" b="0"/>
+        </a:lnRef>
+        <a:fillRef idx="1">
+          <a:scrgbClr r="0" g="0" b="0"/>
+        </a:fillRef>
+        <a:effectRef idx="0">
+          <a:scrgbClr r="0" g="0" b="0"/>
+        </a:effectRef>
+        <a:fontRef idx="minor">
+          <a:schemeClr val="lt1"/>
+        </a:fontRef>
+      </dsp:style>
+      <dsp:txBody>
+        <a:bodyPr spcFirstLastPara="0" vert="horz" wrap="square" lIns="76200" tIns="50800" rIns="76200" bIns="50800" numCol="1" spcCol="1270" anchor="ctr" anchorCtr="0">
+          <a:noAutofit/>
+        </a:bodyPr>
+        <a:lstStyle/>
+        <a:p>
+          <a:pPr marL="0" lvl="0" indent="0" algn="ctr" defTabSz="1778000">
+            <a:lnSpc>
+              <a:spcPct val="90000"/>
+            </a:lnSpc>
+            <a:spcBef>
+              <a:spcPct val="0"/>
+            </a:spcBef>
+            <a:spcAft>
+              <a:spcPct val="35000"/>
+            </a:spcAft>
+            <a:buNone/>
+          </a:pPr>
+          <a:r>
+            <a:rPr lang="de-CH" sz="4000" kern="1200"/>
+            <a:t>Penaltygame</a:t>
+          </a:r>
+          <a:endParaRPr lang="en-US" sz="4000" kern="1200"/>
+        </a:p>
+      </dsp:txBody>
+      <dsp:txXfrm>
+        <a:off x="47045" y="1361745"/>
+        <a:ext cx="3030050" cy="1469313"/>
+      </dsp:txXfrm>
+    </dsp:sp>
+    <dsp:sp modelId="{60028F21-1455-4D12-ACC0-1C7B2E327CBA}">
+      <dsp:nvSpPr>
+        <dsp:cNvPr id="0" name=""/>
+        <dsp:cNvSpPr/>
+      </dsp:nvSpPr>
+      <dsp:spPr>
+        <a:xfrm>
+          <a:off x="3903177" y="1316033"/>
+          <a:ext cx="3121474" cy="1560737"/>
+        </a:xfrm>
+        <a:prstGeom prst="roundRect">
+          <a:avLst>
+            <a:gd name="adj" fmla="val 10000"/>
+          </a:avLst>
+        </a:prstGeom>
+        <a:solidFill>
+          <a:schemeClr val="accent3">
+            <a:hueOff val="0"/>
+            <a:satOff val="0"/>
+            <a:lumOff val="0"/>
+            <a:alphaOff val="0"/>
+          </a:schemeClr>
+        </a:solidFill>
+        <a:ln w="19050" cap="flat" cmpd="sng" algn="ctr">
+          <a:solidFill>
+            <a:schemeClr val="lt1">
+              <a:hueOff val="0"/>
+              <a:satOff val="0"/>
+              <a:lumOff val="0"/>
+              <a:alphaOff val="0"/>
+            </a:schemeClr>
+          </a:solidFill>
+          <a:prstDash val="solid"/>
+          <a:miter lim="800000"/>
+        </a:ln>
+        <a:effectLst/>
+      </dsp:spPr>
+      <dsp:style>
+        <a:lnRef idx="2">
+          <a:scrgbClr r="0" g="0" b="0"/>
+        </a:lnRef>
+        <a:fillRef idx="1">
+          <a:scrgbClr r="0" g="0" b="0"/>
+        </a:fillRef>
+        <a:effectRef idx="0">
+          <a:scrgbClr r="0" g="0" b="0"/>
+        </a:effectRef>
+        <a:fontRef idx="minor">
+          <a:schemeClr val="lt1"/>
+        </a:fontRef>
+      </dsp:style>
+      <dsp:txBody>
+        <a:bodyPr spcFirstLastPara="0" vert="horz" wrap="square" lIns="76200" tIns="50800" rIns="76200" bIns="50800" numCol="1" spcCol="1270" anchor="ctr" anchorCtr="0">
+          <a:noAutofit/>
+        </a:bodyPr>
+        <a:lstStyle/>
+        <a:p>
+          <a:pPr marL="0" lvl="0" indent="0" algn="ctr" defTabSz="1778000">
+            <a:lnSpc>
+              <a:spcPct val="90000"/>
+            </a:lnSpc>
+            <a:spcBef>
+              <a:spcPct val="0"/>
+            </a:spcBef>
+            <a:spcAft>
+              <a:spcPct val="35000"/>
+            </a:spcAft>
+            <a:buNone/>
+          </a:pPr>
+          <a:r>
+            <a:rPr lang="de-CH" sz="4000" kern="1200"/>
+            <a:t>Spritesuche -&gt; Bild</a:t>
+          </a:r>
+          <a:endParaRPr lang="en-US" sz="4000" kern="1200"/>
+        </a:p>
+      </dsp:txBody>
+      <dsp:txXfrm>
+        <a:off x="3948889" y="1361745"/>
+        <a:ext cx="3030050" cy="1469313"/>
+      </dsp:txXfrm>
+    </dsp:sp>
+    <dsp:sp modelId="{B9129F9D-EFD7-4BCE-B169-743748B97B80}">
+      <dsp:nvSpPr>
+        <dsp:cNvPr id="0" name=""/>
+        <dsp:cNvSpPr/>
+      </dsp:nvSpPr>
+      <dsp:spPr>
+        <a:xfrm>
+          <a:off x="7805020" y="1316033"/>
+          <a:ext cx="3121474" cy="1560737"/>
+        </a:xfrm>
+        <a:prstGeom prst="roundRect">
+          <a:avLst>
+            <a:gd name="adj" fmla="val 10000"/>
+          </a:avLst>
+        </a:prstGeom>
+        <a:solidFill>
+          <a:schemeClr val="accent4">
+            <a:hueOff val="0"/>
+            <a:satOff val="0"/>
+            <a:lumOff val="0"/>
+            <a:alphaOff val="0"/>
+          </a:schemeClr>
+        </a:solidFill>
+        <a:ln w="19050" cap="flat" cmpd="sng" algn="ctr">
+          <a:solidFill>
+            <a:schemeClr val="lt1">
+              <a:hueOff val="0"/>
+              <a:satOff val="0"/>
+              <a:lumOff val="0"/>
+              <a:alphaOff val="0"/>
+            </a:schemeClr>
+          </a:solidFill>
+          <a:prstDash val="solid"/>
+          <a:miter lim="800000"/>
+        </a:ln>
+        <a:effectLst/>
+      </dsp:spPr>
+      <dsp:style>
+        <a:lnRef idx="2">
+          <a:scrgbClr r="0" g="0" b="0"/>
+        </a:lnRef>
+        <a:fillRef idx="1">
+          <a:scrgbClr r="0" g="0" b="0"/>
+        </a:fillRef>
+        <a:effectRef idx="0">
+          <a:scrgbClr r="0" g="0" b="0"/>
+        </a:effectRef>
+        <a:fontRef idx="minor">
+          <a:schemeClr val="lt1"/>
+        </a:fontRef>
+      </dsp:style>
+      <dsp:txBody>
+        <a:bodyPr spcFirstLastPara="0" vert="horz" wrap="square" lIns="76200" tIns="50800" rIns="76200" bIns="50800" numCol="1" spcCol="1270" anchor="ctr" anchorCtr="0">
+          <a:noAutofit/>
+        </a:bodyPr>
+        <a:lstStyle/>
+        <a:p>
+          <a:pPr marL="0" lvl="0" indent="0" algn="ctr" defTabSz="1778000">
+            <a:lnSpc>
+              <a:spcPct val="90000"/>
+            </a:lnSpc>
+            <a:spcBef>
+              <a:spcPct val="0"/>
+            </a:spcBef>
+            <a:spcAft>
+              <a:spcPct val="35000"/>
+            </a:spcAft>
+            <a:buNone/>
+          </a:pPr>
+          <a:r>
+            <a:rPr lang="de-CH" sz="4000" kern="1200"/>
+            <a:t>Zwei Feldspieler</a:t>
+          </a:r>
+          <a:endParaRPr lang="en-US" sz="4000" kern="1200"/>
+        </a:p>
+      </dsp:txBody>
+      <dsp:txXfrm>
+        <a:off x="7850732" y="1361745"/>
+        <a:ext cx="3030050" cy="1469313"/>
+      </dsp:txXfrm>
+    </dsp:sp>
+  </dsp:spTree>
+</dsp:drawing>
+</file>
+
+<file path=ppt/diagrams/drawing2.xml><?xml version="1.0" encoding="utf-8"?>
+<dsp:drawing xmlns:dgm="http://schemas.openxmlformats.org/drawingml/2006/diagram" xmlns:dsp="http://schemas.microsoft.com/office/drawing/2008/diagram" xmlns:a="http://schemas.openxmlformats.org/drawingml/2006/main">
+  <dsp:spTree>
+    <dsp:nvGrpSpPr>
+      <dsp:cNvPr id="0" name=""/>
+      <dsp:cNvGrpSpPr/>
+    </dsp:nvGrpSpPr>
+    <dsp:grpSpPr/>
+    <dsp:sp modelId="{CA77DBBD-708C-4461-998E-AD3029B4D940}">
+      <dsp:nvSpPr>
+        <dsp:cNvPr id="0" name=""/>
+        <dsp:cNvSpPr/>
+      </dsp:nvSpPr>
+      <dsp:spPr>
+        <a:xfrm>
+          <a:off x="1333" y="882495"/>
+          <a:ext cx="4855627" cy="2427813"/>
+        </a:xfrm>
+        <a:prstGeom prst="roundRect">
+          <a:avLst>
+            <a:gd name="adj" fmla="val 10000"/>
+          </a:avLst>
+        </a:prstGeom>
+        <a:solidFill>
+          <a:schemeClr val="accent2">
+            <a:hueOff val="0"/>
+            <a:satOff val="0"/>
+            <a:lumOff val="0"/>
+            <a:alphaOff val="0"/>
+          </a:schemeClr>
+        </a:solidFill>
+        <a:ln w="19050" cap="flat" cmpd="sng" algn="ctr">
+          <a:solidFill>
+            <a:schemeClr val="lt1">
+              <a:hueOff val="0"/>
+              <a:satOff val="0"/>
+              <a:lumOff val="0"/>
+              <a:alphaOff val="0"/>
+            </a:schemeClr>
+          </a:solidFill>
+          <a:prstDash val="solid"/>
+          <a:miter lim="800000"/>
+        </a:ln>
+        <a:effectLst/>
+      </dsp:spPr>
+      <dsp:style>
+        <a:lnRef idx="2">
+          <a:scrgbClr r="0" g="0" b="0"/>
+        </a:lnRef>
+        <a:fillRef idx="1">
+          <a:scrgbClr r="0" g="0" b="0"/>
+        </a:fillRef>
+        <a:effectRef idx="0">
+          <a:scrgbClr r="0" g="0" b="0"/>
+        </a:effectRef>
+        <a:fontRef idx="minor">
+          <a:schemeClr val="lt1"/>
+        </a:fontRef>
+      </dsp:style>
+      <dsp:txBody>
+        <a:bodyPr spcFirstLastPara="0" vert="horz" wrap="square" lIns="108585" tIns="72390" rIns="108585" bIns="72390" numCol="1" spcCol="1270" anchor="ctr" anchorCtr="0">
+          <a:noAutofit/>
+        </a:bodyPr>
+        <a:lstStyle/>
+        <a:p>
+          <a:pPr marL="0" lvl="0" indent="0" algn="ctr" defTabSz="2533650">
+            <a:lnSpc>
+              <a:spcPct val="90000"/>
+            </a:lnSpc>
+            <a:spcBef>
+              <a:spcPct val="0"/>
+            </a:spcBef>
+            <a:spcAft>
+              <a:spcPct val="35000"/>
+            </a:spcAft>
+            <a:buNone/>
+          </a:pPr>
+          <a:r>
+            <a:rPr lang="de-CH" sz="5700" b="1" kern="1200"/>
+            <a:t>Unterschätzt!</a:t>
+          </a:r>
+          <a:endParaRPr lang="en-US" sz="5700" kern="1200"/>
+        </a:p>
+      </dsp:txBody>
+      <dsp:txXfrm>
+        <a:off x="72441" y="953603"/>
+        <a:ext cx="4713411" cy="2285597"/>
+      </dsp:txXfrm>
+    </dsp:sp>
+    <dsp:sp modelId="{F7A31468-D323-4CA1-AF86-320AA6A91371}">
+      <dsp:nvSpPr>
+        <dsp:cNvPr id="0" name=""/>
+        <dsp:cNvSpPr/>
+      </dsp:nvSpPr>
+      <dsp:spPr>
+        <a:xfrm>
+          <a:off x="6070867" y="882495"/>
+          <a:ext cx="4855627" cy="2427813"/>
+        </a:xfrm>
+        <a:prstGeom prst="roundRect">
+          <a:avLst>
+            <a:gd name="adj" fmla="val 10000"/>
+          </a:avLst>
+        </a:prstGeom>
+        <a:solidFill>
+          <a:schemeClr val="accent2">
+            <a:hueOff val="6443614"/>
+            <a:satOff val="-18493"/>
+            <a:lumOff val="-29609"/>
+            <a:alphaOff val="0"/>
+          </a:schemeClr>
+        </a:solidFill>
+        <a:ln w="19050" cap="flat" cmpd="sng" algn="ctr">
+          <a:solidFill>
+            <a:schemeClr val="lt1">
+              <a:hueOff val="0"/>
+              <a:satOff val="0"/>
+              <a:lumOff val="0"/>
+              <a:alphaOff val="0"/>
+            </a:schemeClr>
+          </a:solidFill>
+          <a:prstDash val="solid"/>
+          <a:miter lim="800000"/>
+        </a:ln>
+        <a:effectLst/>
+      </dsp:spPr>
+      <dsp:style>
+        <a:lnRef idx="2">
+          <a:scrgbClr r="0" g="0" b="0"/>
+        </a:lnRef>
+        <a:fillRef idx="1">
+          <a:scrgbClr r="0" g="0" b="0"/>
+        </a:fillRef>
+        <a:effectRef idx="0">
+          <a:scrgbClr r="0" g="0" b="0"/>
+        </a:effectRef>
+        <a:fontRef idx="minor">
+          <a:schemeClr val="lt1"/>
+        </a:fontRef>
+      </dsp:style>
+      <dsp:txBody>
+        <a:bodyPr spcFirstLastPara="0" vert="horz" wrap="square" lIns="108585" tIns="72390" rIns="108585" bIns="72390" numCol="1" spcCol="1270" anchor="ctr" anchorCtr="0">
+          <a:noAutofit/>
+        </a:bodyPr>
+        <a:lstStyle/>
+        <a:p>
+          <a:pPr marL="0" lvl="0" indent="0" algn="ctr" defTabSz="2533650">
+            <a:lnSpc>
+              <a:spcPct val="90000"/>
+            </a:lnSpc>
+            <a:spcBef>
+              <a:spcPct val="0"/>
+            </a:spcBef>
+            <a:spcAft>
+              <a:spcPct val="35000"/>
+            </a:spcAft>
+            <a:buNone/>
+          </a:pPr>
+          <a:r>
+            <a:rPr lang="de-CH" sz="5700" kern="1200"/>
+            <a:t>Klassen</a:t>
+          </a:r>
+          <a:endParaRPr lang="en-US" sz="5700" kern="1200"/>
+        </a:p>
+      </dsp:txBody>
+      <dsp:txXfrm>
+        <a:off x="6141975" y="953603"/>
+        <a:ext cx="4713411" cy="2285597"/>
+      </dsp:txXfrm>
+    </dsp:sp>
+  </dsp:spTree>
+</dsp:drawing>
+</file>
+
+<file path=ppt/diagrams/layout1.xml><?xml version="1.0" encoding="utf-8"?>
+<dgm:layoutDef xmlns:dgm="http://schemas.openxmlformats.org/drawingml/2006/diagram" xmlns:a="http://schemas.openxmlformats.org/drawingml/2006/main" uniqueId="urn:microsoft.com/office/officeart/2005/8/layout/hierarchy3">
+  <dgm:title val=""/>
+  <dgm:desc val=""/>
+  <dgm:catLst>
+    <dgm:cat type="hierarchy" pri="7000"/>
+    <dgm:cat type="list" pri="23000"/>
+    <dgm:cat type="relationship" pri="15000"/>
+    <dgm:cat type="convert" pri="7000"/>
+  </dgm:catLst>
+  <dgm:sampData>
+    <dgm:dataModel>
+      <dgm:ptLst>
+        <dgm:pt modelId="0" type="doc"/>
+        <dgm:pt modelId="1">
+          <dgm:prSet phldr="1"/>
+        </dgm:pt>
+        <dgm:pt modelId="11">
+          <dgm:prSet phldr="1"/>
+        </dgm:pt>
+        <dgm:pt modelId="12">
+          <dgm:prSet phldr="1"/>
+        </dgm:pt>
+        <dgm:pt modelId="2">
+          <dgm:prSet phldr="1"/>
+        </dgm:pt>
+        <dgm:pt modelId="21">
+          <dgm:prSet phldr="1"/>
+        </dgm:pt>
+        <dgm:pt modelId="22">
+          <dgm:prSet phldr="1"/>
+        </dgm:pt>
+      </dgm:ptLst>
+      <dgm:cxnLst>
+        <dgm:cxn modelId="4" srcId="0" destId="1" srcOrd="0" destOrd="0"/>
+        <dgm:cxn modelId="5" srcId="1" destId="11" srcOrd="0" destOrd="0"/>
+        <dgm:cxn modelId="6" srcId="1" destId="12" srcOrd="1" destOrd="0"/>
+        <dgm:cxn modelId="7" srcId="0" destId="2" srcOrd="1" destOrd="0"/>
+        <dgm:cxn modelId="8" srcId="2" destId="21" srcOrd="0" destOrd="0"/>
+        <dgm:cxn modelId="9" srcId="2" destId="22" srcOrd="1" destOrd="0"/>
+      </dgm:cxnLst>
+      <dgm:bg/>
+      <dgm:whole/>
+    </dgm:dataModel>
+  </dgm:sampData>
+  <dgm:styleData>
+    <dgm:dataModel>
+      <dgm:ptLst>
+        <dgm:pt modelId="0" type="doc"/>
+        <dgm:pt modelId="1"/>
+        <dgm:pt modelId="11"/>
+        <dgm:pt modelId="2"/>
+        <dgm:pt modelId="21"/>
+      </dgm:ptLst>
+      <dgm:cxnLst>
+        <dgm:cxn modelId="4" srcId="0" destId="1" srcOrd="0" destOrd="0"/>
+        <dgm:cxn modelId="5" srcId="0" destId="2" srcOrd="1" destOrd="0"/>
+        <dgm:cxn modelId="13" srcId="1" destId="11" srcOrd="0" destOrd="0"/>
+        <dgm:cxn modelId="23" srcId="2" destId="21" srcOrd="0" destOrd="0"/>
+      </dgm:cxnLst>
+      <dgm:bg/>
+      <dgm:whole/>
+    </dgm:dataModel>
+  </dgm:styleData>
+  <dgm:clrData>
+    <dgm:dataModel>
+      <dgm:ptLst>
+        <dgm:pt modelId="0" type="doc"/>
+        <dgm:pt modelId="1"/>
+        <dgm:pt modelId="11"/>
+        <dgm:pt modelId="2"/>
+        <dgm:pt modelId="21"/>
+        <dgm:pt modelId="3"/>
+        <dgm:pt modelId="31"/>
+        <dgm:pt modelId="4"/>
+        <dgm:pt modelId="41"/>
+      </dgm:ptLst>
+      <dgm:cxnLst>
+        <dgm:cxn modelId="5" srcId="0" destId="1" srcOrd="0" destOrd="0"/>
+        <dgm:cxn modelId="6" srcId="0" destId="2" srcOrd="1" destOrd="0"/>
+        <dgm:cxn modelId="7" srcId="0" destId="3" srcOrd="2" destOrd="0"/>
+        <dgm:cxn modelId="8" srcId="0" destId="4" srcOrd="3" destOrd="0"/>
+        <dgm:cxn modelId="13" srcId="1" destId="11" srcOrd="0" destOrd="0"/>
+        <dgm:cxn modelId="23" srcId="2" destId="21" srcOrd="0" destOrd="0"/>
+        <dgm:cxn modelId="33" srcId="3" destId="31" srcOrd="0" destOrd="0"/>
+        <dgm:cxn modelId="43" srcId="4" destId="41" srcOrd="0" destOrd="0"/>
+      </dgm:cxnLst>
+      <dgm:bg/>
+      <dgm:whole/>
+    </dgm:dataModel>
+  </dgm:clrData>
+  <dgm:layoutNode name="diagram">
+    <dgm:varLst>
+      <dgm:chPref val="1"/>
+      <dgm:dir/>
+      <dgm:animOne val="branch"/>
+      <dgm:animLvl val="lvl"/>
+      <dgm:resizeHandles/>
+    </dgm:varLst>
+    <dgm:choose name="Name0">
+      <dgm:if name="Name1" func="var" arg="dir" op="equ" val="norm">
+        <dgm:alg type="hierChild">
+          <dgm:param type="linDir" val="fromL"/>
+        </dgm:alg>
+      </dgm:if>
+      <dgm:else name="Name2">
+        <dgm:alg type="hierChild">
+          <dgm:param type="linDir" val="fromR"/>
+        </dgm:alg>
+      </dgm:else>
+    </dgm:choose>
+    <dgm:shape xmlns:r="http://schemas.openxmlformats.org/officeDocument/2006/relationships" r:blip="">
+      <dgm:adjLst/>
+    </dgm:shape>
+    <dgm:presOf/>
+    <dgm:constrLst>
+      <dgm:constr type="primFontSz" for="des" forName="rootText" op="equ" val="65"/>
+      <dgm:constr type="primFontSz" for="des" forName="childText" op="equ" val="65"/>
+      <dgm:constr type="w" for="des" forName="rootComposite" refType="w"/>
+      <dgm:constr type="h" for="des" forName="rootComposite" refType="w" fact="0.5"/>
+      <dgm:constr type="w" for="des" forName="childText" refType="w" refFor="des" refForName="rootComposite" fact="0.8"/>
+      <dgm:constr type="h" for="des" forName="childText" refType="h" refFor="des" refForName="rootComposite"/>
+      <dgm:constr type="sibSp" refType="w" refFor="des" refForName="rootComposite" fact="0.25"/>
+      <dgm:constr type="sibSp" for="des" forName="childShape" refType="h" refFor="des" refForName="childText" fact="0.25"/>
+      <dgm:constr type="sp" for="des" forName="root" refType="h" refFor="des" refForName="childText" fact="0.25"/>
+    </dgm:constrLst>
+    <dgm:ruleLst/>
+    <dgm:forEach name="Name3" axis="ch">
+      <dgm:forEach name="Name4" axis="self" ptType="node" cnt="1">
+        <dgm:layoutNode name="root">
+          <dgm:choose name="Name5">
+            <dgm:if name="Name6" func="var" arg="dir" op="equ" val="norm">
+              <dgm:alg type="hierRoot">
+                <dgm:param type="hierAlign" val="tL"/>
+              </dgm:alg>
+            </dgm:if>
+            <dgm:else name="Name7">
+              <dgm:alg type="hierRoot">
+                <dgm:param type="hierAlign" val="tR"/>
+              </dgm:alg>
+            </dgm:else>
+          </dgm:choose>
+          <dgm:shape xmlns:r="http://schemas.openxmlformats.org/officeDocument/2006/relationships" r:blip="">
+            <dgm:adjLst/>
+          </dgm:shape>
+          <dgm:presOf/>
+          <dgm:constrLst>
+            <dgm:constr type="alignOff" val="0.2"/>
+          </dgm:constrLst>
+          <dgm:ruleLst/>
+          <dgm:layoutNode name="rootComposite">
+            <dgm:alg type="composite"/>
+            <dgm:shape xmlns:r="http://schemas.openxmlformats.org/officeDocument/2006/relationships" r:blip="">
+              <dgm:adjLst/>
+            </dgm:shape>
+            <dgm:presOf axis="self" ptType="node" cnt="1"/>
+            <dgm:choose name="Name8">
+              <dgm:if name="Name9" func="var" arg="dir" op="equ" val="norm">
+                <dgm:constrLst>
+                  <dgm:constr type="l" for="ch" forName="rootText"/>
+                  <dgm:constr type="t" for="ch" forName="rootText"/>
+                  <dgm:constr type="w" for="ch" forName="rootText" refType="w"/>
+                  <dgm:constr type="h" for="ch" forName="rootText" refType="h"/>
+                  <dgm:constr type="l" for="ch" forName="rootConnector"/>
+                  <dgm:constr type="t" for="ch" forName="rootConnector"/>
+                  <dgm:constr type="w" for="ch" forName="rootConnector" refType="w" refFor="ch" refForName="rootText" fact="0.2"/>
+                  <dgm:constr type="h" for="ch" forName="rootConnector" refType="h" refFor="ch" refForName="rootText"/>
+                </dgm:constrLst>
+              </dgm:if>
+              <dgm:else name="Name10">
+                <dgm:constrLst>
+                  <dgm:constr type="l" for="ch" forName="rootText"/>
+                  <dgm:constr type="t" for="ch" forName="rootText"/>
+                  <dgm:constr type="w" for="ch" forName="rootText" refType="w"/>
+                  <dgm:constr type="h" for="ch" forName="rootText" refType="h"/>
+                  <dgm:constr type="r" for="ch" forName="rootConnector" refType="w"/>
+                  <dgm:constr type="t" for="ch" forName="rootConnector"/>
+                  <dgm:constr type="w" for="ch" forName="rootConnector" refType="w" refFor="ch" refForName="rootText" fact="0.2"/>
+                  <dgm:constr type="h" for="ch" forName="rootConnector" refType="h" refFor="ch" refForName="rootText"/>
+                </dgm:constrLst>
+              </dgm:else>
+            </dgm:choose>
+            <dgm:ruleLst/>
+            <dgm:layoutNode name="rootText" styleLbl="node1">
+              <dgm:alg type="tx"/>
+              <dgm:shape xmlns:r="http://schemas.openxmlformats.org/officeDocument/2006/relationships" type="roundRect" r:blip="">
+                <dgm:adjLst>
+                  <dgm:adj idx="1" val="0.1"/>
+                </dgm:adjLst>
+              </dgm:shape>
+              <dgm:presOf axis="self" ptType="node" cnt="1"/>
+              <dgm:constrLst>
+                <dgm:constr type="tMarg" refType="primFontSz" fact="0.1"/>
+                <dgm:constr type="bMarg" refType="primFontSz" fact="0.1"/>
+                <dgm:constr type="lMarg" refType="primFontSz" fact="0.15"/>
+                <dgm:constr type="rMarg" refType="primFontSz" fact="0.15"/>
+              </dgm:constrLst>
+              <dgm:ruleLst>
+                <dgm:rule type="primFontSz" val="5" fact="NaN" max="NaN"/>
+              </dgm:ruleLst>
+            </dgm:layoutNode>
+            <dgm:layoutNode name="rootConnector" moveWith="rootText">
+              <dgm:alg type="sp"/>
+              <dgm:shape xmlns:r="http://schemas.openxmlformats.org/officeDocument/2006/relationships" type="roundRect" r:blip="" hideGeom="1">
+                <dgm:adjLst>
+                  <dgm:adj idx="1" val="0.1"/>
+                </dgm:adjLst>
+              </dgm:shape>
+              <dgm:presOf axis="self" ptType="node" cnt="1"/>
+              <dgm:constrLst/>
+              <dgm:ruleLst/>
+            </dgm:layoutNode>
+          </dgm:layoutNode>
+          <dgm:layoutNode name="childShape">
+            <dgm:alg type="hierChild">
+              <dgm:param type="chAlign" val="l"/>
+              <dgm:param type="linDir" val="fromT"/>
+            </dgm:alg>
+            <dgm:shape xmlns:r="http://schemas.openxmlformats.org/officeDocument/2006/relationships" r:blip="">
+              <dgm:adjLst/>
+            </dgm:shape>
+            <dgm:presOf/>
+            <dgm:constrLst/>
+            <dgm:ruleLst/>
+            <dgm:forEach name="Name11" axis="ch">
+              <dgm:forEach name="Name12" axis="self" ptType="parTrans" cnt="1">
+                <dgm:layoutNode name="Name13">
+                  <dgm:choose name="Name14">
+                    <dgm:if name="Name15" func="var" arg="dir" op="equ" val="norm">
+                      <dgm:alg type="conn">
+                        <dgm:param type="dim" val="1D"/>
+                        <dgm:param type="endSty" val="noArr"/>
+                        <dgm:param type="connRout" val="bend"/>
+                        <dgm:param type="srcNode" val="rootConnector"/>
+                        <dgm:param type="begPts" val="bCtr"/>
+                        <dgm:param type="endPts" val="midL"/>
+                      </dgm:alg>
+                    </dgm:if>
+                    <dgm:else name="Name16">
+                      <dgm:alg type="conn">
+                        <dgm:param type="dim" val="1D"/>
+                        <dgm:param type="endSty" val="noArr"/>
+                        <dgm:param type="connRout" val="bend"/>
+                        <dgm:param type="srcNode" val="rootConnector"/>
+                        <dgm:param type="begPts" val="bCtr"/>
+                        <dgm:param type="endPts" val="midR"/>
+                      </dgm:alg>
+                    </dgm:else>
+                  </dgm:choose>
+                  <dgm:shape xmlns:r="http://schemas.openxmlformats.org/officeDocument/2006/relationships" type="conn" r:blip="">
+                    <dgm:adjLst/>
+                  </dgm:shape>
+                  <dgm:presOf axis="self"/>
+                  <dgm:constrLst>
+                    <dgm:constr type="begPad"/>
+                    <dgm:constr type="endPad"/>
+                  </dgm:constrLst>
+                  <dgm:ruleLst/>
+                </dgm:layoutNode>
+              </dgm:forEach>
+              <dgm:forEach name="Name17" axis="self" ptType="node">
+                <dgm:layoutNode name="childText" styleLbl="bgAcc1">
+                  <dgm:varLst>
+                    <dgm:bulletEnabled val="1"/>
+                  </dgm:varLst>
+                  <dgm:alg type="tx"/>
+                  <dgm:shape xmlns:r="http://schemas.openxmlformats.org/officeDocument/2006/relationships" type="roundRect" r:blip="">
+                    <dgm:adjLst>
+                      <dgm:adj idx="1" val="0.1"/>
+                    </dgm:adjLst>
+                  </dgm:shape>
+                  <dgm:presOf axis="self desOrSelf" ptType="node node" st="1 1" cnt="1 0"/>
+                  <dgm:constrLst>
+                    <dgm:constr type="tMarg" refType="primFontSz" fact="0.1"/>
+                    <dgm:constr type="bMarg" refType="primFontSz" fact="0.1"/>
+                    <dgm:constr type="lMarg" refType="primFontSz" fact="0.15"/>
+                    <dgm:constr type="rMarg" refType="primFontSz" fact="0.15"/>
+                  </dgm:constrLst>
+                  <dgm:ruleLst>
+                    <dgm:rule type="primFontSz" val="5" fact="NaN" max="NaN"/>
+                  </dgm:ruleLst>
+                </dgm:layoutNode>
+              </dgm:forEach>
+            </dgm:forEach>
+          </dgm:layoutNode>
+        </dgm:layoutNode>
+      </dgm:forEach>
+    </dgm:forEach>
+  </dgm:layoutNode>
+</dgm:layoutDef>
+</file>
+
+<file path=ppt/diagrams/layout2.xml><?xml version="1.0" encoding="utf-8"?>
+<dgm:layoutDef xmlns:dgm="http://schemas.openxmlformats.org/drawingml/2006/diagram" xmlns:a="http://schemas.openxmlformats.org/drawingml/2006/main" uniqueId="urn:microsoft.com/office/officeart/2005/8/layout/hierarchy3">
+  <dgm:title val=""/>
+  <dgm:desc val=""/>
+  <dgm:catLst>
+    <dgm:cat type="hierarchy" pri="7000"/>
+    <dgm:cat type="list" pri="23000"/>
+    <dgm:cat type="relationship" pri="15000"/>
+    <dgm:cat type="convert" pri="7000"/>
+  </dgm:catLst>
+  <dgm:sampData>
+    <dgm:dataModel>
+      <dgm:ptLst>
+        <dgm:pt modelId="0" type="doc"/>
+        <dgm:pt modelId="1">
+          <dgm:prSet phldr="1"/>
+        </dgm:pt>
+        <dgm:pt modelId="11">
+          <dgm:prSet phldr="1"/>
+        </dgm:pt>
+        <dgm:pt modelId="12">
+          <dgm:prSet phldr="1"/>
+        </dgm:pt>
+        <dgm:pt modelId="2">
+          <dgm:prSet phldr="1"/>
+        </dgm:pt>
+        <dgm:pt modelId="21">
+          <dgm:prSet phldr="1"/>
+        </dgm:pt>
+        <dgm:pt modelId="22">
+          <dgm:prSet phldr="1"/>
+        </dgm:pt>
+      </dgm:ptLst>
+      <dgm:cxnLst>
+        <dgm:cxn modelId="4" srcId="0" destId="1" srcOrd="0" destOrd="0"/>
+        <dgm:cxn modelId="5" srcId="1" destId="11" srcOrd="0" destOrd="0"/>
+        <dgm:cxn modelId="6" srcId="1" destId="12" srcOrd="1" destOrd="0"/>
+        <dgm:cxn modelId="7" srcId="0" destId="2" srcOrd="1" destOrd="0"/>
+        <dgm:cxn modelId="8" srcId="2" destId="21" srcOrd="0" destOrd="0"/>
+        <dgm:cxn modelId="9" srcId="2" destId="22" srcOrd="1" destOrd="0"/>
+      </dgm:cxnLst>
+      <dgm:bg/>
+      <dgm:whole/>
+    </dgm:dataModel>
+  </dgm:sampData>
+  <dgm:styleData>
+    <dgm:dataModel>
+      <dgm:ptLst>
+        <dgm:pt modelId="0" type="doc"/>
+        <dgm:pt modelId="1"/>
+        <dgm:pt modelId="11"/>
+        <dgm:pt modelId="2"/>
+        <dgm:pt modelId="21"/>
+      </dgm:ptLst>
+      <dgm:cxnLst>
+        <dgm:cxn modelId="4" srcId="0" destId="1" srcOrd="0" destOrd="0"/>
+        <dgm:cxn modelId="5" srcId="0" destId="2" srcOrd="1" destOrd="0"/>
+        <dgm:cxn modelId="13" srcId="1" destId="11" srcOrd="0" destOrd="0"/>
+        <dgm:cxn modelId="23" srcId="2" destId="21" srcOrd="0" destOrd="0"/>
+      </dgm:cxnLst>
+      <dgm:bg/>
+      <dgm:whole/>
+    </dgm:dataModel>
+  </dgm:styleData>
+  <dgm:clrData>
+    <dgm:dataModel>
+      <dgm:ptLst>
+        <dgm:pt modelId="0" type="doc"/>
+        <dgm:pt modelId="1"/>
+        <dgm:pt modelId="11"/>
+        <dgm:pt modelId="2"/>
+        <dgm:pt modelId="21"/>
+        <dgm:pt modelId="3"/>
+        <dgm:pt modelId="31"/>
+        <dgm:pt modelId="4"/>
+        <dgm:pt modelId="41"/>
+      </dgm:ptLst>
+      <dgm:cxnLst>
+        <dgm:cxn modelId="5" srcId="0" destId="1" srcOrd="0" destOrd="0"/>
+        <dgm:cxn modelId="6" srcId="0" destId="2" srcOrd="1" destOrd="0"/>
+        <dgm:cxn modelId="7" srcId="0" destId="3" srcOrd="2" destOrd="0"/>
+        <dgm:cxn modelId="8" srcId="0" destId="4" srcOrd="3" destOrd="0"/>
+        <dgm:cxn modelId="13" srcId="1" destId="11" srcOrd="0" destOrd="0"/>
+        <dgm:cxn modelId="23" srcId="2" destId="21" srcOrd="0" destOrd="0"/>
+        <dgm:cxn modelId="33" srcId="3" destId="31" srcOrd="0" destOrd="0"/>
+        <dgm:cxn modelId="43" srcId="4" destId="41" srcOrd="0" destOrd="0"/>
+      </dgm:cxnLst>
+      <dgm:bg/>
+      <dgm:whole/>
+    </dgm:dataModel>
+  </dgm:clrData>
+  <dgm:layoutNode name="diagram">
+    <dgm:varLst>
+      <dgm:chPref val="1"/>
+      <dgm:dir/>
+      <dgm:animOne val="branch"/>
+      <dgm:animLvl val="lvl"/>
+      <dgm:resizeHandles/>
+    </dgm:varLst>
+    <dgm:choose name="Name0">
+      <dgm:if name="Name1" func="var" arg="dir" op="equ" val="norm">
+        <dgm:alg type="hierChild">
+          <dgm:param type="linDir" val="fromL"/>
+        </dgm:alg>
+      </dgm:if>
+      <dgm:else name="Name2">
+        <dgm:alg type="hierChild">
+          <dgm:param type="linDir" val="fromR"/>
+        </dgm:alg>
+      </dgm:else>
+    </dgm:choose>
+    <dgm:shape xmlns:r="http://schemas.openxmlformats.org/officeDocument/2006/relationships" r:blip="">
+      <dgm:adjLst/>
+    </dgm:shape>
+    <dgm:presOf/>
+    <dgm:constrLst>
+      <dgm:constr type="primFontSz" for="des" forName="rootText" op="equ" val="65"/>
+      <dgm:constr type="primFontSz" for="des" forName="childText" op="equ" val="65"/>
+      <dgm:constr type="w" for="des" forName="rootComposite" refType="w"/>
+      <dgm:constr type="h" for="des" forName="rootComposite" refType="w" fact="0.5"/>
+      <dgm:constr type="w" for="des" forName="childText" refType="w" refFor="des" refForName="rootComposite" fact="0.8"/>
+      <dgm:constr type="h" for="des" forName="childText" refType="h" refFor="des" refForName="rootComposite"/>
+      <dgm:constr type="sibSp" refType="w" refFor="des" refForName="rootComposite" fact="0.25"/>
+      <dgm:constr type="sibSp" for="des" forName="childShape" refType="h" refFor="des" refForName="childText" fact="0.25"/>
+      <dgm:constr type="sp" for="des" forName="root" refType="h" refFor="des" refForName="childText" fact="0.25"/>
+    </dgm:constrLst>
+    <dgm:ruleLst/>
+    <dgm:forEach name="Name3" axis="ch">
+      <dgm:forEach name="Name4" axis="self" ptType="node" cnt="1">
+        <dgm:layoutNode name="root">
+          <dgm:choose name="Name5">
+            <dgm:if name="Name6" func="var" arg="dir" op="equ" val="norm">
+              <dgm:alg type="hierRoot">
+                <dgm:param type="hierAlign" val="tL"/>
+              </dgm:alg>
+            </dgm:if>
+            <dgm:else name="Name7">
+              <dgm:alg type="hierRoot">
+                <dgm:param type="hierAlign" val="tR"/>
+              </dgm:alg>
+            </dgm:else>
+          </dgm:choose>
+          <dgm:shape xmlns:r="http://schemas.openxmlformats.org/officeDocument/2006/relationships" r:blip="">
+            <dgm:adjLst/>
+          </dgm:shape>
+          <dgm:presOf/>
+          <dgm:constrLst>
+            <dgm:constr type="alignOff" val="0.2"/>
+          </dgm:constrLst>
+          <dgm:ruleLst/>
+          <dgm:layoutNode name="rootComposite">
+            <dgm:alg type="composite"/>
+            <dgm:shape xmlns:r="http://schemas.openxmlformats.org/officeDocument/2006/relationships" r:blip="">
+              <dgm:adjLst/>
+            </dgm:shape>
+            <dgm:presOf axis="self" ptType="node" cnt="1"/>
+            <dgm:choose name="Name8">
+              <dgm:if name="Name9" func="var" arg="dir" op="equ" val="norm">
+                <dgm:constrLst>
+                  <dgm:constr type="l" for="ch" forName="rootText"/>
+                  <dgm:constr type="t" for="ch" forName="rootText"/>
+                  <dgm:constr type="w" for="ch" forName="rootText" refType="w"/>
+                  <dgm:constr type="h" for="ch" forName="rootText" refType="h"/>
+                  <dgm:constr type="l" for="ch" forName="rootConnector"/>
+                  <dgm:constr type="t" for="ch" forName="rootConnector"/>
+                  <dgm:constr type="w" for="ch" forName="rootConnector" refType="w" refFor="ch" refForName="rootText" fact="0.2"/>
+                  <dgm:constr type="h" for="ch" forName="rootConnector" refType="h" refFor="ch" refForName="rootText"/>
+                </dgm:constrLst>
+              </dgm:if>
+              <dgm:else name="Name10">
+                <dgm:constrLst>
+                  <dgm:constr type="l" for="ch" forName="rootText"/>
+                  <dgm:constr type="t" for="ch" forName="rootText"/>
+                  <dgm:constr type="w" for="ch" forName="rootText" refType="w"/>
+                  <dgm:constr type="h" for="ch" forName="rootText" refType="h"/>
+                  <dgm:constr type="r" for="ch" forName="rootConnector" refType="w"/>
+                  <dgm:constr type="t" for="ch" forName="rootConnector"/>
+                  <dgm:constr type="w" for="ch" forName="rootConnector" refType="w" refFor="ch" refForName="rootText" fact="0.2"/>
+                  <dgm:constr type="h" for="ch" forName="rootConnector" refType="h" refFor="ch" refForName="rootText"/>
+                </dgm:constrLst>
+              </dgm:else>
+            </dgm:choose>
+            <dgm:ruleLst/>
+            <dgm:layoutNode name="rootText" styleLbl="node1">
+              <dgm:alg type="tx"/>
+              <dgm:shape xmlns:r="http://schemas.openxmlformats.org/officeDocument/2006/relationships" type="roundRect" r:blip="">
+                <dgm:adjLst>
+                  <dgm:adj idx="1" val="0.1"/>
+                </dgm:adjLst>
+              </dgm:shape>
+              <dgm:presOf axis="self" ptType="node" cnt="1"/>
+              <dgm:constrLst>
+                <dgm:constr type="tMarg" refType="primFontSz" fact="0.1"/>
+                <dgm:constr type="bMarg" refType="primFontSz" fact="0.1"/>
+                <dgm:constr type="lMarg" refType="primFontSz" fact="0.15"/>
+                <dgm:constr type="rMarg" refType="primFontSz" fact="0.15"/>
+              </dgm:constrLst>
+              <dgm:ruleLst>
+                <dgm:rule type="primFontSz" val="5" fact="NaN" max="NaN"/>
+              </dgm:ruleLst>
+            </dgm:layoutNode>
+            <dgm:layoutNode name="rootConnector" moveWith="rootText">
+              <dgm:alg type="sp"/>
+              <dgm:shape xmlns:r="http://schemas.openxmlformats.org/officeDocument/2006/relationships" type="roundRect" r:blip="" hideGeom="1">
+                <dgm:adjLst>
+                  <dgm:adj idx="1" val="0.1"/>
+                </dgm:adjLst>
+              </dgm:shape>
+              <dgm:presOf axis="self" ptType="node" cnt="1"/>
+              <dgm:constrLst/>
+              <dgm:ruleLst/>
+            </dgm:layoutNode>
+          </dgm:layoutNode>
+          <dgm:layoutNode name="childShape">
+            <dgm:alg type="hierChild">
+              <dgm:param type="chAlign" val="l"/>
+              <dgm:param type="linDir" val="fromT"/>
+            </dgm:alg>
+            <dgm:shape xmlns:r="http://schemas.openxmlformats.org/officeDocument/2006/relationships" r:blip="">
+              <dgm:adjLst/>
+            </dgm:shape>
+            <dgm:presOf/>
+            <dgm:constrLst/>
+            <dgm:ruleLst/>
+            <dgm:forEach name="Name11" axis="ch">
+              <dgm:forEach name="Name12" axis="self" ptType="parTrans" cnt="1">
+                <dgm:layoutNode name="Name13">
+                  <dgm:choose name="Name14">
+                    <dgm:if name="Name15" func="var" arg="dir" op="equ" val="norm">
+                      <dgm:alg type="conn">
+                        <dgm:param type="dim" val="1D"/>
+                        <dgm:param type="endSty" val="noArr"/>
+                        <dgm:param type="connRout" val="bend"/>
+                        <dgm:param type="srcNode" val="rootConnector"/>
+                        <dgm:param type="begPts" val="bCtr"/>
+                        <dgm:param type="endPts" val="midL"/>
+                      </dgm:alg>
+                    </dgm:if>
+                    <dgm:else name="Name16">
+                      <dgm:alg type="conn">
+                        <dgm:param type="dim" val="1D"/>
+                        <dgm:param type="endSty" val="noArr"/>
+                        <dgm:param type="connRout" val="bend"/>
+                        <dgm:param type="srcNode" val="rootConnector"/>
+                        <dgm:param type="begPts" val="bCtr"/>
+                        <dgm:param type="endPts" val="midR"/>
+                      </dgm:alg>
+                    </dgm:else>
+                  </dgm:choose>
+                  <dgm:shape xmlns:r="http://schemas.openxmlformats.org/officeDocument/2006/relationships" type="conn" r:blip="">
+                    <dgm:adjLst/>
+                  </dgm:shape>
+                  <dgm:presOf axis="self"/>
+                  <dgm:constrLst>
+                    <dgm:constr type="begPad"/>
+                    <dgm:constr type="endPad"/>
+                  </dgm:constrLst>
+                  <dgm:ruleLst/>
+                </dgm:layoutNode>
+              </dgm:forEach>
+              <dgm:forEach name="Name17" axis="self" ptType="node">
+                <dgm:layoutNode name="childText" styleLbl="bgAcc1">
+                  <dgm:varLst>
+                    <dgm:bulletEnabled val="1"/>
+                  </dgm:varLst>
+                  <dgm:alg type="tx"/>
+                  <dgm:shape xmlns:r="http://schemas.openxmlformats.org/officeDocument/2006/relationships" type="roundRect" r:blip="">
+                    <dgm:adjLst>
+                      <dgm:adj idx="1" val="0.1"/>
+                    </dgm:adjLst>
+                  </dgm:shape>
+                  <dgm:presOf axis="self desOrSelf" ptType="node node" st="1 1" cnt="1 0"/>
+                  <dgm:constrLst>
+                    <dgm:constr type="tMarg" refType="primFontSz" fact="0.1"/>
+                    <dgm:constr type="bMarg" refType="primFontSz" fact="0.1"/>
+                    <dgm:constr type="lMarg" refType="primFontSz" fact="0.15"/>
+                    <dgm:constr type="rMarg" refType="primFontSz" fact="0.15"/>
+                  </dgm:constrLst>
+                  <dgm:ruleLst>
+                    <dgm:rule type="primFontSz" val="5" fact="NaN" max="NaN"/>
+                  </dgm:ruleLst>
+                </dgm:layoutNode>
+              </dgm:forEach>
+            </dgm:forEach>
+          </dgm:layoutNode>
+        </dgm:layoutNode>
+      </dgm:forEach>
+    </dgm:forEach>
+  </dgm:layoutNode>
+</dgm:layoutDef>
+</file>
+
+<file path=ppt/diagrams/quickStyle1.xml><?xml version="1.0" encoding="utf-8"?>
+<dgm:styleDef xmlns:dgm="http://schemas.openxmlformats.org/drawingml/2006/diagram" xmlns:a="http://schemas.openxmlformats.org/drawingml/2006/main" uniqueId="urn:microsoft.com/office/officeart/2005/8/quickstyle/simple1">
+  <dgm:title val=""/>
+  <dgm:desc val=""/>
+  <dgm:catLst>
+    <dgm:cat type="simple" pri="10100"/>
+  </dgm:catLst>
+  <dgm:scene3d>
+    <a:camera prst="orthographicFront"/>
+    <a:lightRig rig="threePt" dir="t"/>
+  </dgm:scene3d>
+  <dgm:styleLbl name="node0">
+    <dgm:scene3d>
+      <a:camera prst="orthographicFront"/>
+      <a:lightRig rig="threePt" dir="t"/>
+    </dgm:scene3d>
+    <dgm:sp3d/>
+    <dgm:txPr/>
+    <dgm:style>
+      <a:lnRef idx="2">
+        <a:scrgbClr r="0" g="0" b="0"/>
+      </a:lnRef>
+      <a:fillRef idx="1">
+        <a:scrgbClr r="0" g="0" b="0"/>
+      </a:fillRef>
+      <a:effectRef idx="0">
+        <a:scrgbClr r="0" g="0" b="0"/>
+      </a:effectRef>
+      <a:fontRef idx="minor">
+        <a:schemeClr val="lt1"/>
+      </a:fontRef>
+    </dgm:style>
+  </dgm:styleLbl>
+  <dgm:styleLbl name="lnNode1">
+    <dgm:scene3d>
+      <a:camera prst="orthographicFront"/>
+      <a:lightRig rig="threePt" dir="t"/>
+    </dgm:scene3d>
+    <dgm:sp3d/>
+    <dgm:txPr/>
+    <dgm:style>
+      <a:lnRef idx="2">
+        <a:scrgbClr r="0" g="0" b="0"/>
+      </a:lnRef>
+      <a:fillRef idx="1">
+        <a:scrgbClr r="0" g="0" b="0"/>
+      </a:fillRef>
+      <a:effectRef idx="0">
+        <a:scrgbClr r="0" g="0" b="0"/>
+      </a:effectRef>
+      <a:fontRef idx="minor">
+        <a:schemeClr val="lt1"/>
+      </a:fontRef>
+    </dgm:style>
+  </dgm:styleLbl>
+  <dgm:styleLbl name="vennNode1">
+    <dgm:scene3d>
+      <a:camera prst="orthographicFront"/>
+      <a:lightRig rig="threePt" dir="t"/>
+    </dgm:scene3d>
+    <dgm:sp3d/>
+    <dgm:txPr/>
+    <dgm:style>
+      <a:lnRef idx="2">
+        <a:scrgbClr r="0" g="0" b="0"/>
+      </a:lnRef>
+      <a:fillRef idx="1">
+        <a:scrgbClr r="0" g="0" b="0"/>
+      </a:fillRef>
+      <a:effectRef idx="0">
+        <a:scrgbClr r="0" g="0" b="0"/>
+      </a:effectRef>
+      <a:fontRef idx="minor">
+        <a:schemeClr val="tx1"/>
+      </a:fontRef>
+    </dgm:style>
+  </dgm:styleLbl>
+  <dgm:styleLbl name="alignNode1">
+    <dgm:scene3d>
+      <a:camera prst="orthographicFront"/>
+      <a:lightRig rig="threePt" dir="t"/>
+    </dgm:scene3d>
+    <dgm:sp3d/>
+    <dgm:txPr/>
+    <dgm:style>
+      <a:lnRef idx="2">
+        <a:scrgbClr r="0" g="0" b="0"/>
+      </a:lnRef>
+      <a:fillRef idx="1">
+        <a:scrgbClr r="0" g="0" b="0"/>
+      </a:fillRef>
+      <a:effectRef idx="0">
+        <a:scrgbClr r="0" g="0" b="0"/>
+      </a:effectRef>
+      <a:fontRef idx="minor">
+        <a:schemeClr val="lt1"/>
+      </a:fontRef>
+    </dgm:style>
+  </dgm:styleLbl>
+  <dgm:styleLbl name="node1">
+    <dgm:scene3d>
+      <a:camera prst="orthographicFront"/>
+      <a:lightRig rig="threePt" dir="t"/>
+    </dgm:scene3d>
+    <dgm:sp3d/>
+    <dgm:txPr/>
+    <dgm:style>
+      <a:lnRef idx="2">
+        <a:scrgbClr r="0" g="0" b="0"/>
+      </a:lnRef>
+      <a:fillRef idx="1">
+        <a:scrgbClr r="0" g="0" b="0"/>
+      </a:fillRef>
+      <a:effectRef idx="0">
+        <a:scrgbClr r="0" g="0" b="0"/>
+      </a:effectRef>
+      <a:fontRef idx="minor">
+        <a:schemeClr val="lt1"/>
+      </a:fontRef>
+    </dgm:style>
+  </dgm:styleLbl>
+  <dgm:styleLbl name="node2">
+    <dgm:scene3d>
+      <a:camera prst="orthographicFront"/>
+      <a:lightRig rig="threePt" dir="t"/>
+    </dgm:scene3d>
+    <dgm:sp3d/>
+    <dgm:txPr/>
+    <dgm:style>
+      <a:lnRef idx="2">
+        <a:scrgbClr r="0" g="0" b="0"/>
+      </a:lnRef>
+      <a:fillRef idx="1">
+        <a:scrgbClr r="0" g="0" b="0"/>
+      </a:fillRef>
+      <a:effectRef idx="0">
+        <a:scrgbClr r="0" g="0" b="0"/>
+      </a:effectRef>
+      <a:fontRef idx="minor">
+        <a:schemeClr val="lt1"/>
+      </a:fontRef>
+    </dgm:style>
+  </dgm:styleLbl>
+  <dgm:styleLbl name="node3">
+    <dgm:scene3d>
+      <a:camera prst="orthographicFront"/>
+      <a:lightRig rig="threePt" dir="t"/>
+    </dgm:scene3d>
+    <dgm:sp3d/>
+    <dgm:txPr/>
+    <dgm:style>
+      <a:lnRef idx="2">
+        <a:scrgbClr r="0" g="0" b="0"/>
+      </a:lnRef>
+      <a:fillRef idx="1">
+        <a:scrgbClr r="0" g="0" b="0"/>
+      </a:fillRef>
+      <a:effectRef idx="0">
+        <a:scrgbClr r="0" g="0" b="0"/>
+      </a:effectRef>
+      <a:fontRef idx="minor">
+        <a:schemeClr val="lt1"/>
+      </a:fontRef>
+    </dgm:style>
+  </dgm:styleLbl>
+  <dgm:styleLbl name="node4">
+    <dgm:scene3d>
+      <a:camera prst="orthographicFront"/>
+      <a:lightRig rig="threePt" dir="t"/>
+    </dgm:scene3d>
+    <dgm:sp3d/>
+    <dgm:txPr/>
+    <dgm:style>
+      <a:lnRef idx="2">
+        <a:scrgbClr r="0" g="0" b="0"/>
+      </a:lnRef>
+      <a:fillRef idx="1">
+        <a:scrgbClr r="0" g="0" b="0"/>
+      </a:fillRef>
+      <a:effectRef idx="0">
+        <a:scrgbClr r="0" g="0" b="0"/>
+      </a:effectRef>
+      <a:fontRef idx="minor">
+        <a:schemeClr val="lt1"/>
+      </a:fontRef>
+    </dgm:style>
+  </dgm:styleLbl>
+  <dgm:styleLbl name="fgImgPlace1">
+    <dgm:scene3d>
+      <a:camera prst="orthographicFront"/>
+      <a:lightRig rig="threePt" dir="t"/>
+    </dgm:scene3d>
+    <dgm:sp3d/>
+    <dgm:txPr/>
+    <dgm:style>
+      <a:lnRef idx="2">
+        <a:scrgbClr r="0" g="0" b="0"/>
+      </a:lnRef>
+      <a:fillRef idx="1">
+        <a:scrgbClr r="0" g="0" b="0"/>
+      </a:fillRef>
+      <a:effectRef idx="0">
+        <a:scrgbClr r="0" g="0" b="0"/>
+      </a:effectRef>
+      <a:fontRef idx="minor"/>
+    </dgm:style>
+  </dgm:styleLbl>
+  <dgm:styleLbl name="alignImgPlace1">
+    <dgm:scene3d>
+      <a:camera prst="orthographicFront"/>
+      <a:lightRig rig="threePt" dir="t"/>
+    </dgm:scene3d>
+    <dgm:sp3d/>
+    <dgm:txPr/>
+    <dgm:style>
+      <a:lnRef idx="2">
+        <a:scrgbClr r="0" g="0" b="0"/>
+      </a:lnRef>
+      <a:fillRef idx="1">
+        <a:scrgbClr r="0" g="0" b="0"/>
+      </a:fillRef>
+      <a:effectRef idx="0">
+        <a:scrgbClr r="0" g="0" b="0"/>
+      </a:effectRef>
+      <a:fontRef idx="minor"/>
+    </dgm:style>
+  </dgm:styleLbl>
+  <dgm:styleLbl name="bgImgPlace1">
+    <dgm:scene3d>
+      <a:camera prst="orthographicFront"/>
+      <a:lightRig rig="threePt" dir="t"/>
+    </dgm:scene3d>
+    <dgm:sp3d/>
+    <dgm:txPr/>
+    <dgm:style>
+      <a:lnRef idx="2">
+        <a:scrgbClr r="0" g="0" b="0"/>
+      </a:lnRef>
+      <a:fillRef idx="1">
+        <a:scrgbClr r="0" g="0" b="0"/>
+      </a:fillRef>
+      <a:effectRef idx="0">
+        <a:scrgbClr r="0" g="0" b="0"/>
+      </a:effectRef>
+      <a:fontRef idx="minor"/>
+    </dgm:style>
+  </dgm:styleLbl>
+  <dgm:styleLbl name="sibTrans2D1">
+    <dgm:scene3d>
+      <a:camera prst="orthographicFront"/>
+      <a:lightRig rig="threePt" dir="t"/>
+    </dgm:scene3d>
+    <dgm:sp3d/>
+    <dgm:txPr/>
+    <dgm:style>
+      <a:lnRef idx="0">
+        <a:scrgbClr r="0" g="0" b="0"/>
+      </a:lnRef>
+      <a:fillRef idx="1">
+        <a:scrgbClr r="0" g="0" b="0"/>
+      </a:fillRef>
+      <a:effectRef idx="0">
+        <a:scrgbClr r="0" g="0" b="0"/>
+      </a:effectRef>
+      <a:fontRef idx="minor">
+        <a:schemeClr val="lt1"/>
+      </a:fontRef>
+    </dgm:style>
+  </dgm:styleLbl>
+  <dgm:styleLbl name="fgSibTrans2D1">
+    <dgm:scene3d>
+      <a:camera prst="orthographicFront"/>
+      <a:lightRig rig="threePt" dir="t"/>
+    </dgm:scene3d>
+    <dgm:sp3d/>
+    <dgm:txPr/>
+    <dgm:style>
+      <a:lnRef idx="0">
+        <a:scrgbClr r="0" g="0" b="0"/>
+      </a:lnRef>
+      <a:fillRef idx="1">
+        <a:scrgbClr r="0" g="0" b="0"/>
+      </a:fillRef>
+      <a:effectRef idx="0">
+        <a:scrgbClr r="0" g="0" b="0"/>
+      </a:effectRef>
+      <a:fontRef idx="minor">
+        <a:schemeClr val="lt1"/>
+      </a:fontRef>
+    </dgm:style>
+  </dgm:styleLbl>
+  <dgm:styleLbl name="bgSibTrans2D1">
+    <dgm:scene3d>
+      <a:camera prst="orthographicFront"/>
+      <a:lightRig rig="threePt" dir="t"/>
+    </dgm:scene3d>
+    <dgm:sp3d/>
+    <dgm:txPr/>
+    <dgm:style>
+      <a:lnRef idx="0">
+        <a:scrgbClr r="0" g="0" b="0"/>
+      </a:lnRef>
+      <a:fillRef idx="1">
+        <a:scrgbClr r="0" g="0" b="0"/>
+      </a:fillRef>
+      <a:effectRef idx="0">
+        <a:scrgbClr r="0" g="0" b="0"/>
+      </a:effectRef>
+      <a:fontRef idx="minor">
+        <a:schemeClr val="lt1"/>
+      </a:fontRef>
+    </dgm:style>
+  </dgm:styleLbl>
+  <dgm:styleLbl name="sibTrans1D1">
+    <dgm:scene3d>
+      <a:camera prst="orthographicFront"/>
+      <a:lightRig rig="threePt" dir="t"/>
+    </dgm:scene3d>
+    <dgm:sp3d/>
+    <dgm:txPr/>
+    <dgm:style>
+      <a:lnRef idx="1">
+        <a:scrgbClr r="0" g="0" b="0"/>
+      </a:lnRef>
+      <a:fillRef idx="0">
+        <a:scrgbClr r="0" g="0" b="0"/>
+      </a:fillRef>
+      <a:effectRef idx="0">
+        <a:scrgbClr r="0" g="0" b="0"/>
+      </a:effectRef>
+      <a:fontRef idx="minor"/>
+    </dgm:style>
+  </dgm:styleLbl>
+  <dgm:styleLbl name="callout">
+    <dgm:scene3d>
+      <a:camera prst="orthographicFront"/>
+      <a:lightRig rig="threePt" dir="t"/>
+    </dgm:scene3d>
+    <dgm:sp3d/>
+    <dgm:txPr/>
+    <dgm:style>
+      <a:lnRef idx="2">
+        <a:scrgbClr r="0" g="0" b="0"/>
+      </a:lnRef>
+      <a:fillRef idx="1">
+        <a:scrgbClr r="0" g="0" b="0"/>
+      </a:fillRef>
+      <a:effectRef idx="0">
+        <a:scrgbClr r="0" g="0" b="0"/>
+      </a:effectRef>
+      <a:fontRef idx="minor"/>
+    </dgm:style>
+  </dgm:styleLbl>
+  <dgm:styleLbl name="asst0">
+    <dgm:scene3d>
+      <a:camera prst="orthographicFront"/>
+      <a:lightRig rig="threePt" dir="t"/>
+    </dgm:scene3d>
+    <dgm:sp3d/>
+    <dgm:txPr/>
+    <dgm:style>
+      <a:lnRef idx="2">
+        <a:scrgbClr r="0" g="0" b="0"/>
+      </a:lnRef>
+      <a:fillRef idx="1">
+        <a:scrgbClr r="0" g="0" b="0"/>
+      </a:fillRef>
+      <a:effectRef idx="0">
+        <a:scrgbClr r="0" g="0" b="0"/>
+      </a:effectRef>
+      <a:fontRef idx="minor">
+        <a:schemeClr val="lt1"/>
+      </a:fontRef>
+    </dgm:style>
+  </dgm:styleLbl>
+  <dgm:styleLbl name="asst1">
+    <dgm:scene3d>
+      <a:camera prst="orthographicFront"/>
+      <a:lightRig rig="threePt" dir="t"/>
+    </dgm:scene3d>
+    <dgm:sp3d/>
+    <dgm:txPr/>
+    <dgm:style>
+      <a:lnRef idx="2">
+        <a:scrgbClr r="0" g="0" b="0"/>
+      </a:lnRef>
+      <a:fillRef idx="1">
+        <a:scrgbClr r="0" g="0" b="0"/>
+      </a:fillRef>
+      <a:effectRef idx="0">
+        <a:scrgbClr r="0" g="0" b="0"/>
+      </a:effectRef>
+      <a:fontRef idx="minor">
+        <a:schemeClr val="lt1"/>
+      </a:fontRef>
+    </dgm:style>
+  </dgm:styleLbl>
+  <dgm:styleLbl name="asst2">
+    <dgm:scene3d>
+      <a:camera prst="orthographicFront"/>
+      <a:lightRig rig="threePt" dir="t"/>
+    </dgm:scene3d>
+    <dgm:sp3d/>
+    <dgm:txPr/>
+    <dgm:style>
+      <a:lnRef idx="2">
+        <a:scrgbClr r="0" g="0" b="0"/>
+      </a:lnRef>
+      <a:fillRef idx="1">
+        <a:scrgbClr r="0" g="0" b="0"/>
+      </a:fillRef>
+      <a:effectRef idx="0">
+        <a:scrgbClr r="0" g="0" b="0"/>
+      </a:effectRef>
+      <a:fontRef idx="minor">
+        <a:schemeClr val="lt1"/>
+      </a:fontRef>
+    </dgm:style>
+  </dgm:styleLbl>
+  <dgm:styleLbl name="asst3">
+    <dgm:scene3d>
+      <a:camera prst="orthographicFront"/>
+      <a:lightRig rig="threePt" dir="t"/>
+    </dgm:scene3d>
+    <dgm:sp3d/>
+    <dgm:txPr/>
+    <dgm:style>
+      <a:lnRef idx="2">
+        <a:scrgbClr r="0" g="0" b="0"/>
+      </a:lnRef>
+      <a:fillRef idx="1">
+        <a:scrgbClr r="0" g="0" b="0"/>
+      </a:fillRef>
+      <a:effectRef idx="0">
+        <a:scrgbClr r="0" g="0" b="0"/>
+      </a:effectRef>
+      <a:fontRef idx="minor">
+        <a:schemeClr val="lt1"/>
+      </a:fontRef>
+    </dgm:style>
+  </dgm:styleLbl>
+  <dgm:styleLbl name="asst4">
+    <dgm:scene3d>
+      <a:camera prst="orthographicFront"/>
+      <a:lightRig rig="threePt" dir="t"/>
+    </dgm:scene3d>
+    <dgm:sp3d/>
+    <dgm:txPr/>
+    <dgm:style>
+      <a:lnRef idx="2">
+        <a:scrgbClr r="0" g="0" b="0"/>
+      </a:lnRef>
+      <a:fillRef idx="1">
+        <a:scrgbClr r="0" g="0" b="0"/>
+      </a:fillRef>
+      <a:effectRef idx="0">
+        <a:scrgbClr r="0" g="0" b="0"/>
+      </a:effectRef>
+      <a:fontRef idx="minor">
+        <a:schemeClr val="lt1"/>
+      </a:fontRef>
+    </dgm:style>
+  </dgm:styleLbl>
+  <dgm:styleLbl name="parChTrans2D1">
+    <dgm:scene3d>
+      <a:camera prst="orthographicFront"/>
+      <a:lightRig rig="threePt" dir="t"/>
+    </dgm:scene3d>
+    <dgm:sp3d/>
+    <dgm:txPr/>
+    <dgm:style>
+      <a:lnRef idx="2">
+        <a:scrgbClr r="0" g="0" b="0"/>
+      </a:lnRef>
+      <a:fillRef idx="1">
+        <a:scrgbClr r="0" g="0" b="0"/>
+      </a:fillRef>
+      <a:effectRef idx="0">
+        <a:scrgbClr r="0" g="0" b="0"/>
+      </a:effectRef>
+      <a:fontRef idx="minor">
+        <a:schemeClr val="lt1"/>
+      </a:fontRef>
+    </dgm:style>
+  </dgm:styleLbl>
+  <dgm:styleLbl name="parChTrans2D2">
+    <dgm:scene3d>
+      <a:camera prst="orthographicFront"/>
+      <a:lightRig rig="threePt" dir="t"/>
+    </dgm:scene3d>
+    <dgm:sp3d/>
+    <dgm:txPr/>
+    <dgm:style>
+      <a:lnRef idx="2">
+        <a:scrgbClr r="0" g="0" b="0"/>
+      </a:lnRef>
+      <a:fillRef idx="1">
+        <a:scrgbClr r="0" g="0" b="0"/>
+      </a:fillRef>
+      <a:effectRef idx="0">
+        <a:scrgbClr r="0" g="0" b="0"/>
+      </a:effectRef>
+      <a:fontRef idx="minor">
+        <a:schemeClr val="lt1"/>
+      </a:fontRef>
+    </dgm:style>
+  </dgm:styleLbl>
+  <dgm:styleLbl name="parChTrans2D3">
+    <dgm:scene3d>
+      <a:camera prst="orthographicFront"/>
+      <a:lightRig rig="threePt" dir="t"/>
+    </dgm:scene3d>
+    <dgm:sp3d/>
+    <dgm:txPr/>
+    <dgm:style>
+      <a:lnRef idx="2">
+        <a:scrgbClr r="0" g="0" b="0"/>
+      </a:lnRef>
+      <a:fillRef idx="1">
+        <a:scrgbClr r="0" g="0" b="0"/>
+      </a:fillRef>
+      <a:effectRef idx="0">
+        <a:scrgbClr r="0" g="0" b="0"/>
+      </a:effectRef>
+      <a:fontRef idx="minor">
+        <a:schemeClr val="lt1"/>
+      </a:fontRef>
+    </dgm:style>
+  </dgm:styleLbl>
+  <dgm:styleLbl name="parChTrans2D4">
+    <dgm:scene3d>
+      <a:camera prst="orthographicFront"/>
+      <a:lightRig rig="threePt" dir="t"/>
+    </dgm:scene3d>
+    <dgm:sp3d/>
+    <dgm:txPr/>
+    <dgm:style>
+      <a:lnRef idx="2">
+        <a:scrgbClr r="0" g="0" b="0"/>
+      </a:lnRef>
+      <a:fillRef idx="1">
+        <a:scrgbClr r="0" g="0" b="0"/>
+      </a:fillRef>
+      <a:effectRef idx="0">
+        <a:scrgbClr r="0" g="0" b="0"/>
+      </a:effectRef>
+      <a:fontRef idx="minor">
+        <a:schemeClr val="lt1"/>
+      </a:fontRef>
+    </dgm:style>
+  </dgm:styleLbl>
+  <dgm:styleLbl name="parChTrans1D1">
+    <dgm:scene3d>
+      <a:camera prst="orthographicFront"/>
+      <a:lightRig rig="threePt" dir="t"/>
+    </dgm:scene3d>
+    <dgm:sp3d/>
+    <dgm:txPr/>
+    <dgm:style>
+      <a:lnRef idx="2">
+        <a:scrgbClr r="0" g="0" b="0"/>
+      </a:lnRef>
+      <a:fillRef idx="0">
+        <a:scrgbClr r="0" g="0" b="0"/>
+      </a:fillRef>
+      <a:effectRef idx="0">
+        <a:scrgbClr r="0" g="0" b="0"/>
+      </a:effectRef>
+      <a:fontRef idx="minor"/>
+    </dgm:style>
+  </dgm:styleLbl>
+  <dgm:styleLbl name="parChTrans1D2">
+    <dgm:scene3d>
+      <a:camera prst="orthographicFront"/>
+      <a:lightRig rig="threePt" dir="t"/>
+    </dgm:scene3d>
+    <dgm:sp3d/>
+    <dgm:txPr/>
+    <dgm:style>
+      <a:lnRef idx="2">
+        <a:scrgbClr r="0" g="0" b="0"/>
+      </a:lnRef>
+      <a:fillRef idx="0">
+        <a:scrgbClr r="0" g="0" b="0"/>
+      </a:fillRef>
+      <a:effectRef idx="0">
+        <a:scrgbClr r="0" g="0" b="0"/>
+      </a:effectRef>
+      <a:fontRef idx="minor"/>
+    </dgm:style>
+  </dgm:styleLbl>
+  <dgm:styleLbl name="parChTrans1D3">
+    <dgm:scene3d>
+      <a:camera prst="orthographicFront"/>
+      <a:lightRig rig="threePt" dir="t"/>
+    </dgm:scene3d>
+    <dgm:sp3d/>
+    <dgm:txPr/>
+    <dgm:style>
+      <a:lnRef idx="2">
+        <a:scrgbClr r="0" g="0" b="0"/>
+      </a:lnRef>
+      <a:fillRef idx="0">
+        <a:scrgbClr r="0" g="0" b="0"/>
+      </a:fillRef>
+      <a:effectRef idx="0">
+        <a:scrgbClr r="0" g="0" b="0"/>
+      </a:effectRef>
+      <a:fontRef idx="minor"/>
+    </dgm:style>
+  </dgm:styleLbl>
+  <dgm:styleLbl name="parChTrans1D4">
+    <dgm:scene3d>
+      <a:camera prst="orthographicFront"/>
+      <a:lightRig rig="threePt" dir="t"/>
+    </dgm:scene3d>
+    <dgm:sp3d/>
+    <dgm:txPr/>
+    <dgm:style>
+      <a:lnRef idx="2">
+        <a:scrgbClr r="0" g="0" b="0"/>
+      </a:lnRef>
+      <a:fillRef idx="0">
+        <a:scrgbClr r="0" g="0" b="0"/>
+      </a:fillRef>
+      <a:effectRef idx="0">
+        <a:scrgbClr r="0" g="0" b="0"/>
+      </a:effectRef>
+      <a:fontRef idx="minor"/>
+    </dgm:style>
+  </dgm:styleLbl>
+  <dgm:styleLbl name="fgAcc1">
+    <dgm:scene3d>
+      <a:camera prst="orthographicFront"/>
+      <a:lightRig rig="threePt" dir="t"/>
+    </dgm:scene3d>
+    <dgm:sp3d/>
+    <dgm:txPr/>
+    <dgm:style>
+      <a:lnRef idx="2">
+        <a:scrgbClr r="0" g="0" b="0"/>
+      </a:lnRef>
+      <a:fillRef idx="1">
+        <a:scrgbClr r="0" g="0" b="0"/>
+      </a:fillRef>
+      <a:effectRef idx="0">
+        <a:scrgbClr r="0" g="0" b="0"/>
+      </a:effectRef>
+      <a:fontRef idx="minor"/>
+    </dgm:style>
+  </dgm:styleLbl>
+  <dgm:styleLbl name="conFgAcc1">
+    <dgm:scene3d>
+      <a:camera prst="orthographicFront"/>
+      <a:lightRig rig="threePt" dir="t"/>
+    </dgm:scene3d>
+    <dgm:sp3d/>
+    <dgm:txPr/>
+    <dgm:style>
+      <a:lnRef idx="2">
+        <a:scrgbClr r="0" g="0" b="0"/>
+      </a:lnRef>
+      <a:fillRef idx="1">
+        <a:scrgbClr r="0" g="0" b="0"/>
+      </a:fillRef>
+      <a:effectRef idx="0">
+        <a:scrgbClr r="0" g="0" b="0"/>
+      </a:effectRef>
+      <a:fontRef idx="minor"/>
+    </dgm:style>
+  </dgm:styleLbl>
+  <dgm:styleLbl name="alignAcc1">
+    <dgm:scene3d>
+      <a:camera prst="orthographicFront"/>
+      <a:lightRig rig="threePt" dir="t"/>
+    </dgm:scene3d>
+    <dgm:sp3d/>
+    <dgm:txPr/>
+    <dgm:style>
+      <a:lnRef idx="2">
+        <a:scrgbClr r="0" g="0" b="0"/>
+      </a:lnRef>
+      <a:fillRef idx="1">
+        <a:scrgbClr r="0" g="0" b="0"/>
+      </a:fillRef>
+      <a:effectRef idx="0">
+        <a:scrgbClr r="0" g="0" b="0"/>
+      </a:effectRef>
+      <a:fontRef idx="minor"/>
+    </dgm:style>
+  </dgm:styleLbl>
+  <dgm:styleLbl name="trAlignAcc1">
+    <dgm:scene3d>
+      <a:camera prst="orthographicFront"/>
+      <a:lightRig rig="threePt" dir="t"/>
+    </dgm:scene3d>
+    <dgm:sp3d/>
+    <dgm:txPr/>
+    <dgm:style>
+      <a:lnRef idx="1">
+        <a:scrgbClr r="0" g="0" b="0"/>
+      </a:lnRef>
+      <a:fillRef idx="1">
+        <a:scrgbClr r="0" g="0" b="0"/>
+      </a:fillRef>
+      <a:effectRef idx="0">
+        <a:scrgbClr r="0" g="0" b="0"/>
+      </a:effectRef>
+      <a:fontRef idx="minor"/>
+    </dgm:style>
+  </dgm:styleLbl>
+  <dgm:styleLbl name="bgAcc1">
+    <dgm:scene3d>
+      <a:camera prst="orthographicFront"/>
+      <a:lightRig rig="threePt" dir="t"/>
+    </dgm:scene3d>
+    <dgm:sp3d/>
+    <dgm:txPr/>
+    <dgm:style>
+      <a:lnRef idx="2">
+        <a:scrgbClr r="0" g="0" b="0"/>
+      </a:lnRef>
+      <a:fillRef idx="1">
+        <a:scrgbClr r="0" g="0" b="0"/>
+      </a:fillRef>
+      <a:effectRef idx="0">
+        <a:scrgbClr r="0" g="0" b="0"/>
+      </a:effectRef>
+      <a:fontRef idx="minor"/>
+    </dgm:style>
+  </dgm:styleLbl>
+  <dgm:styleLbl name="solidFgAcc1">
+    <dgm:scene3d>
+      <a:camera prst="orthographicFront"/>
+      <a:lightRig rig="threePt" dir="t"/>
+    </dgm:scene3d>
+    <dgm:sp3d/>
+    <dgm:txPr/>
+    <dgm:style>
+      <a:lnRef idx="2">
+        <a:scrgbClr r="0" g="0" b="0"/>
+      </a:lnRef>
+      <a:fillRef idx="1">
+        <a:scrgbClr r="0" g="0" b="0"/>
+      </a:fillRef>
+      <a:effectRef idx="0">
+        <a:scrgbClr r="0" g="0" b="0"/>
+      </a:effectRef>
+      <a:fontRef idx="minor"/>
+    </dgm:style>
+  </dgm:styleLbl>
+  <dgm:styleLbl name="solidAlignAcc1">
+    <dgm:scene3d>
+      <a:camera prst="orthographicFront"/>
+      <a:lightRig rig="threePt" dir="t"/>
+    </dgm:scene3d>
+    <dgm:sp3d/>
+    <dgm:txPr/>
+    <dgm:style>
+      <a:lnRef idx="2">
+        <a:scrgbClr r="0" g="0" b="0"/>
+      </a:lnRef>
+      <a:fillRef idx="1">
+        <a:scrgbClr r="0" g="0" b="0"/>
+      </a:fillRef>
+      <a:effectRef idx="0">
+        <a:scrgbClr r="0" g="0" b="0"/>
+      </a:effectRef>
+      <a:fontRef idx="minor"/>
+    </dgm:style>
+  </dgm:styleLbl>
+  <dgm:styleLbl name="solidBgAcc1">
+    <dgm:scene3d>
+      <a:camera prst="orthographicFront"/>
+      <a:lightRig rig="threePt" dir="t"/>
+    </dgm:scene3d>
+    <dgm:sp3d/>
+    <dgm:txPr/>
+    <dgm:style>
+      <a:lnRef idx="2">
+        <a:scrgbClr r="0" g="0" b="0"/>
+      </a:lnRef>
+      <a:fillRef idx="1">
+        <a:scrgbClr r="0" g="0" b="0"/>
+      </a:fillRef>
+      <a:effectRef idx="0">
+        <a:scrgbClr r="0" g="0" b="0"/>
+      </a:effectRef>
+      <a:fontRef idx="minor"/>
+    </dgm:style>
+  </dgm:styleLbl>
+  <dgm:styleLbl name="fgAccFollowNode1">
+    <dgm:scene3d>
+      <a:camera prst="orthographicFront"/>
+      <a:lightRig rig="threePt" dir="t"/>
+    </dgm:scene3d>
+    <dgm:sp3d/>
+    <dgm:txPr/>
+    <dgm:style>
+      <a:lnRef idx="2">
+        <a:scrgbClr r="0" g="0" b="0"/>
+      </a:lnRef>
+      <a:fillRef idx="1">
+        <a:scrgbClr r="0" g="0" b="0"/>
+      </a:fillRef>
+      <a:effectRef idx="0">
+        <a:scrgbClr r="0" g="0" b="0"/>
+      </a:effectRef>
+      <a:fontRef idx="minor"/>
+    </dgm:style>
+  </dgm:styleLbl>
+  <dgm:styleLbl name="alignAccFollowNode1">
+    <dgm:scene3d>
+      <a:camera prst="orthographicFront"/>
+      <a:lightRig rig="threePt" dir="t"/>
+    </dgm:scene3d>
+    <dgm:sp3d/>
+    <dgm:txPr/>
+    <dgm:style>
+      <a:lnRef idx="2">
+        <a:scrgbClr r="0" g="0" b="0"/>
+      </a:lnRef>
+      <a:fillRef idx="1">
+        <a:scrgbClr r="0" g="0" b="0"/>
+      </a:fillRef>
+      <a:effectRef idx="0">
+        <a:scrgbClr r="0" g="0" b="0"/>
+      </a:effectRef>
+      <a:fontRef idx="minor"/>
+    </dgm:style>
+  </dgm:styleLbl>
+  <dgm:styleLbl name="bgAccFollowNode1">
+    <dgm:scene3d>
+      <a:camera prst="orthographicFront"/>
+      <a:lightRig rig="threePt" dir="t"/>
+    </dgm:scene3d>
+    <dgm:sp3d/>
+    <dgm:txPr/>
+    <dgm:style>
+      <a:lnRef idx="2">
+        <a:scrgbClr r="0" g="0" b="0"/>
+      </a:lnRef>
+      <a:fillRef idx="1">
+        <a:scrgbClr r="0" g="0" b="0"/>
+      </a:fillRef>
+      <a:effectRef idx="0">
+        <a:scrgbClr r="0" g="0" b="0"/>
+      </a:effectRef>
+      <a:fontRef idx="minor"/>
+    </dgm:style>
+  </dgm:styleLbl>
+  <dgm:styleLbl name="fgAcc0">
+    <dgm:scene3d>
+      <a:camera prst="orthographicFront"/>
+      <a:lightRig rig="threePt" dir="t"/>
+    </dgm:scene3d>
+    <dgm:sp3d/>
+    <dgm:txPr/>
+    <dgm:style>
+      <a:lnRef idx="2">
+        <a:scrgbClr r="0" g="0" b="0"/>
+      </a:lnRef>
+      <a:fillRef idx="1">
+        <a:scrgbClr r="0" g="0" b="0"/>
+      </a:fillRef>
+      <a:effectRef idx="0">
+        <a:scrgbClr r="0" g="0" b="0"/>
+      </a:effectRef>
+      <a:fontRef idx="minor"/>
+    </dgm:style>
+  </dgm:styleLbl>
+  <dgm:styleLbl name="fgAcc2">
+    <dgm:scene3d>
+      <a:camera prst="orthographicFront"/>
+      <a:lightRig rig="threePt" dir="t"/>
+    </dgm:scene3d>
+    <dgm:sp3d/>
+    <dgm:txPr/>
+    <dgm:style>
+      <a:lnRef idx="2">
+        <a:scrgbClr r="0" g="0" b="0"/>
+      </a:lnRef>
+      <a:fillRef idx="1">
+        <a:scrgbClr r="0" g="0" b="0"/>
+      </a:fillRef>
+      <a:effectRef idx="0">
+        <a:scrgbClr r="0" g="0" b="0"/>
+      </a:effectRef>
+      <a:fontRef idx="minor"/>
+    </dgm:style>
+  </dgm:styleLbl>
+  <dgm:styleLbl name="fgAcc3">
+    <dgm:scene3d>
+      <a:camera prst="orthographicFront"/>
+      <a:lightRig rig="threePt" dir="t"/>
+    </dgm:scene3d>
+    <dgm:sp3d/>
+    <dgm:txPr/>
+    <dgm:style>
+      <a:lnRef idx="2">
+        <a:scrgbClr r="0" g="0" b="0"/>
+      </a:lnRef>
+      <a:fillRef idx="1">
+        <a:scrgbClr r="0" g="0" b="0"/>
+      </a:fillRef>
+      <a:effectRef idx="0">
+        <a:scrgbClr r="0" g="0" b="0"/>
+      </a:effectRef>
+      <a:fontRef idx="minor"/>
+    </dgm:style>
+  </dgm:styleLbl>
+  <dgm:styleLbl name="fgAcc4">
+    <dgm:scene3d>
+      <a:camera prst="orthographicFront"/>
+      <a:lightRig rig="threePt" dir="t"/>
+    </dgm:scene3d>
+    <dgm:sp3d/>
+    <dgm:txPr/>
+    <dgm:style>
+      <a:lnRef idx="2">
+        <a:scrgbClr r="0" g="0" b="0"/>
+      </a:lnRef>
+      <a:fillRef idx="1">
+        <a:scrgbClr r="0" g="0" b="0"/>
+      </a:fillRef>
+      <a:effectRef idx="0">
+        <a:scrgbClr r="0" g="0" b="0"/>
+      </a:effectRef>
+      <a:fontRef idx="minor"/>
+    </dgm:style>
+  </dgm:styleLbl>
+  <dgm:styleLbl name="bgShp">
+    <dgm:scene3d>
+      <a:camera prst="orthographicFront"/>
+      <a:lightRig rig="threePt" dir="t"/>
+    </dgm:scene3d>
+    <dgm:sp3d/>
+    <dgm:txPr/>
+    <dgm:style>
+      <a:lnRef idx="0">
+        <a:scrgbClr r="0" g="0" b="0"/>
+      </a:lnRef>
+      <a:fillRef idx="1">
+        <a:scrgbClr r="0" g="0" b="0"/>
+      </a:fillRef>
+      <a:effectRef idx="0">
+        <a:scrgbClr r="0" g="0" b="0"/>
+      </a:effectRef>
+      <a:fontRef idx="minor"/>
+    </dgm:style>
+  </dgm:styleLbl>
+  <dgm:styleLbl name="dkBgShp">
+    <dgm:scene3d>
+      <a:camera prst="orthographicFront"/>
+      <a:lightRig rig="threePt" dir="t"/>
+    </dgm:scene3d>
+    <dgm:sp3d/>
+    <dgm:txPr/>
+    <dgm:style>
+      <a:lnRef idx="0">
+        <a:scrgbClr r="0" g="0" b="0"/>
+      </a:lnRef>
+      <a:fillRef idx="1">
+        <a:scrgbClr r="0" g="0" b="0"/>
+      </a:fillRef>
+      <a:effectRef idx="0">
+        <a:scrgbClr r="0" g="0" b="0"/>
+      </a:effectRef>
+      <a:fontRef idx="minor"/>
+    </dgm:style>
+  </dgm:styleLbl>
+  <dgm:styleLbl name="trBgShp">
+    <dgm:scene3d>
+      <a:camera prst="orthographicFront"/>
+      <a:lightRig rig="threePt" dir="t"/>
+    </dgm:scene3d>
+    <dgm:sp3d/>
+    <dgm:txPr/>
+    <dgm:style>
+      <a:lnRef idx="0">
+        <a:scrgbClr r="0" g="0" b="0"/>
+      </a:lnRef>
+      <a:fillRef idx="1">
+        <a:scrgbClr r="0" g="0" b="0"/>
+      </a:fillRef>
+      <a:effectRef idx="0">
+        <a:scrgbClr r="0" g="0" b="0"/>
+      </a:effectRef>
+      <a:fontRef idx="minor"/>
+    </dgm:style>
+  </dgm:styleLbl>
+  <dgm:styleLbl name="fgShp">
+    <dgm:scene3d>
+      <a:camera prst="orthographicFront"/>
+      <a:lightRig rig="threePt" dir="t"/>
+    </dgm:scene3d>
+    <dgm:sp3d/>
+    <dgm:txPr/>
+    <dgm:style>
+      <a:lnRef idx="2">
+        <a:scrgbClr r="0" g="0" b="0"/>
+      </a:lnRef>
+      <a:fillRef idx="1">
+        <a:scrgbClr r="0" g="0" b="0"/>
+      </a:fillRef>
+      <a:effectRef idx="0">
+        <a:scrgbClr r="0" g="0" b="0"/>
+      </a:effectRef>
+      <a:fontRef idx="minor"/>
+    </dgm:style>
+  </dgm:styleLbl>
+  <dgm:styleLbl name="revTx">
+    <dgm:scene3d>
+      <a:camera prst="orthographicFront"/>
+      <a:lightRig rig="threePt" dir="t"/>
+    </dgm:scene3d>
+    <dgm:sp3d/>
+    <dgm:txPr/>
+    <dgm:style>
+      <a:lnRef idx="0">
+        <a:scrgbClr r="0" g="0" b="0"/>
+      </a:lnRef>
+      <a:fillRef idx="0">
+        <a:scrgbClr r="0" g="0" b="0"/>
+      </a:fillRef>
+      <a:effectRef idx="0">
+        <a:scrgbClr r="0" g="0" b="0"/>
+      </a:effectRef>
+      <a:fontRef idx="minor"/>
+    </dgm:style>
+  </dgm:styleLbl>
+</dgm:styleDef>
+</file>
+
+<file path=ppt/diagrams/quickStyle2.xml><?xml version="1.0" encoding="utf-8"?>
+<dgm:styleDef xmlns:dgm="http://schemas.openxmlformats.org/drawingml/2006/diagram" xmlns:a="http://schemas.openxmlformats.org/drawingml/2006/main" uniqueId="urn:microsoft.com/office/officeart/2005/8/quickstyle/simple1">
+  <dgm:title val=""/>
+  <dgm:desc val=""/>
+  <dgm:catLst>
+    <dgm:cat type="simple" pri="10100"/>
+  </dgm:catLst>
+  <dgm:scene3d>
+    <a:camera prst="orthographicFront"/>
+    <a:lightRig rig="threePt" dir="t"/>
+  </dgm:scene3d>
+  <dgm:styleLbl name="node0">
+    <dgm:scene3d>
+      <a:camera prst="orthographicFront"/>
+      <a:lightRig rig="threePt" dir="t"/>
+    </dgm:scene3d>
+    <dgm:sp3d/>
+    <dgm:txPr/>
+    <dgm:style>
+      <a:lnRef idx="2">
+        <a:scrgbClr r="0" g="0" b="0"/>
+      </a:lnRef>
+      <a:fillRef idx="1">
+        <a:scrgbClr r="0" g="0" b="0"/>
+      </a:fillRef>
+      <a:effectRef idx="0">
+        <a:scrgbClr r="0" g="0" b="0"/>
+      </a:effectRef>
+      <a:fontRef idx="minor">
+        <a:schemeClr val="lt1"/>
+      </a:fontRef>
+    </dgm:style>
+  </dgm:styleLbl>
+  <dgm:styleLbl name="lnNode1">
+    <dgm:scene3d>
+      <a:camera prst="orthographicFront"/>
+      <a:lightRig rig="threePt" dir="t"/>
+    </dgm:scene3d>
+    <dgm:sp3d/>
+    <dgm:txPr/>
+    <dgm:style>
+      <a:lnRef idx="2">
+        <a:scrgbClr r="0" g="0" b="0"/>
+      </a:lnRef>
+      <a:fillRef idx="1">
+        <a:scrgbClr r="0" g="0" b="0"/>
+      </a:fillRef>
+      <a:effectRef idx="0">
+        <a:scrgbClr r="0" g="0" b="0"/>
+      </a:effectRef>
+      <a:fontRef idx="minor">
+        <a:schemeClr val="lt1"/>
+      </a:fontRef>
+    </dgm:style>
+  </dgm:styleLbl>
+  <dgm:styleLbl name="vennNode1">
+    <dgm:scene3d>
+      <a:camera prst="orthographicFront"/>
+      <a:lightRig rig="threePt" dir="t"/>
+    </dgm:scene3d>
+    <dgm:sp3d/>
+    <dgm:txPr/>
+    <dgm:style>
+      <a:lnRef idx="2">
+        <a:scrgbClr r="0" g="0" b="0"/>
+      </a:lnRef>
+      <a:fillRef idx="1">
+        <a:scrgbClr r="0" g="0" b="0"/>
+      </a:fillRef>
+      <a:effectRef idx="0">
+        <a:scrgbClr r="0" g="0" b="0"/>
+      </a:effectRef>
+      <a:fontRef idx="minor">
+        <a:schemeClr val="tx1"/>
+      </a:fontRef>
+    </dgm:style>
+  </dgm:styleLbl>
+  <dgm:styleLbl name="alignNode1">
+    <dgm:scene3d>
+      <a:camera prst="orthographicFront"/>
+      <a:lightRig rig="threePt" dir="t"/>
+    </dgm:scene3d>
+    <dgm:sp3d/>
+    <dgm:txPr/>
+    <dgm:style>
+      <a:lnRef idx="2">
+        <a:scrgbClr r="0" g="0" b="0"/>
+      </a:lnRef>
+      <a:fillRef idx="1">
+        <a:scrgbClr r="0" g="0" b="0"/>
+      </a:fillRef>
+      <a:effectRef idx="0">
+        <a:scrgbClr r="0" g="0" b="0"/>
+      </a:effectRef>
+      <a:fontRef idx="minor">
+        <a:schemeClr val="lt1"/>
+      </a:fontRef>
+    </dgm:style>
+  </dgm:styleLbl>
+  <dgm:styleLbl name="node1">
+    <dgm:scene3d>
+      <a:camera prst="orthographicFront"/>
+      <a:lightRig rig="threePt" dir="t"/>
+    </dgm:scene3d>
+    <dgm:sp3d/>
+    <dgm:txPr/>
+    <dgm:style>
+      <a:lnRef idx="2">
+        <a:scrgbClr r="0" g="0" b="0"/>
+      </a:lnRef>
+      <a:fillRef idx="1">
+        <a:scrgbClr r="0" g="0" b="0"/>
+      </a:fillRef>
+      <a:effectRef idx="0">
+        <a:scrgbClr r="0" g="0" b="0"/>
+      </a:effectRef>
+      <a:fontRef idx="minor">
+        <a:schemeClr val="lt1"/>
+      </a:fontRef>
+    </dgm:style>
+  </dgm:styleLbl>
+  <dgm:styleLbl name="node2">
+    <dgm:scene3d>
+      <a:camera prst="orthographicFront"/>
+      <a:lightRig rig="threePt" dir="t"/>
+    </dgm:scene3d>
+    <dgm:sp3d/>
+    <dgm:txPr/>
+    <dgm:style>
+      <a:lnRef idx="2">
+        <a:scrgbClr r="0" g="0" b="0"/>
+      </a:lnRef>
+      <a:fillRef idx="1">
+        <a:scrgbClr r="0" g="0" b="0"/>
+      </a:fillRef>
+      <a:effectRef idx="0">
+        <a:scrgbClr r="0" g="0" b="0"/>
+      </a:effectRef>
+      <a:fontRef idx="minor">
+        <a:schemeClr val="lt1"/>
+      </a:fontRef>
+    </dgm:style>
+  </dgm:styleLbl>
+  <dgm:styleLbl name="node3">
+    <dgm:scene3d>
+      <a:camera prst="orthographicFront"/>
+      <a:lightRig rig="threePt" dir="t"/>
+    </dgm:scene3d>
+    <dgm:sp3d/>
+    <dgm:txPr/>
+    <dgm:style>
+      <a:lnRef idx="2">
+        <a:scrgbClr r="0" g="0" b="0"/>
+      </a:lnRef>
+      <a:fillRef idx="1">
+        <a:scrgbClr r="0" g="0" b="0"/>
+      </a:fillRef>
+      <a:effectRef idx="0">
+        <a:scrgbClr r="0" g="0" b="0"/>
+      </a:effectRef>
+      <a:fontRef idx="minor">
+        <a:schemeClr val="lt1"/>
+      </a:fontRef>
+    </dgm:style>
+  </dgm:styleLbl>
+  <dgm:styleLbl name="node4">
+    <dgm:scene3d>
+      <a:camera prst="orthographicFront"/>
+      <a:lightRig rig="threePt" dir="t"/>
+    </dgm:scene3d>
+    <dgm:sp3d/>
+    <dgm:txPr/>
+    <dgm:style>
+      <a:lnRef idx="2">
+        <a:scrgbClr r="0" g="0" b="0"/>
+      </a:lnRef>
+      <a:fillRef idx="1">
+        <a:scrgbClr r="0" g="0" b="0"/>
+      </a:fillRef>
+      <a:effectRef idx="0">
+        <a:scrgbClr r="0" g="0" b="0"/>
+      </a:effectRef>
+      <a:fontRef idx="minor">
+        <a:schemeClr val="lt1"/>
+      </a:fontRef>
+    </dgm:style>
+  </dgm:styleLbl>
+  <dgm:styleLbl name="fgImgPlace1">
+    <dgm:scene3d>
+      <a:camera prst="orthographicFront"/>
+      <a:lightRig rig="threePt" dir="t"/>
+    </dgm:scene3d>
+    <dgm:sp3d/>
+    <dgm:txPr/>
+    <dgm:style>
+      <a:lnRef idx="2">
+        <a:scrgbClr r="0" g="0" b="0"/>
+      </a:lnRef>
+      <a:fillRef idx="1">
+        <a:scrgbClr r="0" g="0" b="0"/>
+      </a:fillRef>
+      <a:effectRef idx="0">
+        <a:scrgbClr r="0" g="0" b="0"/>
+      </a:effectRef>
+      <a:fontRef idx="minor"/>
+    </dgm:style>
+  </dgm:styleLbl>
+  <dgm:styleLbl name="alignImgPlace1">
+    <dgm:scene3d>
+      <a:camera prst="orthographicFront"/>
+      <a:lightRig rig="threePt" dir="t"/>
+    </dgm:scene3d>
+    <dgm:sp3d/>
+    <dgm:txPr/>
+    <dgm:style>
+      <a:lnRef idx="2">
+        <a:scrgbClr r="0" g="0" b="0"/>
+      </a:lnRef>
+      <a:fillRef idx="1">
+        <a:scrgbClr r="0" g="0" b="0"/>
+      </a:fillRef>
+      <a:effectRef idx="0">
+        <a:scrgbClr r="0" g="0" b="0"/>
+      </a:effectRef>
+      <a:fontRef idx="minor"/>
+    </dgm:style>
+  </dgm:styleLbl>
+  <dgm:styleLbl name="bgImgPlace1">
+    <dgm:scene3d>
+      <a:camera prst="orthographicFront"/>
+      <a:lightRig rig="threePt" dir="t"/>
+    </dgm:scene3d>
+    <dgm:sp3d/>
+    <dgm:txPr/>
+    <dgm:style>
+      <a:lnRef idx="2">
+        <a:scrgbClr r="0" g="0" b="0"/>
+      </a:lnRef>
+      <a:fillRef idx="1">
+        <a:scrgbClr r="0" g="0" b="0"/>
+      </a:fillRef>
+      <a:effectRef idx="0">
+        <a:scrgbClr r="0" g="0" b="0"/>
+      </a:effectRef>
+      <a:fontRef idx="minor"/>
+    </dgm:style>
+  </dgm:styleLbl>
+  <dgm:styleLbl name="sibTrans2D1">
+    <dgm:scene3d>
+      <a:camera prst="orthographicFront"/>
+      <a:lightRig rig="threePt" dir="t"/>
+    </dgm:scene3d>
+    <dgm:sp3d/>
+    <dgm:txPr/>
+    <dgm:style>
+      <a:lnRef idx="0">
+        <a:scrgbClr r="0" g="0" b="0"/>
+      </a:lnRef>
+      <a:fillRef idx="1">
+        <a:scrgbClr r="0" g="0" b="0"/>
+      </a:fillRef>
+      <a:effectRef idx="0">
+        <a:scrgbClr r="0" g="0" b="0"/>
+      </a:effectRef>
+      <a:fontRef idx="minor">
+        <a:schemeClr val="lt1"/>
+      </a:fontRef>
+    </dgm:style>
+  </dgm:styleLbl>
+  <dgm:styleLbl name="fgSibTrans2D1">
+    <dgm:scene3d>
+      <a:camera prst="orthographicFront"/>
+      <a:lightRig rig="threePt" dir="t"/>
+    </dgm:scene3d>
+    <dgm:sp3d/>
+    <dgm:txPr/>
+    <dgm:style>
+      <a:lnRef idx="0">
+        <a:scrgbClr r="0" g="0" b="0"/>
+      </a:lnRef>
+      <a:fillRef idx="1">
+        <a:scrgbClr r="0" g="0" b="0"/>
+      </a:fillRef>
+      <a:effectRef idx="0">
+        <a:scrgbClr r="0" g="0" b="0"/>
+      </a:effectRef>
+      <a:fontRef idx="minor">
+        <a:schemeClr val="lt1"/>
+      </a:fontRef>
+    </dgm:style>
+  </dgm:styleLbl>
+  <dgm:styleLbl name="bgSibTrans2D1">
+    <dgm:scene3d>
+      <a:camera prst="orthographicFront"/>
+      <a:lightRig rig="threePt" dir="t"/>
+    </dgm:scene3d>
+    <dgm:sp3d/>
+    <dgm:txPr/>
+    <dgm:style>
+      <a:lnRef idx="0">
+        <a:scrgbClr r="0" g="0" b="0"/>
+      </a:lnRef>
+      <a:fillRef idx="1">
+        <a:scrgbClr r="0" g="0" b="0"/>
+      </a:fillRef>
+      <a:effectRef idx="0">
+        <a:scrgbClr r="0" g="0" b="0"/>
+      </a:effectRef>
+      <a:fontRef idx="minor">
+        <a:schemeClr val="lt1"/>
+      </a:fontRef>
+    </dgm:style>
+  </dgm:styleLbl>
+  <dgm:styleLbl name="sibTrans1D1">
+    <dgm:scene3d>
+      <a:camera prst="orthographicFront"/>
+      <a:lightRig rig="threePt" dir="t"/>
+    </dgm:scene3d>
+    <dgm:sp3d/>
+    <dgm:txPr/>
+    <dgm:style>
+      <a:lnRef idx="1">
+        <a:scrgbClr r="0" g="0" b="0"/>
+      </a:lnRef>
+      <a:fillRef idx="0">
+        <a:scrgbClr r="0" g="0" b="0"/>
+      </a:fillRef>
+      <a:effectRef idx="0">
+        <a:scrgbClr r="0" g="0" b="0"/>
+      </a:effectRef>
+      <a:fontRef idx="minor"/>
+    </dgm:style>
+  </dgm:styleLbl>
+  <dgm:styleLbl name="callout">
+    <dgm:scene3d>
+      <a:camera prst="orthographicFront"/>
+      <a:lightRig rig="threePt" dir="t"/>
+    </dgm:scene3d>
+    <dgm:sp3d/>
+    <dgm:txPr/>
+    <dgm:style>
+      <a:lnRef idx="2">
+        <a:scrgbClr r="0" g="0" b="0"/>
+      </a:lnRef>
+      <a:fillRef idx="1">
+        <a:scrgbClr r="0" g="0" b="0"/>
+      </a:fillRef>
+      <a:effectRef idx="0">
+        <a:scrgbClr r="0" g="0" b="0"/>
+      </a:effectRef>
+      <a:fontRef idx="minor"/>
+    </dgm:style>
+  </dgm:styleLbl>
+  <dgm:styleLbl name="asst0">
+    <dgm:scene3d>
+      <a:camera prst="orthographicFront"/>
+      <a:lightRig rig="threePt" dir="t"/>
+    </dgm:scene3d>
+    <dgm:sp3d/>
+    <dgm:txPr/>
+    <dgm:style>
+      <a:lnRef idx="2">
+        <a:scrgbClr r="0" g="0" b="0"/>
+      </a:lnRef>
+      <a:fillRef idx="1">
+        <a:scrgbClr r="0" g="0" b="0"/>
+      </a:fillRef>
+      <a:effectRef idx="0">
+        <a:scrgbClr r="0" g="0" b="0"/>
+      </a:effectRef>
+      <a:fontRef idx="minor">
+        <a:schemeClr val="lt1"/>
+      </a:fontRef>
+    </dgm:style>
+  </dgm:styleLbl>
+  <dgm:styleLbl name="asst1">
+    <dgm:scene3d>
+      <a:camera prst="orthographicFront"/>
+      <a:lightRig rig="threePt" dir="t"/>
+    </dgm:scene3d>
+    <dgm:sp3d/>
+    <dgm:txPr/>
+    <dgm:style>
+      <a:lnRef idx="2">
+        <a:scrgbClr r="0" g="0" b="0"/>
+      </a:lnRef>
+      <a:fillRef idx="1">
+        <a:scrgbClr r="0" g="0" b="0"/>
+      </a:fillRef>
+      <a:effectRef idx="0">
+        <a:scrgbClr r="0" g="0" b="0"/>
+      </a:effectRef>
+      <a:fontRef idx="minor">
+        <a:schemeClr val="lt1"/>
+      </a:fontRef>
+    </dgm:style>
+  </dgm:styleLbl>
+  <dgm:styleLbl name="asst2">
+    <dgm:scene3d>
+      <a:camera prst="orthographicFront"/>
+      <a:lightRig rig="threePt" dir="t"/>
+    </dgm:scene3d>
+    <dgm:sp3d/>
+    <dgm:txPr/>
+    <dgm:style>
+      <a:lnRef idx="2">
+        <a:scrgbClr r="0" g="0" b="0"/>
+      </a:lnRef>
+      <a:fillRef idx="1">
+        <a:scrgbClr r="0" g="0" b="0"/>
+      </a:fillRef>
+      <a:effectRef idx="0">
+        <a:scrgbClr r="0" g="0" b="0"/>
+      </a:effectRef>
+      <a:fontRef idx="minor">
+        <a:schemeClr val="lt1"/>
+      </a:fontRef>
+    </dgm:style>
+  </dgm:styleLbl>
+  <dgm:styleLbl name="asst3">
+    <dgm:scene3d>
+      <a:camera prst="orthographicFront"/>
+      <a:lightRig rig="threePt" dir="t"/>
+    </dgm:scene3d>
+    <dgm:sp3d/>
+    <dgm:txPr/>
+    <dgm:style>
+      <a:lnRef idx="2">
+        <a:scrgbClr r="0" g="0" b="0"/>
+      </a:lnRef>
+      <a:fillRef idx="1">
+        <a:scrgbClr r="0" g="0" b="0"/>
+      </a:fillRef>
+      <a:effectRef idx="0">
+        <a:scrgbClr r="0" g="0" b="0"/>
+      </a:effectRef>
+      <a:fontRef idx="minor">
+        <a:schemeClr val="lt1"/>
+      </a:fontRef>
+    </dgm:style>
+  </dgm:styleLbl>
+  <dgm:styleLbl name="asst4">
+    <dgm:scene3d>
+      <a:camera prst="orthographicFront"/>
+      <a:lightRig rig="threePt" dir="t"/>
+    </dgm:scene3d>
+    <dgm:sp3d/>
+    <dgm:txPr/>
+    <dgm:style>
+      <a:lnRef idx="2">
+        <a:scrgbClr r="0" g="0" b="0"/>
+      </a:lnRef>
+      <a:fillRef idx="1">
+        <a:scrgbClr r="0" g="0" b="0"/>
+      </a:fillRef>
+      <a:effectRef idx="0">
+        <a:scrgbClr r="0" g="0" b="0"/>
+      </a:effectRef>
+      <a:fontRef idx="minor">
+        <a:schemeClr val="lt1"/>
+      </a:fontRef>
+    </dgm:style>
+  </dgm:styleLbl>
+  <dgm:styleLbl name="parChTrans2D1">
+    <dgm:scene3d>
+      <a:camera prst="orthographicFront"/>
+      <a:lightRig rig="threePt" dir="t"/>
+    </dgm:scene3d>
+    <dgm:sp3d/>
+    <dgm:txPr/>
+    <dgm:style>
+      <a:lnRef idx="2">
+        <a:scrgbClr r="0" g="0" b="0"/>
+      </a:lnRef>
+      <a:fillRef idx="1">
+        <a:scrgbClr r="0" g="0" b="0"/>
+      </a:fillRef>
+      <a:effectRef idx="0">
+        <a:scrgbClr r="0" g="0" b="0"/>
+      </a:effectRef>
+      <a:fontRef idx="minor">
+        <a:schemeClr val="lt1"/>
+      </a:fontRef>
+    </dgm:style>
+  </dgm:styleLbl>
+  <dgm:styleLbl name="parChTrans2D2">
+    <dgm:scene3d>
+      <a:camera prst="orthographicFront"/>
+      <a:lightRig rig="threePt" dir="t"/>
+    </dgm:scene3d>
+    <dgm:sp3d/>
+    <dgm:txPr/>
+    <dgm:style>
+      <a:lnRef idx="2">
+        <a:scrgbClr r="0" g="0" b="0"/>
+      </a:lnRef>
+      <a:fillRef idx="1">
+        <a:scrgbClr r="0" g="0" b="0"/>
+      </a:fillRef>
+      <a:effectRef idx="0">
+        <a:scrgbClr r="0" g="0" b="0"/>
+      </a:effectRef>
+      <a:fontRef idx="minor">
+        <a:schemeClr val="lt1"/>
+      </a:fontRef>
+    </dgm:style>
+  </dgm:styleLbl>
+  <dgm:styleLbl name="parChTrans2D3">
+    <dgm:scene3d>
+      <a:camera prst="orthographicFront"/>
+      <a:lightRig rig="threePt" dir="t"/>
+    </dgm:scene3d>
+    <dgm:sp3d/>
+    <dgm:txPr/>
+    <dgm:style>
+      <a:lnRef idx="2">
+        <a:scrgbClr r="0" g="0" b="0"/>
+      </a:lnRef>
+      <a:fillRef idx="1">
+        <a:scrgbClr r="0" g="0" b="0"/>
+      </a:fillRef>
+      <a:effectRef idx="0">
+        <a:scrgbClr r="0" g="0" b="0"/>
+      </a:effectRef>
+      <a:fontRef idx="minor">
+        <a:schemeClr val="lt1"/>
+      </a:fontRef>
+    </dgm:style>
+  </dgm:styleLbl>
+  <dgm:styleLbl name="parChTrans2D4">
+    <dgm:scene3d>
+      <a:camera prst="orthographicFront"/>
+      <a:lightRig rig="threePt" dir="t"/>
+    </dgm:scene3d>
+    <dgm:sp3d/>
+    <dgm:txPr/>
+    <dgm:style>
+      <a:lnRef idx="2">
+        <a:scrgbClr r="0" g="0" b="0"/>
+      </a:lnRef>
+      <a:fillRef idx="1">
+        <a:scrgbClr r="0" g="0" b="0"/>
+      </a:fillRef>
+      <a:effectRef idx="0">
+        <a:scrgbClr r="0" g="0" b="0"/>
+      </a:effectRef>
+      <a:fontRef idx="minor">
+        <a:schemeClr val="lt1"/>
+      </a:fontRef>
+    </dgm:style>
+  </dgm:styleLbl>
+  <dgm:styleLbl name="parChTrans1D1">
+    <dgm:scene3d>
+      <a:camera prst="orthographicFront"/>
+      <a:lightRig rig="threePt" dir="t"/>
+    </dgm:scene3d>
+    <dgm:sp3d/>
+    <dgm:txPr/>
+    <dgm:style>
+      <a:lnRef idx="2">
+        <a:scrgbClr r="0" g="0" b="0"/>
+      </a:lnRef>
+      <a:fillRef idx="0">
+        <a:scrgbClr r="0" g="0" b="0"/>
+      </a:fillRef>
+      <a:effectRef idx="0">
+        <a:scrgbClr r="0" g="0" b="0"/>
+      </a:effectRef>
+      <a:fontRef idx="minor"/>
+    </dgm:style>
+  </dgm:styleLbl>
+  <dgm:styleLbl name="parChTrans1D2">
+    <dgm:scene3d>
+      <a:camera prst="orthographicFront"/>
+      <a:lightRig rig="threePt" dir="t"/>
+    </dgm:scene3d>
+    <dgm:sp3d/>
+    <dgm:txPr/>
+    <dgm:style>
+      <a:lnRef idx="2">
+        <a:scrgbClr r="0" g="0" b="0"/>
+      </a:lnRef>
+      <a:fillRef idx="0">
+        <a:scrgbClr r="0" g="0" b="0"/>
+      </a:fillRef>
+      <a:effectRef idx="0">
+        <a:scrgbClr r="0" g="0" b="0"/>
+      </a:effectRef>
+      <a:fontRef idx="minor"/>
+    </dgm:style>
+  </dgm:styleLbl>
+  <dgm:styleLbl name="parChTrans1D3">
+    <dgm:scene3d>
+      <a:camera prst="orthographicFront"/>
+      <a:lightRig rig="threePt" dir="t"/>
+    </dgm:scene3d>
+    <dgm:sp3d/>
+    <dgm:txPr/>
+    <dgm:style>
+      <a:lnRef idx="2">
+        <a:scrgbClr r="0" g="0" b="0"/>
+      </a:lnRef>
+      <a:fillRef idx="0">
+        <a:scrgbClr r="0" g="0" b="0"/>
+      </a:fillRef>
+      <a:effectRef idx="0">
+        <a:scrgbClr r="0" g="0" b="0"/>
+      </a:effectRef>
+      <a:fontRef idx="minor"/>
+    </dgm:style>
+  </dgm:styleLbl>
+  <dgm:styleLbl name="parChTrans1D4">
+    <dgm:scene3d>
+      <a:camera prst="orthographicFront"/>
+      <a:lightRig rig="threePt" dir="t"/>
+    </dgm:scene3d>
+    <dgm:sp3d/>
+    <dgm:txPr/>
+    <dgm:style>
+      <a:lnRef idx="2">
+        <a:scrgbClr r="0" g="0" b="0"/>
+      </a:lnRef>
+      <a:fillRef idx="0">
+        <a:scrgbClr r="0" g="0" b="0"/>
+      </a:fillRef>
+      <a:effectRef idx="0">
+        <a:scrgbClr r="0" g="0" b="0"/>
+      </a:effectRef>
+      <a:fontRef idx="minor"/>
+    </dgm:style>
+  </dgm:styleLbl>
+  <dgm:styleLbl name="fgAcc1">
+    <dgm:scene3d>
+      <a:camera prst="orthographicFront"/>
+      <a:lightRig rig="threePt" dir="t"/>
+    </dgm:scene3d>
+    <dgm:sp3d/>
+    <dgm:txPr/>
+    <dgm:style>
+      <a:lnRef idx="2">
+        <a:scrgbClr r="0" g="0" b="0"/>
+      </a:lnRef>
+      <a:fillRef idx="1">
+        <a:scrgbClr r="0" g="0" b="0"/>
+      </a:fillRef>
+      <a:effectRef idx="0">
+        <a:scrgbClr r="0" g="0" b="0"/>
+      </a:effectRef>
+      <a:fontRef idx="minor"/>
+    </dgm:style>
+  </dgm:styleLbl>
+  <dgm:styleLbl name="conFgAcc1">
+    <dgm:scene3d>
+      <a:camera prst="orthographicFront"/>
+      <a:lightRig rig="threePt" dir="t"/>
+    </dgm:scene3d>
+    <dgm:sp3d/>
+    <dgm:txPr/>
+    <dgm:style>
+      <a:lnRef idx="2">
+        <a:scrgbClr r="0" g="0" b="0"/>
+      </a:lnRef>
+      <a:fillRef idx="1">
+        <a:scrgbClr r="0" g="0" b="0"/>
+      </a:fillRef>
+      <a:effectRef idx="0">
+        <a:scrgbClr r="0" g="0" b="0"/>
+      </a:effectRef>
+      <a:fontRef idx="minor"/>
+    </dgm:style>
+  </dgm:styleLbl>
+  <dgm:styleLbl name="alignAcc1">
+    <dgm:scene3d>
+      <a:camera prst="orthographicFront"/>
+      <a:lightRig rig="threePt" dir="t"/>
+    </dgm:scene3d>
+    <dgm:sp3d/>
+    <dgm:txPr/>
+    <dgm:style>
+      <a:lnRef idx="2">
+        <a:scrgbClr r="0" g="0" b="0"/>
+      </a:lnRef>
+      <a:fillRef idx="1">
+        <a:scrgbClr r="0" g="0" b="0"/>
+      </a:fillRef>
+      <a:effectRef idx="0">
+        <a:scrgbClr r="0" g="0" b="0"/>
+      </a:effectRef>
+      <a:fontRef idx="minor"/>
+    </dgm:style>
+  </dgm:styleLbl>
+  <dgm:styleLbl name="trAlignAcc1">
+    <dgm:scene3d>
+      <a:camera prst="orthographicFront"/>
+      <a:lightRig rig="threePt" dir="t"/>
+    </dgm:scene3d>
+    <dgm:sp3d/>
+    <dgm:txPr/>
+    <dgm:style>
+      <a:lnRef idx="1">
+        <a:scrgbClr r="0" g="0" b="0"/>
+      </a:lnRef>
+      <a:fillRef idx="1">
+        <a:scrgbClr r="0" g="0" b="0"/>
+      </a:fillRef>
+      <a:effectRef idx="0">
+        <a:scrgbClr r="0" g="0" b="0"/>
+      </a:effectRef>
+      <a:fontRef idx="minor"/>
+    </dgm:style>
+  </dgm:styleLbl>
+  <dgm:styleLbl name="bgAcc1">
+    <dgm:scene3d>
+      <a:camera prst="orthographicFront"/>
+      <a:lightRig rig="threePt" dir="t"/>
+    </dgm:scene3d>
+    <dgm:sp3d/>
+    <dgm:txPr/>
+    <dgm:style>
+      <a:lnRef idx="2">
+        <a:scrgbClr r="0" g="0" b="0"/>
+      </a:lnRef>
+      <a:fillRef idx="1">
+        <a:scrgbClr r="0" g="0" b="0"/>
+      </a:fillRef>
+      <a:effectRef idx="0">
+        <a:scrgbClr r="0" g="0" b="0"/>
+      </a:effectRef>
+      <a:fontRef idx="minor"/>
+    </dgm:style>
+  </dgm:styleLbl>
+  <dgm:styleLbl name="solidFgAcc1">
+    <dgm:scene3d>
+      <a:camera prst="orthographicFront"/>
+      <a:lightRig rig="threePt" dir="t"/>
+    </dgm:scene3d>
+    <dgm:sp3d/>
+    <dgm:txPr/>
+    <dgm:style>
+      <a:lnRef idx="2">
+        <a:scrgbClr r="0" g="0" b="0"/>
+      </a:lnRef>
+      <a:fillRef idx="1">
+        <a:scrgbClr r="0" g="0" b="0"/>
+      </a:fillRef>
+      <a:effectRef idx="0">
+        <a:scrgbClr r="0" g="0" b="0"/>
+      </a:effectRef>
+      <a:fontRef idx="minor"/>
+    </dgm:style>
+  </dgm:styleLbl>
+  <dgm:styleLbl name="solidAlignAcc1">
+    <dgm:scene3d>
+      <a:camera prst="orthographicFront"/>
+      <a:lightRig rig="threePt" dir="t"/>
+    </dgm:scene3d>
+    <dgm:sp3d/>
+    <dgm:txPr/>
+    <dgm:style>
+      <a:lnRef idx="2">
+        <a:scrgbClr r="0" g="0" b="0"/>
+      </a:lnRef>
+      <a:fillRef idx="1">
+        <a:scrgbClr r="0" g="0" b="0"/>
+      </a:fillRef>
+      <a:effectRef idx="0">
+        <a:scrgbClr r="0" g="0" b="0"/>
+      </a:effectRef>
+      <a:fontRef idx="minor"/>
+    </dgm:style>
+  </dgm:styleLbl>
+  <dgm:styleLbl name="solidBgAcc1">
+    <dgm:scene3d>
+      <a:camera prst="orthographicFront"/>
+      <a:lightRig rig="threePt" dir="t"/>
+    </dgm:scene3d>
+    <dgm:sp3d/>
+    <dgm:txPr/>
+    <dgm:style>
+      <a:lnRef idx="2">
+        <a:scrgbClr r="0" g="0" b="0"/>
+      </a:lnRef>
+      <a:fillRef idx="1">
+        <a:scrgbClr r="0" g="0" b="0"/>
+      </a:fillRef>
+      <a:effectRef idx="0">
+        <a:scrgbClr r="0" g="0" b="0"/>
+      </a:effectRef>
+      <a:fontRef idx="minor"/>
+    </dgm:style>
+  </dgm:styleLbl>
+  <dgm:styleLbl name="fgAccFollowNode1">
+    <dgm:scene3d>
+      <a:camera prst="orthographicFront"/>
+      <a:lightRig rig="threePt" dir="t"/>
+    </dgm:scene3d>
+    <dgm:sp3d/>
+    <dgm:txPr/>
+    <dgm:style>
+      <a:lnRef idx="2">
+        <a:scrgbClr r="0" g="0" b="0"/>
+      </a:lnRef>
+      <a:fillRef idx="1">
+        <a:scrgbClr r="0" g="0" b="0"/>
+      </a:fillRef>
+      <a:effectRef idx="0">
+        <a:scrgbClr r="0" g="0" b="0"/>
+      </a:effectRef>
+      <a:fontRef idx="minor"/>
+    </dgm:style>
+  </dgm:styleLbl>
+  <dgm:styleLbl name="alignAccFollowNode1">
+    <dgm:scene3d>
+      <a:camera prst="orthographicFront"/>
+      <a:lightRig rig="threePt" dir="t"/>
+    </dgm:scene3d>
+    <dgm:sp3d/>
+    <dgm:txPr/>
+    <dgm:style>
+      <a:lnRef idx="2">
+        <a:scrgbClr r="0" g="0" b="0"/>
+      </a:lnRef>
+      <a:fillRef idx="1">
+        <a:scrgbClr r="0" g="0" b="0"/>
+      </a:fillRef>
+      <a:effectRef idx="0">
+        <a:scrgbClr r="0" g="0" b="0"/>
+      </a:effectRef>
+      <a:fontRef idx="minor"/>
+    </dgm:style>
+  </dgm:styleLbl>
+  <dgm:styleLbl name="bgAccFollowNode1">
+    <dgm:scene3d>
+      <a:camera prst="orthographicFront"/>
+      <a:lightRig rig="threePt" dir="t"/>
+    </dgm:scene3d>
+    <dgm:sp3d/>
+    <dgm:txPr/>
+    <dgm:style>
+      <a:lnRef idx="2">
+        <a:scrgbClr r="0" g="0" b="0"/>
+      </a:lnRef>
+      <a:fillRef idx="1">
+        <a:scrgbClr r="0" g="0" b="0"/>
+      </a:fillRef>
+      <a:effectRef idx="0">
+        <a:scrgbClr r="0" g="0" b="0"/>
+      </a:effectRef>
+      <a:fontRef idx="minor"/>
+    </dgm:style>
+  </dgm:styleLbl>
+  <dgm:styleLbl name="fgAcc0">
+    <dgm:scene3d>
+      <a:camera prst="orthographicFront"/>
+      <a:lightRig rig="threePt" dir="t"/>
+    </dgm:scene3d>
+    <dgm:sp3d/>
+    <dgm:txPr/>
+    <dgm:style>
+      <a:lnRef idx="2">
+        <a:scrgbClr r="0" g="0" b="0"/>
+      </a:lnRef>
+      <a:fillRef idx="1">
+        <a:scrgbClr r="0" g="0" b="0"/>
+      </a:fillRef>
+      <a:effectRef idx="0">
+        <a:scrgbClr r="0" g="0" b="0"/>
+      </a:effectRef>
+      <a:fontRef idx="minor"/>
+    </dgm:style>
+  </dgm:styleLbl>
+  <dgm:styleLbl name="fgAcc2">
+    <dgm:scene3d>
+      <a:camera prst="orthographicFront"/>
+      <a:lightRig rig="threePt" dir="t"/>
+    </dgm:scene3d>
+    <dgm:sp3d/>
+    <dgm:txPr/>
+    <dgm:style>
+      <a:lnRef idx="2">
+        <a:scrgbClr r="0" g="0" b="0"/>
+      </a:lnRef>
+      <a:fillRef idx="1">
+        <a:scrgbClr r="0" g="0" b="0"/>
+      </a:fillRef>
+      <a:effectRef idx="0">
+        <a:scrgbClr r="0" g="0" b="0"/>
+      </a:effectRef>
+      <a:fontRef idx="minor"/>
+    </dgm:style>
+  </dgm:styleLbl>
+  <dgm:styleLbl name="fgAcc3">
+    <dgm:scene3d>
+      <a:camera prst="orthographicFront"/>
+      <a:lightRig rig="threePt" dir="t"/>
+    </dgm:scene3d>
+    <dgm:sp3d/>
+    <dgm:txPr/>
+    <dgm:style>
+      <a:lnRef idx="2">
+        <a:scrgbClr r="0" g="0" b="0"/>
+      </a:lnRef>
+      <a:fillRef idx="1">
+        <a:scrgbClr r="0" g="0" b="0"/>
+      </a:fillRef>
+      <a:effectRef idx="0">
+        <a:scrgbClr r="0" g="0" b="0"/>
+      </a:effectRef>
+      <a:fontRef idx="minor"/>
+    </dgm:style>
+  </dgm:styleLbl>
+  <dgm:styleLbl name="fgAcc4">
+    <dgm:scene3d>
+      <a:camera prst="orthographicFront"/>
+      <a:lightRig rig="threePt" dir="t"/>
+    </dgm:scene3d>
+    <dgm:sp3d/>
+    <dgm:txPr/>
+    <dgm:style>
+      <a:lnRef idx="2">
+        <a:scrgbClr r="0" g="0" b="0"/>
+      </a:lnRef>
+      <a:fillRef idx="1">
+        <a:scrgbClr r="0" g="0" b="0"/>
+      </a:fillRef>
+      <a:effectRef idx="0">
+        <a:scrgbClr r="0" g="0" b="0"/>
+      </a:effectRef>
+      <a:fontRef idx="minor"/>
+    </dgm:style>
+  </dgm:styleLbl>
+  <dgm:styleLbl name="bgShp">
+    <dgm:scene3d>
+      <a:camera prst="orthographicFront"/>
+      <a:lightRig rig="threePt" dir="t"/>
+    </dgm:scene3d>
+    <dgm:sp3d/>
+    <dgm:txPr/>
+    <dgm:style>
+      <a:lnRef idx="0">
+        <a:scrgbClr r="0" g="0" b="0"/>
+      </a:lnRef>
+      <a:fillRef idx="1">
+        <a:scrgbClr r="0" g="0" b="0"/>
+      </a:fillRef>
+      <a:effectRef idx="0">
+        <a:scrgbClr r="0" g="0" b="0"/>
+      </a:effectRef>
+      <a:fontRef idx="minor"/>
+    </dgm:style>
+  </dgm:styleLbl>
+  <dgm:styleLbl name="dkBgShp">
+    <dgm:scene3d>
+      <a:camera prst="orthographicFront"/>
+      <a:lightRig rig="threePt" dir="t"/>
+    </dgm:scene3d>
+    <dgm:sp3d/>
+    <dgm:txPr/>
+    <dgm:style>
+      <a:lnRef idx="0">
+        <a:scrgbClr r="0" g="0" b="0"/>
+      </a:lnRef>
+      <a:fillRef idx="1">
+        <a:scrgbClr r="0" g="0" b="0"/>
+      </a:fillRef>
+      <a:effectRef idx="0">
+        <a:scrgbClr r="0" g="0" b="0"/>
+      </a:effectRef>
+      <a:fontRef idx="minor"/>
+    </dgm:style>
+  </dgm:styleLbl>
+  <dgm:styleLbl name="trBgShp">
+    <dgm:scene3d>
+      <a:camera prst="orthographicFront"/>
+      <a:lightRig rig="threePt" dir="t"/>
+    </dgm:scene3d>
+    <dgm:sp3d/>
+    <dgm:txPr/>
+    <dgm:style>
+      <a:lnRef idx="0">
+        <a:scrgbClr r="0" g="0" b="0"/>
+      </a:lnRef>
+      <a:fillRef idx="1">
+        <a:scrgbClr r="0" g="0" b="0"/>
+      </a:fillRef>
+      <a:effectRef idx="0">
+        <a:scrgbClr r="0" g="0" b="0"/>
+      </a:effectRef>
+      <a:fontRef idx="minor"/>
+    </dgm:style>
+  </dgm:styleLbl>
+  <dgm:styleLbl name="fgShp">
+    <dgm:scene3d>
+      <a:camera prst="orthographicFront"/>
+      <a:lightRig rig="threePt" dir="t"/>
+    </dgm:scene3d>
+    <dgm:sp3d/>
+    <dgm:txPr/>
+    <dgm:style>
+      <a:lnRef idx="2">
+        <a:scrgbClr r="0" g="0" b="0"/>
+      </a:lnRef>
+      <a:fillRef idx="1">
+        <a:scrgbClr r="0" g="0" b="0"/>
+      </a:fillRef>
+      <a:effectRef idx="0">
+        <a:scrgbClr r="0" g="0" b="0"/>
+      </a:effectRef>
+      <a:fontRef idx="minor"/>
+    </dgm:style>
+  </dgm:styleLbl>
+  <dgm:styleLbl name="revTx">
+    <dgm:scene3d>
+      <a:camera prst="orthographicFront"/>
+      <a:lightRig rig="threePt" dir="t"/>
+    </dgm:scene3d>
+    <dgm:sp3d/>
+    <dgm:txPr/>
+    <dgm:style>
+      <a:lnRef idx="0">
+        <a:scrgbClr r="0" g="0" b="0"/>
+      </a:lnRef>
+      <a:fillRef idx="0">
+        <a:scrgbClr r="0" g="0" b="0"/>
+      </a:fillRef>
+      <a:effectRef idx="0">
+        <a:scrgbClr r="0" g="0" b="0"/>
+      </a:effectRef>
+      <a:fontRef idx="minor"/>
+    </dgm:style>
+  </dgm:styleLbl>
+</dgm:styleDef>
+</file>
+
+<file path=ppt/notesMasters/notesMaster1.xml><?xml version="1.0" encoding="utf-8"?>
+<p:notesMaster xmlns:a="http://schemas.openxmlformats.org/drawingml/2006/main" xmlns:r="http://schemas.openxmlformats.org/officeDocument/2006/relationships" xmlns:p="http://schemas.openxmlformats.org/presentationml/2006/main">
+  <p:cSld>
+    <p:bg>
+      <p:bgRef idx="1001">
+        <a:schemeClr val="bg1"/>
+      </p:bgRef>
+    </p:bg>
+    <p:spTree>
+      <p:nvGrpSpPr>
+        <p:cNvPr id="1" name=""/>
+        <p:cNvGrpSpPr/>
+        <p:nvPr/>
+      </p:nvGrpSpPr>
+      <p:grpSpPr>
+        <a:xfrm>
+          <a:off x="0" y="0"/>
+          <a:ext cx="0" cy="0"/>
+          <a:chOff x="0" y="0"/>
+          <a:chExt cx="0" cy="0"/>
+        </a:xfrm>
+      </p:grpSpPr>
+      <p:sp>
+        <p:nvSpPr>
+          <p:cNvPr id="2" name="Kopfzeilenplatzhalter 1"/>
+          <p:cNvSpPr>
+            <a:spLocks noGrp="1"/>
+          </p:cNvSpPr>
+          <p:nvPr>
+            <p:ph type="hdr" sz="quarter"/>
+          </p:nvPr>
+        </p:nvSpPr>
+        <p:spPr>
+          <a:xfrm>
+            <a:off x="0" y="0"/>
+            <a:ext cx="2971800" cy="458788"/>
+          </a:xfrm>
+          <a:prstGeom prst="rect">
+            <a:avLst/>
+          </a:prstGeom>
+        </p:spPr>
+        <p:txBody>
+          <a:bodyPr vert="horz" lIns="91440" tIns="45720" rIns="91440" bIns="45720" rtlCol="0"/>
+          <a:lstStyle>
+            <a:lvl1pPr algn="l">
+              <a:defRPr sz="1200"/>
+            </a:lvl1pPr>
+          </a:lstStyle>
+          <a:p>
+            <a:endParaRPr lang="de-CH"/>
+          </a:p>
+        </p:txBody>
+      </p:sp>
+      <p:sp>
+        <p:nvSpPr>
+          <p:cNvPr id="3" name="Datumsplatzhalter 2"/>
+          <p:cNvSpPr>
+            <a:spLocks noGrp="1"/>
+          </p:cNvSpPr>
+          <p:nvPr>
+            <p:ph type="dt" idx="1"/>
+          </p:nvPr>
+        </p:nvSpPr>
+        <p:spPr>
+          <a:xfrm>
+            <a:off x="3884613" y="0"/>
+            <a:ext cx="2971800" cy="458788"/>
+          </a:xfrm>
+          <a:prstGeom prst="rect">
+            <a:avLst/>
+          </a:prstGeom>
+        </p:spPr>
+        <p:txBody>
+          <a:bodyPr vert="horz" lIns="91440" tIns="45720" rIns="91440" bIns="45720" rtlCol="0"/>
+          <a:lstStyle>
+            <a:lvl1pPr algn="r">
+              <a:defRPr sz="1200"/>
+            </a:lvl1pPr>
+          </a:lstStyle>
+          <a:p>
+            <a:fld id="{3319968A-CCEB-4B0D-85F4-935C6378E625}" type="datetimeFigureOut">
+              <a:rPr lang="de-CH" smtClean="0"/>
+              <a:t>30.06.2024</a:t>
+            </a:fld>
+            <a:endParaRPr lang="de-CH"/>
+          </a:p>
+        </p:txBody>
+      </p:sp>
+      <p:sp>
+        <p:nvSpPr>
+          <p:cNvPr id="4" name="Folienbildplatzhalter 3"/>
+          <p:cNvSpPr>
+            <a:spLocks noGrp="1" noRot="1" noChangeAspect="1"/>
+          </p:cNvSpPr>
+          <p:nvPr>
+            <p:ph type="sldImg" idx="2"/>
+          </p:nvPr>
+        </p:nvSpPr>
+        <p:spPr>
+          <a:xfrm>
+            <a:off x="685800" y="1143000"/>
+            <a:ext cx="5486400" cy="3086100"/>
+          </a:xfrm>
+          <a:prstGeom prst="rect">
+            <a:avLst/>
+          </a:prstGeom>
+          <a:noFill/>
+          <a:ln w="12700">
+            <a:solidFill>
+              <a:prstClr val="black"/>
+            </a:solidFill>
+          </a:ln>
+        </p:spPr>
+        <p:txBody>
+          <a:bodyPr vert="horz" lIns="91440" tIns="45720" rIns="91440" bIns="45720" rtlCol="0" anchor="ctr"/>
+          <a:lstStyle/>
+          <a:p>
+            <a:endParaRPr lang="de-CH"/>
+          </a:p>
+        </p:txBody>
+      </p:sp>
+      <p:sp>
+        <p:nvSpPr>
+          <p:cNvPr id="5" name="Notizenplatzhalter 4"/>
+          <p:cNvSpPr>
+            <a:spLocks noGrp="1"/>
+          </p:cNvSpPr>
+          <p:nvPr>
+            <p:ph type="body" sz="quarter" idx="3"/>
+          </p:nvPr>
+        </p:nvSpPr>
+        <p:spPr>
+          <a:xfrm>
+            <a:off x="685800" y="4400550"/>
+            <a:ext cx="5486400" cy="3600450"/>
+          </a:xfrm>
+          <a:prstGeom prst="rect">
+            <a:avLst/>
+          </a:prstGeom>
+        </p:spPr>
+        <p:txBody>
+          <a:bodyPr vert="horz" lIns="91440" tIns="45720" rIns="91440" bIns="45720" rtlCol="0"/>
+          <a:lstStyle/>
+          <a:p>
+            <a:pPr lvl="0"/>
+            <a:r>
+              <a:rPr lang="de-DE"/>
+              <a:t>Mastertextformat bearbeiten</a:t>
+            </a:r>
+          </a:p>
+          <a:p>
+            <a:pPr lvl="1"/>
+            <a:r>
+              <a:rPr lang="de-DE"/>
+              <a:t>Zweite Ebene</a:t>
+            </a:r>
+          </a:p>
+          <a:p>
+            <a:pPr lvl="2"/>
+            <a:r>
+              <a:rPr lang="de-DE"/>
+              <a:t>Dritte Ebene</a:t>
+            </a:r>
+          </a:p>
+          <a:p>
+            <a:pPr lvl="3"/>
+            <a:r>
+              <a:rPr lang="de-DE"/>
+              <a:t>Vierte Ebene</a:t>
+            </a:r>
+          </a:p>
+          <a:p>
+            <a:pPr lvl="4"/>
+            <a:r>
+              <a:rPr lang="de-DE"/>
+              <a:t>Fünfte Ebene</a:t>
+            </a:r>
+            <a:endParaRPr lang="de-CH"/>
+          </a:p>
+        </p:txBody>
+      </p:sp>
+      <p:sp>
+        <p:nvSpPr>
+          <p:cNvPr id="6" name="Fußzeilenplatzhalter 5"/>
+          <p:cNvSpPr>
+            <a:spLocks noGrp="1"/>
+          </p:cNvSpPr>
+          <p:nvPr>
+            <p:ph type="ftr" sz="quarter" idx="4"/>
+          </p:nvPr>
+        </p:nvSpPr>
+        <p:spPr>
+          <a:xfrm>
+            <a:off x="0" y="8685213"/>
+            <a:ext cx="2971800" cy="458787"/>
+          </a:xfrm>
+          <a:prstGeom prst="rect">
+            <a:avLst/>
+          </a:prstGeom>
+        </p:spPr>
+        <p:txBody>
+          <a:bodyPr vert="horz" lIns="91440" tIns="45720" rIns="91440" bIns="45720" rtlCol="0" anchor="b"/>
+          <a:lstStyle>
+            <a:lvl1pPr algn="l">
+              <a:defRPr sz="1200"/>
+            </a:lvl1pPr>
+          </a:lstStyle>
+          <a:p>
+            <a:endParaRPr lang="de-CH"/>
+          </a:p>
+        </p:txBody>
+      </p:sp>
+      <p:sp>
+        <p:nvSpPr>
+          <p:cNvPr id="7" name="Foliennummernplatzhalter 6"/>
+          <p:cNvSpPr>
+            <a:spLocks noGrp="1"/>
+          </p:cNvSpPr>
+          <p:nvPr>
+            <p:ph type="sldNum" sz="quarter" idx="5"/>
+          </p:nvPr>
+        </p:nvSpPr>
+        <p:spPr>
+          <a:xfrm>
+            <a:off x="3884613" y="8685213"/>
+            <a:ext cx="2971800" cy="458787"/>
+          </a:xfrm>
+          <a:prstGeom prst="rect">
+            <a:avLst/>
+          </a:prstGeom>
+        </p:spPr>
+        <p:txBody>
+          <a:bodyPr vert="horz" lIns="91440" tIns="45720" rIns="91440" bIns="45720" rtlCol="0" anchor="b"/>
+          <a:lstStyle>
+            <a:lvl1pPr algn="r">
+              <a:defRPr sz="1200"/>
+            </a:lvl1pPr>
+          </a:lstStyle>
+          <a:p>
+            <a:fld id="{293598AF-1724-463A-A957-D4B0830431CB}" type="slidenum">
+              <a:rPr lang="de-CH" smtClean="0"/>
+              <a:t>‹Nr.›</a:t>
+            </a:fld>
+            <a:endParaRPr lang="de-CH"/>
+          </a:p>
+        </p:txBody>
+      </p:sp>
+    </p:spTree>
+    <p:extLst>
+      <p:ext uri="{BB962C8B-B14F-4D97-AF65-F5344CB8AC3E}">
+        <p14:creationId xmlns:p14="http://schemas.microsoft.com/office/powerpoint/2010/main" val="3486319551"/>
+      </p:ext>
+    </p:extLst>
+  </p:cSld>
+  <p:clrMap bg1="lt1" tx1="dk1" bg2="lt2" tx2="dk2" accent1="accent1" accent2="accent2" accent3="accent3" accent4="accent4" accent5="accent5" accent6="accent6" hlink="hlink" folHlink="folHlink"/>
+  <p:notesStyle>
+    <a:lvl1pPr marL="0" algn="l" defTabSz="914400" rtl="0" eaLnBrk="1" latinLnBrk="0" hangingPunct="1">
+      <a:defRPr sz="1200" kern="1200">
+        <a:solidFill>
+          <a:schemeClr val="tx1"/>
+        </a:solidFill>
+        <a:latin typeface="+mn-lt"/>
+        <a:ea typeface="+mn-ea"/>
+        <a:cs typeface="+mn-cs"/>
+      </a:defRPr>
+    </a:lvl1pPr>
+    <a:lvl2pPr marL="457200" algn="l" defTabSz="914400" rtl="0" eaLnBrk="1" latinLnBrk="0" hangingPunct="1">
+      <a:defRPr sz="1200" kern="1200">
+        <a:solidFill>
+          <a:schemeClr val="tx1"/>
+        </a:solidFill>
+        <a:latin typeface="+mn-lt"/>
+        <a:ea typeface="+mn-ea"/>
+        <a:cs typeface="+mn-cs"/>
+      </a:defRPr>
+    </a:lvl2pPr>
+    <a:lvl3pPr marL="914400" algn="l" defTabSz="914400" rtl="0" eaLnBrk="1" latinLnBrk="0" hangingPunct="1">
+      <a:defRPr sz="1200" kern="1200">
+        <a:solidFill>
+          <a:schemeClr val="tx1"/>
+        </a:solidFill>
+        <a:latin typeface="+mn-lt"/>
+        <a:ea typeface="+mn-ea"/>
+        <a:cs typeface="+mn-cs"/>
+      </a:defRPr>
+    </a:lvl3pPr>
+    <a:lvl4pPr marL="1371600" algn="l" defTabSz="914400" rtl="0" eaLnBrk="1" latinLnBrk="0" hangingPunct="1">
+      <a:defRPr sz="1200" kern="1200">
+        <a:solidFill>
+          <a:schemeClr val="tx1"/>
+        </a:solidFill>
+        <a:latin typeface="+mn-lt"/>
+        <a:ea typeface="+mn-ea"/>
+        <a:cs typeface="+mn-cs"/>
+      </a:defRPr>
+    </a:lvl4pPr>
+    <a:lvl5pPr marL="1828800" algn="l" defTabSz="914400" rtl="0" eaLnBrk="1" latinLnBrk="0" hangingPunct="1">
+      <a:defRPr sz="1200" kern="1200">
+        <a:solidFill>
+          <a:schemeClr val="tx1"/>
+        </a:solidFill>
+        <a:latin typeface="+mn-lt"/>
+        <a:ea typeface="+mn-ea"/>
+        <a:cs typeface="+mn-cs"/>
+      </a:defRPr>
+    </a:lvl5pPr>
+    <a:lvl6pPr marL="2286000" algn="l" defTabSz="914400" rtl="0" eaLnBrk="1" latinLnBrk="0" hangingPunct="1">
+      <a:defRPr sz="1200" kern="1200">
+        <a:solidFill>
+          <a:schemeClr val="tx1"/>
+        </a:solidFill>
+        <a:latin typeface="+mn-lt"/>
+        <a:ea typeface="+mn-ea"/>
+        <a:cs typeface="+mn-cs"/>
+      </a:defRPr>
+    </a:lvl6pPr>
+    <a:lvl7pPr marL="2743200" algn="l" defTabSz="914400" rtl="0" eaLnBrk="1" latinLnBrk="0" hangingPunct="1">
+      <a:defRPr sz="1200" kern="1200">
+        <a:solidFill>
+          <a:schemeClr val="tx1"/>
+        </a:solidFill>
+        <a:latin typeface="+mn-lt"/>
+        <a:ea typeface="+mn-ea"/>
+        <a:cs typeface="+mn-cs"/>
+      </a:defRPr>
+    </a:lvl7pPr>
+    <a:lvl8pPr marL="3200400" algn="l" defTabSz="914400" rtl="0" eaLnBrk="1" latinLnBrk="0" hangingPunct="1">
+      <a:defRPr sz="1200" kern="1200">
+        <a:solidFill>
+          <a:schemeClr val="tx1"/>
+        </a:solidFill>
+        <a:latin typeface="+mn-lt"/>
+        <a:ea typeface="+mn-ea"/>
+        <a:cs typeface="+mn-cs"/>
+      </a:defRPr>
+    </a:lvl8pPr>
+    <a:lvl9pPr marL="3657600" algn="l" defTabSz="914400" rtl="0" eaLnBrk="1" latinLnBrk="0" hangingPunct="1">
+      <a:defRPr sz="1200" kern="1200">
+        <a:solidFill>
+          <a:schemeClr val="tx1"/>
+        </a:solidFill>
+        <a:latin typeface="+mn-lt"/>
+        <a:ea typeface="+mn-ea"/>
+        <a:cs typeface="+mn-cs"/>
+      </a:defRPr>
+    </a:lvl9pPr>
+  </p:notesStyle>
+</p:notesMaster>
+</file>
+
+<file path=ppt/notesSlides/notesSlide1.xml><?xml version="1.0" encoding="utf-8"?>
+<p:notes xmlns:a="http://schemas.openxmlformats.org/drawingml/2006/main" xmlns:r="http://schemas.openxmlformats.org/officeDocument/2006/relationships" xmlns:p="http://schemas.openxmlformats.org/presentationml/2006/main">
+  <p:cSld>
+    <p:spTree>
+      <p:nvGrpSpPr>
+        <p:cNvPr id="1" name=""/>
+        <p:cNvGrpSpPr/>
+        <p:nvPr/>
+      </p:nvGrpSpPr>
+      <p:grpSpPr>
+        <a:xfrm>
+          <a:off x="0" y="0"/>
+          <a:ext cx="0" cy="0"/>
+          <a:chOff x="0" y="0"/>
+          <a:chExt cx="0" cy="0"/>
+        </a:xfrm>
+      </p:grpSpPr>
+      <p:sp>
+        <p:nvSpPr>
+          <p:cNvPr id="2" name="Folienbildplatzhalter 1"/>
+          <p:cNvSpPr>
+            <a:spLocks noGrp="1" noRot="1" noChangeAspect="1"/>
+          </p:cNvSpPr>
+          <p:nvPr>
+            <p:ph type="sldImg"/>
+          </p:nvPr>
+        </p:nvSpPr>
+        <p:spPr/>
+      </p:sp>
+      <p:sp>
+        <p:nvSpPr>
+          <p:cNvPr id="3" name="Notizenplatzhalter 2"/>
+          <p:cNvSpPr>
+            <a:spLocks noGrp="1"/>
+          </p:cNvSpPr>
+          <p:nvPr>
+            <p:ph type="body" idx="1"/>
+          </p:nvPr>
+        </p:nvSpPr>
+        <p:spPr/>
+        <p:txBody>
+          <a:bodyPr/>
+          <a:lstStyle/>
+          <a:p>
+            <a:endParaRPr lang="de-CH" dirty="0"/>
+          </a:p>
+        </p:txBody>
+      </p:sp>
+      <p:sp>
+        <p:nvSpPr>
+          <p:cNvPr id="4" name="Foliennummernplatzhalter 3"/>
+          <p:cNvSpPr>
+            <a:spLocks noGrp="1"/>
+          </p:cNvSpPr>
+          <p:nvPr>
+            <p:ph type="sldNum" sz="quarter" idx="5"/>
+          </p:nvPr>
+        </p:nvSpPr>
+        <p:spPr/>
+        <p:txBody>
+          <a:bodyPr/>
+          <a:lstStyle/>
+          <a:p>
+            <a:fld id="{293598AF-1724-463A-A957-D4B0830431CB}" type="slidenum">
+              <a:rPr lang="de-CH" smtClean="0"/>
+              <a:t>7</a:t>
+            </a:fld>
+            <a:endParaRPr lang="de-CH"/>
+          </a:p>
+        </p:txBody>
+      </p:sp>
+    </p:spTree>
+    <p:extLst>
+      <p:ext uri="{BB962C8B-B14F-4D97-AF65-F5344CB8AC3E}">
+        <p14:creationId xmlns:p14="http://schemas.microsoft.com/office/powerpoint/2010/main" val="2059700493"/>
+      </p:ext>
+    </p:extLst>
+  </p:cSld>
+  <p:clrMapOvr>
+    <a:masterClrMapping/>
+  </p:clrMapOvr>
+</p:notes>
 </file>
 
 <file path=ppt/slideLayouts/slideLayout1.xml><?xml version="1.0" encoding="utf-8"?>
@@ -3339,6 +8963,14 @@
 <file path=ppt/slides/slide1.xml><?xml version="1.0" encoding="utf-8"?>
 <p:sld xmlns:a="http://schemas.openxmlformats.org/drawingml/2006/main" xmlns:r="http://schemas.openxmlformats.org/officeDocument/2006/relationships" xmlns:p="http://schemas.openxmlformats.org/presentationml/2006/main">
   <p:cSld>
+    <p:bg>
+      <p:bgPr>
+        <a:solidFill>
+          <a:schemeClr val="bg1"/>
+        </a:solidFill>
+        <a:effectLst/>
+      </p:bgPr>
+    </p:bg>
     <p:spTree>
       <p:nvGrpSpPr>
         <p:cNvPr id="1" name=""/>
@@ -3353,6 +8985,384 @@
           <a:chExt cx="0" cy="0"/>
         </a:xfrm>
       </p:grpSpPr>
+      <p:sp useBgFill="1">
+        <p:nvSpPr>
+          <p:cNvPr id="35" name="Rectangle 34">
+            <a:extLst>
+              <a:ext uri="{FF2B5EF4-FFF2-40B4-BE49-F238E27FC236}">
+                <a16:creationId xmlns:a16="http://schemas.microsoft.com/office/drawing/2014/main" id="{0E30439A-8A5B-46EC-8283-9B6B031D40D0}"/>
+              </a:ext>
+              <a:ext uri="{C183D7F6-B498-43B3-948B-1728B52AA6E4}">
+                <adec:decorative xmlns:adec="http://schemas.microsoft.com/office/drawing/2017/decorative" val="1"/>
+              </a:ext>
+            </a:extLst>
+          </p:cNvPr>
+          <p:cNvSpPr>
+            <a:spLocks noGrp="1" noRot="1" noChangeAspect="1" noMove="1" noResize="1" noEditPoints="1" noAdjustHandles="1" noChangeArrowheads="1" noChangeShapeType="1" noTextEdit="1"/>
+          </p:cNvSpPr>
+          <p:nvPr>
+            <p:extLst>
+              <p:ext uri="{386F3935-93C4-4BCD-93E2-E3B085C9AB24}">
+                <p16:designElem xmlns:p16="http://schemas.microsoft.com/office/powerpoint/2015/main" val="1"/>
+              </p:ext>
+            </p:extLst>
+          </p:nvPr>
+        </p:nvSpPr>
+        <p:spPr>
+          <a:xfrm>
+            <a:off x="0" y="0"/>
+            <a:ext cx="12192000" cy="6858000"/>
+          </a:xfrm>
+          <a:prstGeom prst="rect">
+            <a:avLst/>
+          </a:prstGeom>
+          <a:ln w="12700" cap="flat" cmpd="sng" algn="ctr">
+            <a:noFill/>
+            <a:prstDash val="solid"/>
+            <a:miter lim="800000"/>
+          </a:ln>
+          <a:effectLst/>
+          <a:extLst>
+            <a:ext uri="{91240B29-F687-4F45-9708-019B960494DF}">
+              <a14:hiddenLine xmlns:a14="http://schemas.microsoft.com/office/drawing/2010/main" w="12700" cap="flat" cmpd="sng" algn="ctr">
+                <a:solidFill>
+                  <a:schemeClr val="accent1">
+                    <a:shade val="50000"/>
+                  </a:schemeClr>
+                </a:solidFill>
+                <a:prstDash val="solid"/>
+                <a:miter lim="800000"/>
+              </a14:hiddenLine>
+            </a:ext>
+          </a:extLst>
+        </p:spPr>
+        <p:style>
+          <a:lnRef idx="2">
+            <a:schemeClr val="accent1">
+              <a:shade val="50000"/>
+            </a:schemeClr>
+          </a:lnRef>
+          <a:fillRef idx="1">
+            <a:schemeClr val="accent1"/>
+          </a:fillRef>
+          <a:effectRef idx="0">
+            <a:schemeClr val="accent1"/>
+          </a:effectRef>
+          <a:fontRef idx="minor">
+            <a:schemeClr val="lt1"/>
+          </a:fontRef>
+        </p:style>
+        <p:txBody>
+          <a:bodyPr rtlCol="0" anchor="ctr"/>
+          <a:lstStyle/>
+          <a:p>
+            <a:pPr algn="ctr"/>
+            <a:endParaRPr lang="en-US"/>
+          </a:p>
+        </p:txBody>
+      </p:sp>
+      <p:sp>
+        <p:nvSpPr>
+          <p:cNvPr id="37" name="Rectangle 36">
+            <a:extLst>
+              <a:ext uri="{FF2B5EF4-FFF2-40B4-BE49-F238E27FC236}">
+                <a16:creationId xmlns:a16="http://schemas.microsoft.com/office/drawing/2014/main" id="{5CEAD642-85CF-4750-8432-7C80C901F001}"/>
+              </a:ext>
+              <a:ext uri="{C183D7F6-B498-43B3-948B-1728B52AA6E4}">
+                <adec:decorative xmlns:adec="http://schemas.microsoft.com/office/drawing/2017/decorative" val="1"/>
+              </a:ext>
+            </a:extLst>
+          </p:cNvPr>
+          <p:cNvSpPr>
+            <a:spLocks noGrp="1" noRot="1" noChangeAspect="1" noMove="1" noResize="1" noEditPoints="1" noAdjustHandles="1" noChangeArrowheads="1" noChangeShapeType="1" noTextEdit="1"/>
+          </p:cNvSpPr>
+          <p:nvPr>
+            <p:extLst>
+              <p:ext uri="{386F3935-93C4-4BCD-93E2-E3B085C9AB24}">
+                <p16:designElem xmlns:p16="http://schemas.microsoft.com/office/powerpoint/2015/main" val="1"/>
+              </p:ext>
+            </p:extLst>
+          </p:nvPr>
+        </p:nvSpPr>
+        <p:spPr>
+          <a:xfrm>
+            <a:off x="0" y="-427"/>
+            <a:ext cx="12192001" cy="6858000"/>
+          </a:xfrm>
+          <a:prstGeom prst="rect">
+            <a:avLst/>
+          </a:prstGeom>
+          <a:gradFill>
+            <a:gsLst>
+              <a:gs pos="0">
+                <a:srgbClr val="000000"/>
+              </a:gs>
+              <a:gs pos="100000">
+                <a:schemeClr val="accent1">
+                  <a:lumMod val="75000"/>
+                </a:schemeClr>
+              </a:gs>
+            </a:gsLst>
+            <a:lin ang="15000000" scaled="0"/>
+          </a:gradFill>
+          <a:ln>
+            <a:noFill/>
+          </a:ln>
+        </p:spPr>
+        <p:style>
+          <a:lnRef idx="2">
+            <a:schemeClr val="accent1">
+              <a:shade val="50000"/>
+            </a:schemeClr>
+          </a:lnRef>
+          <a:fillRef idx="1">
+            <a:schemeClr val="accent1"/>
+          </a:fillRef>
+          <a:effectRef idx="0">
+            <a:schemeClr val="accent1"/>
+          </a:effectRef>
+          <a:fontRef idx="minor">
+            <a:schemeClr val="lt1"/>
+          </a:fontRef>
+        </p:style>
+        <p:txBody>
+          <a:bodyPr rtlCol="0" anchor="ctr"/>
+          <a:lstStyle/>
+          <a:p>
+            <a:pPr algn="ctr"/>
+            <a:endParaRPr lang="en-US"/>
+          </a:p>
+        </p:txBody>
+      </p:sp>
+      <p:sp>
+        <p:nvSpPr>
+          <p:cNvPr id="39" name="Rectangle 38">
+            <a:extLst>
+              <a:ext uri="{FF2B5EF4-FFF2-40B4-BE49-F238E27FC236}">
+                <a16:creationId xmlns:a16="http://schemas.microsoft.com/office/drawing/2014/main" id="{FA33EEAE-15D5-4119-8C1E-89D943F911EF}"/>
+              </a:ext>
+              <a:ext uri="{C183D7F6-B498-43B3-948B-1728B52AA6E4}">
+                <adec:decorative xmlns:adec="http://schemas.microsoft.com/office/drawing/2017/decorative" val="1"/>
+              </a:ext>
+            </a:extLst>
+          </p:cNvPr>
+          <p:cNvSpPr>
+            <a:spLocks noGrp="1" noRot="1" noChangeAspect="1" noMove="1" noResize="1" noEditPoints="1" noAdjustHandles="1" noChangeArrowheads="1" noChangeShapeType="1" noTextEdit="1"/>
+          </p:cNvSpPr>
+          <p:nvPr>
+            <p:extLst>
+              <p:ext uri="{386F3935-93C4-4BCD-93E2-E3B085C9AB24}">
+                <p16:designElem xmlns:p16="http://schemas.microsoft.com/office/powerpoint/2015/main" val="1"/>
+              </p:ext>
+            </p:extLst>
+          </p:nvPr>
+        </p:nvSpPr>
+        <p:spPr>
+          <a:xfrm rot="10800000" flipH="1">
+            <a:off x="455521" y="-1720"/>
+            <a:ext cx="11750040" cy="6840685"/>
+          </a:xfrm>
+          <a:prstGeom prst="rect">
+            <a:avLst/>
+          </a:prstGeom>
+          <a:gradFill>
+            <a:gsLst>
+              <a:gs pos="21000">
+                <a:schemeClr val="accent1">
+                  <a:lumMod val="50000"/>
+                  <a:alpha val="61000"/>
+                </a:schemeClr>
+              </a:gs>
+              <a:gs pos="100000">
+                <a:schemeClr val="accent1">
+                  <a:alpha val="0"/>
+                </a:schemeClr>
+              </a:gs>
+            </a:gsLst>
+            <a:lin ang="21594000" scaled="0"/>
+          </a:gradFill>
+          <a:ln>
+            <a:noFill/>
+          </a:ln>
+        </p:spPr>
+        <p:style>
+          <a:lnRef idx="2">
+            <a:schemeClr val="accent1">
+              <a:shade val="50000"/>
+            </a:schemeClr>
+          </a:lnRef>
+          <a:fillRef idx="1">
+            <a:schemeClr val="accent1"/>
+          </a:fillRef>
+          <a:effectRef idx="0">
+            <a:schemeClr val="accent1"/>
+          </a:effectRef>
+          <a:fontRef idx="minor">
+            <a:schemeClr val="lt1"/>
+          </a:fontRef>
+        </p:style>
+        <p:txBody>
+          <a:bodyPr rtlCol="0" anchor="ctr"/>
+          <a:lstStyle/>
+          <a:p>
+            <a:pPr algn="ctr"/>
+            <a:endParaRPr lang="en-US"/>
+          </a:p>
+        </p:txBody>
+      </p:sp>
+      <p:sp>
+        <p:nvSpPr>
+          <p:cNvPr id="41" name="Rectangle 40">
+            <a:extLst>
+              <a:ext uri="{FF2B5EF4-FFF2-40B4-BE49-F238E27FC236}">
+                <a16:creationId xmlns:a16="http://schemas.microsoft.com/office/drawing/2014/main" id="{730D8B3B-9B80-4025-B934-26DC7D7CD231}"/>
+              </a:ext>
+              <a:ext uri="{C183D7F6-B498-43B3-948B-1728B52AA6E4}">
+                <adec:decorative xmlns:adec="http://schemas.microsoft.com/office/drawing/2017/decorative" val="1"/>
+              </a:ext>
+            </a:extLst>
+          </p:cNvPr>
+          <p:cNvSpPr>
+            <a:spLocks noGrp="1" noRot="1" noChangeAspect="1" noMove="1" noResize="1" noEditPoints="1" noAdjustHandles="1" noChangeArrowheads="1" noChangeShapeType="1" noTextEdit="1"/>
+          </p:cNvSpPr>
+          <p:nvPr>
+            <p:extLst>
+              <p:ext uri="{386F3935-93C4-4BCD-93E2-E3B085C9AB24}">
+                <p16:designElem xmlns:p16="http://schemas.microsoft.com/office/powerpoint/2015/main" val="1"/>
+              </p:ext>
+            </p:extLst>
+          </p:nvPr>
+        </p:nvSpPr>
+        <p:spPr>
+          <a:xfrm>
+            <a:off x="8606054" y="-1291"/>
+            <a:ext cx="3608179" cy="6858864"/>
+          </a:xfrm>
+          <a:prstGeom prst="rect">
+            <a:avLst/>
+          </a:prstGeom>
+          <a:gradFill>
+            <a:gsLst>
+              <a:gs pos="0">
+                <a:schemeClr val="accent1">
+                  <a:lumMod val="75000"/>
+                  <a:alpha val="0"/>
+                </a:schemeClr>
+              </a:gs>
+              <a:gs pos="99000">
+                <a:srgbClr val="000000">
+                  <a:alpha val="41000"/>
+                </a:srgbClr>
+              </a:gs>
+            </a:gsLst>
+            <a:lin ang="16200000" scaled="0"/>
+          </a:gradFill>
+          <a:ln>
+            <a:noFill/>
+          </a:ln>
+        </p:spPr>
+        <p:style>
+          <a:lnRef idx="2">
+            <a:schemeClr val="accent1">
+              <a:shade val="50000"/>
+            </a:schemeClr>
+          </a:lnRef>
+          <a:fillRef idx="1">
+            <a:schemeClr val="accent1"/>
+          </a:fillRef>
+          <a:effectRef idx="0">
+            <a:schemeClr val="accent1"/>
+          </a:effectRef>
+          <a:fontRef idx="minor">
+            <a:schemeClr val="lt1"/>
+          </a:fontRef>
+        </p:style>
+        <p:txBody>
+          <a:bodyPr rtlCol="0" anchor="ctr"/>
+          <a:lstStyle/>
+          <a:p>
+            <a:pPr algn="ctr"/>
+            <a:endParaRPr lang="en-US"/>
+          </a:p>
+        </p:txBody>
+      </p:sp>
+      <p:sp>
+        <p:nvSpPr>
+          <p:cNvPr id="43" name="Oval 42">
+            <a:extLst>
+              <a:ext uri="{FF2B5EF4-FFF2-40B4-BE49-F238E27FC236}">
+                <a16:creationId xmlns:a16="http://schemas.microsoft.com/office/drawing/2014/main" id="{B5A1B09C-1565-46F8-B70F-621C5EB48A09}"/>
+              </a:ext>
+              <a:ext uri="{C183D7F6-B498-43B3-948B-1728B52AA6E4}">
+                <adec:decorative xmlns:adec="http://schemas.microsoft.com/office/drawing/2017/decorative" val="1"/>
+              </a:ext>
+            </a:extLst>
+          </p:cNvPr>
+          <p:cNvSpPr>
+            <a:spLocks noGrp="1" noRot="1" noChangeAspect="1" noMove="1" noResize="1" noEditPoints="1" noAdjustHandles="1" noChangeArrowheads="1" noChangeShapeType="1" noTextEdit="1"/>
+          </p:cNvSpPr>
+          <p:nvPr>
+            <p:extLst>
+              <p:ext uri="{386F3935-93C4-4BCD-93E2-E3B085C9AB24}">
+                <p16:designElem xmlns:p16="http://schemas.microsoft.com/office/powerpoint/2015/main" val="1"/>
+              </p:ext>
+            </p:extLst>
+          </p:nvPr>
+        </p:nvSpPr>
+        <p:spPr>
+          <a:xfrm rot="15274173">
+            <a:off x="6059728" y="779270"/>
+            <a:ext cx="4967533" cy="4988390"/>
+          </a:xfrm>
+          <a:prstGeom prst="ellipse">
+            <a:avLst/>
+          </a:prstGeom>
+          <a:gradFill>
+            <a:gsLst>
+              <a:gs pos="0">
+                <a:schemeClr val="accent1">
+                  <a:alpha val="24000"/>
+                </a:schemeClr>
+              </a:gs>
+              <a:gs pos="79000">
+                <a:schemeClr val="accent1">
+                  <a:lumMod val="60000"/>
+                  <a:lumOff val="40000"/>
+                  <a:alpha val="0"/>
+                </a:schemeClr>
+              </a:gs>
+            </a:gsLst>
+            <a:lin ang="14400000" scaled="0"/>
+          </a:gradFill>
+          <a:ln>
+            <a:noFill/>
+          </a:ln>
+        </p:spPr>
+        <p:style>
+          <a:lnRef idx="2">
+            <a:schemeClr val="accent1">
+              <a:shade val="50000"/>
+            </a:schemeClr>
+          </a:lnRef>
+          <a:fillRef idx="1">
+            <a:schemeClr val="accent1"/>
+          </a:fillRef>
+          <a:effectRef idx="0">
+            <a:schemeClr val="accent1"/>
+          </a:effectRef>
+          <a:fontRef idx="minor">
+            <a:schemeClr val="lt1"/>
+          </a:fontRef>
+        </p:style>
+        <p:txBody>
+          <a:bodyPr rtlCol="0" anchor="ctr"/>
+          <a:lstStyle/>
+          <a:p>
+            <a:pPr algn="ctr"/>
+            <a:endParaRPr lang="en-US" dirty="0"/>
+          </a:p>
+        </p:txBody>
+      </p:sp>
       <p:sp>
         <p:nvSpPr>
           <p:cNvPr id="2" name="Titel 1">
@@ -3369,19 +9379,103 @@
             <p:ph type="ctrTitle"/>
           </p:nvPr>
         </p:nvSpPr>
-        <p:spPr/>
+        <p:spPr>
+          <a:xfrm>
+            <a:off x="1386865" y="818984"/>
+            <a:ext cx="6596245" cy="3268520"/>
+          </a:xfrm>
+        </p:spPr>
         <p:txBody>
-          <a:bodyPr/>
+          <a:bodyPr>
+            <a:normAutofit/>
+          </a:bodyPr>
           <a:lstStyle/>
           <a:p>
+            <a:pPr algn="r"/>
             <a:r>
-              <a:rPr lang="de-CH" dirty="0" err="1"/>
-              <a:t>Icehockey</a:t>
+              <a:rPr lang="de-CH" sz="4800">
+                <a:solidFill>
+                  <a:srgbClr val="FFFFFF"/>
+                </a:solidFill>
+              </a:rPr>
+              <a:t>Icehockey Game</a:t>
             </a:r>
-            <a:r>
-              <a:rPr lang="de-CH" dirty="0"/>
-              <a:t> Game</a:t>
-            </a:r>
+          </a:p>
+        </p:txBody>
+      </p:sp>
+      <p:sp>
+        <p:nvSpPr>
+          <p:cNvPr id="45" name="Rectangle 44">
+            <a:extLst>
+              <a:ext uri="{FF2B5EF4-FFF2-40B4-BE49-F238E27FC236}">
+                <a16:creationId xmlns:a16="http://schemas.microsoft.com/office/drawing/2014/main" id="{8C516CC8-80AC-446C-A56E-9F54B7210402}"/>
+              </a:ext>
+              <a:ext uri="{C183D7F6-B498-43B3-948B-1728B52AA6E4}">
+                <adec:decorative xmlns:adec="http://schemas.microsoft.com/office/drawing/2017/decorative" val="1"/>
+              </a:ext>
+            </a:extLst>
+          </p:cNvPr>
+          <p:cNvSpPr>
+            <a:spLocks noGrp="1" noRot="1" noChangeAspect="1" noMove="1" noResize="1" noEditPoints="1" noAdjustHandles="1" noChangeArrowheads="1" noChangeShapeType="1" noTextEdit="1"/>
+          </p:cNvSpPr>
+          <p:nvPr>
+            <p:extLst>
+              <p:ext uri="{386F3935-93C4-4BCD-93E2-E3B085C9AB24}">
+                <p16:designElem xmlns:p16="http://schemas.microsoft.com/office/powerpoint/2015/main" val="1"/>
+              </p:ext>
+            </p:extLst>
+          </p:nvPr>
+        </p:nvSpPr>
+        <p:spPr>
+          <a:xfrm rot="10800000" flipH="1">
+            <a:off x="6314" y="4480038"/>
+            <a:ext cx="12179371" cy="2377962"/>
+          </a:xfrm>
+          <a:prstGeom prst="rect">
+            <a:avLst/>
+          </a:prstGeom>
+          <a:gradFill>
+            <a:gsLst>
+              <a:gs pos="0">
+                <a:schemeClr val="accent1">
+                  <a:lumMod val="75000"/>
+                  <a:alpha val="50000"/>
+                </a:schemeClr>
+              </a:gs>
+              <a:gs pos="99000">
+                <a:srgbClr val="000000">
+                  <a:alpha val="34000"/>
+                </a:srgbClr>
+              </a:gs>
+            </a:gsLst>
+            <a:lin ang="17400000" scaled="0"/>
+          </a:gradFill>
+          <a:ln>
+            <a:noFill/>
+          </a:ln>
+        </p:spPr>
+        <p:style>
+          <a:lnRef idx="2">
+            <a:schemeClr val="accent1">
+              <a:shade val="50000"/>
+            </a:schemeClr>
+          </a:lnRef>
+          <a:fillRef idx="1">
+            <a:schemeClr val="accent1"/>
+          </a:fillRef>
+          <a:effectRef idx="0">
+            <a:schemeClr val="accent1"/>
+          </a:effectRef>
+          <a:fontRef idx="minor">
+            <a:schemeClr val="lt1"/>
+          </a:fontRef>
+        </p:style>
+        <p:txBody>
+          <a:bodyPr rtlCol="0" anchor="ctr"/>
+          <a:lstStyle/>
+          <a:p>
+            <a:pPr algn="ctr"/>
+            <a:endParaRPr lang="en-US"/>
           </a:p>
         </p:txBody>
       </p:sp>
@@ -3401,15 +9495,103 @@
             <p:ph type="subTitle" idx="1"/>
           </p:nvPr>
         </p:nvSpPr>
-        <p:spPr/>
+        <p:spPr>
+          <a:xfrm>
+            <a:off x="1931874" y="4797188"/>
+            <a:ext cx="6051236" cy="1241828"/>
+          </a:xfrm>
+        </p:spPr>
         <p:txBody>
-          <a:bodyPr/>
+          <a:bodyPr>
+            <a:normAutofit/>
+          </a:bodyPr>
           <a:lstStyle/>
           <a:p>
+            <a:pPr algn="r"/>
             <a:r>
-              <a:rPr lang="de-CH" dirty="0"/>
+              <a:rPr lang="de-CH">
+                <a:solidFill>
+                  <a:srgbClr val="FFFFFF"/>
+                </a:solidFill>
+              </a:rPr>
               <a:t>Julian Schwarz DEWEB FS24</a:t>
             </a:r>
+          </a:p>
+        </p:txBody>
+      </p:sp>
+      <p:sp>
+        <p:nvSpPr>
+          <p:cNvPr id="47" name="Rectangle 46">
+            <a:extLst>
+              <a:ext uri="{FF2B5EF4-FFF2-40B4-BE49-F238E27FC236}">
+                <a16:creationId xmlns:a16="http://schemas.microsoft.com/office/drawing/2014/main" id="{53947E58-F088-49F1-A3D1-DEA690192E84}"/>
+              </a:ext>
+              <a:ext uri="{C183D7F6-B498-43B3-948B-1728B52AA6E4}">
+                <adec:decorative xmlns:adec="http://schemas.microsoft.com/office/drawing/2017/decorative" val="1"/>
+              </a:ext>
+            </a:extLst>
+          </p:cNvPr>
+          <p:cNvSpPr>
+            <a:spLocks noGrp="1" noRot="1" noChangeAspect="1" noMove="1" noResize="1" noEditPoints="1" noAdjustHandles="1" noChangeArrowheads="1" noChangeShapeType="1" noTextEdit="1"/>
+          </p:cNvSpPr>
+          <p:nvPr>
+            <p:extLst>
+              <p:ext uri="{386F3935-93C4-4BCD-93E2-E3B085C9AB24}">
+                <p16:designElem xmlns:p16="http://schemas.microsoft.com/office/powerpoint/2015/main" val="1"/>
+              </p:ext>
+            </p:extLst>
+          </p:nvPr>
+        </p:nvSpPr>
+        <p:spPr>
+          <a:xfrm rot="16200000" flipH="1">
+            <a:off x="6967085" y="1632660"/>
+            <a:ext cx="6857572" cy="3592258"/>
+          </a:xfrm>
+          <a:prstGeom prst="rect">
+            <a:avLst/>
+          </a:prstGeom>
+          <a:gradFill>
+            <a:gsLst>
+              <a:gs pos="0">
+                <a:schemeClr val="accent1">
+                  <a:lumMod val="75000"/>
+                  <a:alpha val="50000"/>
+                </a:schemeClr>
+              </a:gs>
+              <a:gs pos="99000">
+                <a:srgbClr val="000000">
+                  <a:alpha val="0"/>
+                </a:srgbClr>
+              </a:gs>
+            </a:gsLst>
+            <a:lin ang="15600000" scaled="0"/>
+          </a:gradFill>
+          <a:ln>
+            <a:noFill/>
+          </a:ln>
+        </p:spPr>
+        <p:style>
+          <a:lnRef idx="2">
+            <a:schemeClr val="accent1">
+              <a:shade val="50000"/>
+            </a:schemeClr>
+          </a:lnRef>
+          <a:fillRef idx="1">
+            <a:schemeClr val="accent1"/>
+          </a:fillRef>
+          <a:effectRef idx="0">
+            <a:schemeClr val="accent1"/>
+          </a:effectRef>
+          <a:fontRef idx="minor">
+            <a:schemeClr val="lt1"/>
+          </a:fontRef>
+        </p:style>
+        <p:txBody>
+          <a:bodyPr rtlCol="0" anchor="ctr"/>
+          <a:lstStyle/>
+          <a:p>
+            <a:pPr algn="ctr"/>
+            <a:endParaRPr lang="en-US"/>
           </a:p>
         </p:txBody>
       </p:sp>
@@ -3429,6 +9611,14 @@
 <file path=ppt/slides/slide2.xml><?xml version="1.0" encoding="utf-8"?>
 <p:sld xmlns:a="http://schemas.openxmlformats.org/drawingml/2006/main" xmlns:r="http://schemas.openxmlformats.org/officeDocument/2006/relationships" xmlns:p="http://schemas.openxmlformats.org/presentationml/2006/main">
   <p:cSld>
+    <p:bg>
+      <p:bgPr>
+        <a:solidFill>
+          <a:schemeClr val="bg1"/>
+        </a:solidFill>
+        <a:effectLst/>
+      </p:bgPr>
+    </p:bg>
     <p:spTree>
       <p:nvGrpSpPr>
         <p:cNvPr id="1" name=""/>
@@ -3443,6 +9633,382 @@
           <a:chExt cx="0" cy="0"/>
         </a:xfrm>
       </p:grpSpPr>
+      <p:sp useBgFill="1">
+        <p:nvSpPr>
+          <p:cNvPr id="8" name="Rectangle 7">
+            <a:extLst>
+              <a:ext uri="{FF2B5EF4-FFF2-40B4-BE49-F238E27FC236}">
+                <a16:creationId xmlns:a16="http://schemas.microsoft.com/office/drawing/2014/main" id="{1B15ED52-F352-441B-82BF-E0EA34836D08}"/>
+              </a:ext>
+              <a:ext uri="{C183D7F6-B498-43B3-948B-1728B52AA6E4}">
+                <adec:decorative xmlns:adec="http://schemas.microsoft.com/office/drawing/2017/decorative" val="1"/>
+              </a:ext>
+            </a:extLst>
+          </p:cNvPr>
+          <p:cNvSpPr>
+            <a:spLocks noGrp="1" noRot="1" noChangeAspect="1" noMove="1" noResize="1" noEditPoints="1" noAdjustHandles="1" noChangeArrowheads="1" noChangeShapeType="1" noTextEdit="1"/>
+          </p:cNvSpPr>
+          <p:nvPr>
+            <p:extLst>
+              <p:ext uri="{386F3935-93C4-4BCD-93E2-E3B085C9AB24}">
+                <p16:designElem xmlns:p16="http://schemas.microsoft.com/office/powerpoint/2015/main" val="1"/>
+              </p:ext>
+            </p:extLst>
+          </p:nvPr>
+        </p:nvSpPr>
+        <p:spPr>
+          <a:xfrm>
+            <a:off x="0" y="0"/>
+            <a:ext cx="12192000" cy="6858000"/>
+          </a:xfrm>
+          <a:prstGeom prst="rect">
+            <a:avLst/>
+          </a:prstGeom>
+          <a:ln w="12700" cap="flat" cmpd="sng" algn="ctr">
+            <a:noFill/>
+            <a:prstDash val="solid"/>
+            <a:miter lim="800000"/>
+          </a:ln>
+          <a:effectLst/>
+          <a:extLst>
+            <a:ext uri="{91240B29-F687-4F45-9708-019B960494DF}">
+              <a14:hiddenLine xmlns:a14="http://schemas.microsoft.com/office/drawing/2010/main" w="12700" cap="flat" cmpd="sng" algn="ctr">
+                <a:solidFill>
+                  <a:schemeClr val="accent1">
+                    <a:shade val="50000"/>
+                  </a:schemeClr>
+                </a:solidFill>
+                <a:prstDash val="solid"/>
+                <a:miter lim="800000"/>
+              </a14:hiddenLine>
+            </a:ext>
+          </a:extLst>
+        </p:spPr>
+        <p:style>
+          <a:lnRef idx="2">
+            <a:schemeClr val="accent1">
+              <a:shade val="50000"/>
+            </a:schemeClr>
+          </a:lnRef>
+          <a:fillRef idx="1">
+            <a:schemeClr val="accent1"/>
+          </a:fillRef>
+          <a:effectRef idx="0">
+            <a:schemeClr val="accent1"/>
+          </a:effectRef>
+          <a:fontRef idx="minor">
+            <a:schemeClr val="lt1"/>
+          </a:fontRef>
+        </p:style>
+        <p:txBody>
+          <a:bodyPr rtlCol="0" anchor="ctr"/>
+          <a:lstStyle/>
+          <a:p>
+            <a:pPr algn="ctr"/>
+            <a:endParaRPr lang="en-US"/>
+          </a:p>
+        </p:txBody>
+      </p:sp>
+      <p:sp>
+        <p:nvSpPr>
+          <p:cNvPr id="10" name="Rectangle 9">
+            <a:extLst>
+              <a:ext uri="{FF2B5EF4-FFF2-40B4-BE49-F238E27FC236}">
+                <a16:creationId xmlns:a16="http://schemas.microsoft.com/office/drawing/2014/main" id="{3B2E3793-BFE6-45A2-9B7B-E18844431C99}"/>
+              </a:ext>
+              <a:ext uri="{C183D7F6-B498-43B3-948B-1728B52AA6E4}">
+                <adec:decorative xmlns:adec="http://schemas.microsoft.com/office/drawing/2017/decorative" val="1"/>
+              </a:ext>
+            </a:extLst>
+          </p:cNvPr>
+          <p:cNvSpPr>
+            <a:spLocks noGrp="1" noRot="1" noChangeAspect="1" noMove="1" noResize="1" noEditPoints="1" noAdjustHandles="1" noChangeArrowheads="1" noChangeShapeType="1" noTextEdit="1"/>
+          </p:cNvSpPr>
+          <p:nvPr>
+            <p:extLst>
+              <p:ext uri="{386F3935-93C4-4BCD-93E2-E3B085C9AB24}">
+                <p16:designElem xmlns:p16="http://schemas.microsoft.com/office/powerpoint/2015/main" val="1"/>
+              </p:ext>
+            </p:extLst>
+          </p:nvPr>
+        </p:nvSpPr>
+        <p:spPr>
+          <a:xfrm flipH="1">
+            <a:off x="-1" y="-1"/>
+            <a:ext cx="12191998" cy="1590742"/>
+          </a:xfrm>
+          <a:prstGeom prst="rect">
+            <a:avLst/>
+          </a:prstGeom>
+          <a:gradFill>
+            <a:gsLst>
+              <a:gs pos="0">
+                <a:srgbClr val="000000"/>
+              </a:gs>
+              <a:gs pos="100000">
+                <a:schemeClr val="accent1">
+                  <a:lumMod val="75000"/>
+                </a:schemeClr>
+              </a:gs>
+            </a:gsLst>
+            <a:lin ang="8400000" scaled="0"/>
+          </a:gradFill>
+          <a:ln>
+            <a:noFill/>
+          </a:ln>
+        </p:spPr>
+        <p:style>
+          <a:lnRef idx="2">
+            <a:schemeClr val="accent1">
+              <a:shade val="50000"/>
+            </a:schemeClr>
+          </a:lnRef>
+          <a:fillRef idx="1">
+            <a:schemeClr val="accent1"/>
+          </a:fillRef>
+          <a:effectRef idx="0">
+            <a:schemeClr val="accent1"/>
+          </a:effectRef>
+          <a:fontRef idx="minor">
+            <a:schemeClr val="lt1"/>
+          </a:fontRef>
+        </p:style>
+        <p:txBody>
+          <a:bodyPr rtlCol="0" anchor="ctr"/>
+          <a:lstStyle/>
+          <a:p>
+            <a:pPr algn="ctr"/>
+            <a:endParaRPr lang="en-US"/>
+          </a:p>
+        </p:txBody>
+      </p:sp>
+      <p:sp>
+        <p:nvSpPr>
+          <p:cNvPr id="12" name="Rectangle 11">
+            <a:extLst>
+              <a:ext uri="{FF2B5EF4-FFF2-40B4-BE49-F238E27FC236}">
+                <a16:creationId xmlns:a16="http://schemas.microsoft.com/office/drawing/2014/main" id="{BC4C4868-CB8F-4AF9-9CDB-8108F2C19B67}"/>
+              </a:ext>
+              <a:ext uri="{C183D7F6-B498-43B3-948B-1728B52AA6E4}">
+                <adec:decorative xmlns:adec="http://schemas.microsoft.com/office/drawing/2017/decorative" val="1"/>
+              </a:ext>
+            </a:extLst>
+          </p:cNvPr>
+          <p:cNvSpPr>
+            <a:spLocks noGrp="1" noRot="1" noChangeAspect="1" noMove="1" noResize="1" noEditPoints="1" noAdjustHandles="1" noChangeArrowheads="1" noChangeShapeType="1" noTextEdit="1"/>
+          </p:cNvSpPr>
+          <p:nvPr>
+            <p:extLst>
+              <p:ext uri="{386F3935-93C4-4BCD-93E2-E3B085C9AB24}">
+                <p16:designElem xmlns:p16="http://schemas.microsoft.com/office/powerpoint/2015/main" val="1"/>
+              </p:ext>
+            </p:extLst>
+          </p:nvPr>
+        </p:nvSpPr>
+        <p:spPr>
+          <a:xfrm rot="10800000" flipH="1">
+            <a:off x="-3" y="0"/>
+            <a:ext cx="8115306" cy="1590742"/>
+          </a:xfrm>
+          <a:prstGeom prst="rect">
+            <a:avLst/>
+          </a:prstGeom>
+          <a:gradFill>
+            <a:gsLst>
+              <a:gs pos="20000">
+                <a:schemeClr val="accent1">
+                  <a:alpha val="0"/>
+                </a:schemeClr>
+              </a:gs>
+              <a:gs pos="100000">
+                <a:schemeClr val="accent1">
+                  <a:lumMod val="50000"/>
+                  <a:alpha val="55000"/>
+                </a:schemeClr>
+              </a:gs>
+            </a:gsLst>
+            <a:lin ang="13800000" scaled="0"/>
+          </a:gradFill>
+          <a:ln>
+            <a:noFill/>
+          </a:ln>
+        </p:spPr>
+        <p:style>
+          <a:lnRef idx="2">
+            <a:schemeClr val="accent1">
+              <a:shade val="50000"/>
+            </a:schemeClr>
+          </a:lnRef>
+          <a:fillRef idx="1">
+            <a:schemeClr val="accent1"/>
+          </a:fillRef>
+          <a:effectRef idx="0">
+            <a:schemeClr val="accent1"/>
+          </a:effectRef>
+          <a:fontRef idx="minor">
+            <a:schemeClr val="lt1"/>
+          </a:fontRef>
+        </p:style>
+        <p:txBody>
+          <a:bodyPr rtlCol="0" anchor="ctr"/>
+          <a:lstStyle/>
+          <a:p>
+            <a:pPr algn="ctr"/>
+            <a:endParaRPr lang="en-US"/>
+          </a:p>
+        </p:txBody>
+      </p:sp>
+      <p:sp>
+        <p:nvSpPr>
+          <p:cNvPr id="14" name="Rectangle 13">
+            <a:extLst>
+              <a:ext uri="{FF2B5EF4-FFF2-40B4-BE49-F238E27FC236}">
+                <a16:creationId xmlns:a16="http://schemas.microsoft.com/office/drawing/2014/main" id="{375E0459-6403-40CD-989D-56A4407CA12E}"/>
+              </a:ext>
+              <a:ext uri="{C183D7F6-B498-43B3-948B-1728B52AA6E4}">
+                <adec:decorative xmlns:adec="http://schemas.microsoft.com/office/drawing/2017/decorative" val="1"/>
+              </a:ext>
+            </a:extLst>
+          </p:cNvPr>
+          <p:cNvSpPr>
+            <a:spLocks noGrp="1" noRot="1" noChangeAspect="1" noMove="1" noResize="1" noEditPoints="1" noAdjustHandles="1" noChangeArrowheads="1" noChangeShapeType="1" noTextEdit="1"/>
+          </p:cNvSpPr>
+          <p:nvPr>
+            <p:extLst>
+              <p:ext uri="{386F3935-93C4-4BCD-93E2-E3B085C9AB24}">
+                <p16:designElem xmlns:p16="http://schemas.microsoft.com/office/powerpoint/2015/main" val="1"/>
+              </p:ext>
+            </p:extLst>
+          </p:nvPr>
+        </p:nvSpPr>
+        <p:spPr>
+          <a:xfrm flipH="1">
+            <a:off x="8115299" y="-1"/>
+            <a:ext cx="4076698" cy="1590742"/>
+          </a:xfrm>
+          <a:prstGeom prst="rect">
+            <a:avLst/>
+          </a:prstGeom>
+          <a:gradFill>
+            <a:gsLst>
+              <a:gs pos="0">
+                <a:schemeClr val="accent1">
+                  <a:alpha val="66000"/>
+                </a:schemeClr>
+              </a:gs>
+              <a:gs pos="100000">
+                <a:srgbClr val="000000">
+                  <a:alpha val="30000"/>
+                </a:srgbClr>
+              </a:gs>
+            </a:gsLst>
+            <a:lin ang="13200000" scaled="0"/>
+          </a:gradFill>
+          <a:ln>
+            <a:noFill/>
+          </a:ln>
+        </p:spPr>
+        <p:style>
+          <a:lnRef idx="2">
+            <a:schemeClr val="accent1">
+              <a:shade val="50000"/>
+            </a:schemeClr>
+          </a:lnRef>
+          <a:fillRef idx="1">
+            <a:schemeClr val="accent1"/>
+          </a:fillRef>
+          <a:effectRef idx="0">
+            <a:schemeClr val="accent1"/>
+          </a:effectRef>
+          <a:fontRef idx="minor">
+            <a:schemeClr val="lt1"/>
+          </a:fontRef>
+        </p:style>
+        <p:txBody>
+          <a:bodyPr rtlCol="0" anchor="ctr"/>
+          <a:lstStyle/>
+          <a:p>
+            <a:pPr algn="ctr"/>
+            <a:endParaRPr lang="en-US"/>
+          </a:p>
+        </p:txBody>
+      </p:sp>
+      <p:sp>
+        <p:nvSpPr>
+          <p:cNvPr id="16" name="Rectangle 15">
+            <a:extLst>
+              <a:ext uri="{FF2B5EF4-FFF2-40B4-BE49-F238E27FC236}">
+                <a16:creationId xmlns:a16="http://schemas.microsoft.com/office/drawing/2014/main" id="{53E5B1A8-3AC9-4BD1-9BBC-78CA94F2D1BA}"/>
+              </a:ext>
+              <a:ext uri="{C183D7F6-B498-43B3-948B-1728B52AA6E4}">
+                <adec:decorative xmlns:adec="http://schemas.microsoft.com/office/drawing/2017/decorative" val="1"/>
+              </a:ext>
+            </a:extLst>
+          </p:cNvPr>
+          <p:cNvSpPr>
+            <a:spLocks noGrp="1" noRot="1" noChangeAspect="1" noMove="1" noResize="1" noEditPoints="1" noAdjustHandles="1" noChangeArrowheads="1" noChangeShapeType="1" noTextEdit="1"/>
+          </p:cNvSpPr>
+          <p:nvPr>
+            <p:extLst>
+              <p:ext uri="{386F3935-93C4-4BCD-93E2-E3B085C9AB24}">
+                <p16:designElem xmlns:p16="http://schemas.microsoft.com/office/powerpoint/2015/main" val="1"/>
+              </p:ext>
+            </p:extLst>
+          </p:nvPr>
+        </p:nvSpPr>
+        <p:spPr>
+          <a:xfrm>
+            <a:off x="459350" y="-1"/>
+            <a:ext cx="11732646" cy="1597433"/>
+          </a:xfrm>
+          <a:prstGeom prst="rect">
+            <a:avLst/>
+          </a:prstGeom>
+          <a:gradFill>
+            <a:gsLst>
+              <a:gs pos="50000">
+                <a:srgbClr val="000000">
+                  <a:alpha val="0"/>
+                </a:srgbClr>
+              </a:gs>
+              <a:gs pos="99000">
+                <a:schemeClr val="accent1">
+                  <a:lumMod val="50000"/>
+                  <a:alpha val="52000"/>
+                </a:schemeClr>
+              </a:gs>
+            </a:gsLst>
+            <a:lin ang="16800000" scaled="0"/>
+          </a:gradFill>
+          <a:ln>
+            <a:noFill/>
+          </a:ln>
+        </p:spPr>
+        <p:style>
+          <a:lnRef idx="2">
+            <a:schemeClr val="accent1">
+              <a:shade val="50000"/>
+            </a:schemeClr>
+          </a:lnRef>
+          <a:fillRef idx="1">
+            <a:schemeClr val="accent1"/>
+          </a:fillRef>
+          <a:effectRef idx="0">
+            <a:schemeClr val="accent1"/>
+          </a:effectRef>
+          <a:fontRef idx="minor">
+            <a:schemeClr val="lt1"/>
+          </a:fontRef>
+        </p:style>
+        <p:txBody>
+          <a:bodyPr rtlCol="0" anchor="ctr"/>
+          <a:lstStyle/>
+          <a:p>
+            <a:pPr algn="ctr"/>
+            <a:endParaRPr lang="en-US"/>
+          </a:p>
+        </p:txBody>
+      </p:sp>
       <p:sp>
         <p:nvSpPr>
           <p:cNvPr id="2" name="Titel 1">
@@ -3459,13 +10025,24 @@
             <p:ph type="title"/>
           </p:nvPr>
         </p:nvSpPr>
-        <p:spPr/>
+        <p:spPr>
+          <a:xfrm>
+            <a:off x="1371599" y="294538"/>
+            <a:ext cx="9895951" cy="1033669"/>
+          </a:xfrm>
+        </p:spPr>
         <p:txBody>
-          <a:bodyPr/>
+          <a:bodyPr>
+            <a:normAutofit/>
+          </a:bodyPr>
           <a:lstStyle/>
           <a:p>
             <a:r>
-              <a:rPr lang="de-CH" dirty="0"/>
+              <a:rPr lang="de-CH" sz="4000">
+                <a:solidFill>
+                  <a:srgbClr val="FFFFFF"/>
+                </a:solidFill>
+              </a:rPr>
               <a:t>Inhalt</a:t>
             </a:r>
           </a:p>
@@ -3487,31 +10064,38 @@
             <p:ph idx="1"/>
           </p:nvPr>
         </p:nvSpPr>
-        <p:spPr/>
+        <p:spPr>
+          <a:xfrm>
+            <a:off x="1371599" y="2318197"/>
+            <a:ext cx="9724031" cy="2539553"/>
+          </a:xfrm>
+        </p:spPr>
         <p:txBody>
-          <a:bodyPr/>
+          <a:bodyPr anchor="ctr">
+            <a:normAutofit/>
+          </a:bodyPr>
           <a:lstStyle/>
           <a:p>
             <a:r>
-              <a:rPr lang="de-CH" dirty="0"/>
+              <a:rPr lang="de-CH" sz="2000" dirty="0"/>
               <a:t>Entstehung</a:t>
             </a:r>
           </a:p>
           <a:p>
             <a:r>
-              <a:rPr lang="de-CH" dirty="0"/>
+              <a:rPr lang="de-CH" sz="2000" dirty="0"/>
               <a:t>Das Spiel</a:t>
             </a:r>
           </a:p>
           <a:p>
             <a:r>
-              <a:rPr lang="de-CH" dirty="0"/>
+              <a:rPr lang="de-CH" sz="2000" dirty="0"/>
               <a:t>Ein bisschen Code</a:t>
             </a:r>
           </a:p>
           <a:p>
             <a:r>
-              <a:rPr lang="de-CH" dirty="0"/>
+              <a:rPr lang="de-CH" sz="2000" dirty="0"/>
               <a:t>Reflexion</a:t>
             </a:r>
           </a:p>
@@ -3533,6 +10117,14 @@
 <file path=ppt/slides/slide3.xml><?xml version="1.0" encoding="utf-8"?>
 <p:sld xmlns:a="http://schemas.openxmlformats.org/drawingml/2006/main" xmlns:r="http://schemas.openxmlformats.org/officeDocument/2006/relationships" xmlns:p="http://schemas.openxmlformats.org/presentationml/2006/main">
   <p:cSld>
+    <p:bg>
+      <p:bgPr>
+        <a:solidFill>
+          <a:schemeClr val="bg1"/>
+        </a:solidFill>
+        <a:effectLst/>
+      </p:bgPr>
+    </p:bg>
     <p:spTree>
       <p:nvGrpSpPr>
         <p:cNvPr id="1" name=""/>
@@ -3547,6 +10139,308 @@
           <a:chExt cx="0" cy="0"/>
         </a:xfrm>
       </p:grpSpPr>
+      <p:sp useBgFill="1">
+        <p:nvSpPr>
+          <p:cNvPr id="9" name="Rectangle 8">
+            <a:extLst>
+              <a:ext uri="{FF2B5EF4-FFF2-40B4-BE49-F238E27FC236}">
+                <a16:creationId xmlns:a16="http://schemas.microsoft.com/office/drawing/2014/main" id="{BACC6370-2D7E-4714-9D71-7542949D7D5D}"/>
+              </a:ext>
+              <a:ext uri="{C183D7F6-B498-43B3-948B-1728B52AA6E4}">
+                <adec:decorative xmlns:adec="http://schemas.microsoft.com/office/drawing/2017/decorative" val="1"/>
+              </a:ext>
+            </a:extLst>
+          </p:cNvPr>
+          <p:cNvSpPr>
+            <a:spLocks noGrp="1" noRot="1" noChangeAspect="1" noMove="1" noResize="1" noEditPoints="1" noAdjustHandles="1" noChangeArrowheads="1" noChangeShapeType="1" noTextEdit="1"/>
+          </p:cNvSpPr>
+          <p:nvPr>
+            <p:extLst>
+              <p:ext uri="{386F3935-93C4-4BCD-93E2-E3B085C9AB24}">
+                <p16:designElem xmlns:p16="http://schemas.microsoft.com/office/powerpoint/2015/main" val="1"/>
+              </p:ext>
+            </p:extLst>
+          </p:nvPr>
+        </p:nvSpPr>
+        <p:spPr>
+          <a:xfrm>
+            <a:off x="0" y="0"/>
+            <a:ext cx="12192000" cy="6858000"/>
+          </a:xfrm>
+          <a:prstGeom prst="rect">
+            <a:avLst/>
+          </a:prstGeom>
+          <a:ln w="12700" cap="flat" cmpd="sng" algn="ctr">
+            <a:noFill/>
+            <a:prstDash val="solid"/>
+            <a:miter lim="800000"/>
+          </a:ln>
+          <a:effectLst/>
+          <a:extLst>
+            <a:ext uri="{91240B29-F687-4F45-9708-019B960494DF}">
+              <a14:hiddenLine xmlns:a14="http://schemas.microsoft.com/office/drawing/2010/main" w="12700" cap="flat" cmpd="sng" algn="ctr">
+                <a:solidFill>
+                  <a:schemeClr val="accent1">
+                    <a:shade val="50000"/>
+                  </a:schemeClr>
+                </a:solidFill>
+                <a:prstDash val="solid"/>
+                <a:miter lim="800000"/>
+              </a14:hiddenLine>
+            </a:ext>
+          </a:extLst>
+        </p:spPr>
+        <p:style>
+          <a:lnRef idx="2">
+            <a:schemeClr val="accent1">
+              <a:shade val="50000"/>
+            </a:schemeClr>
+          </a:lnRef>
+          <a:fillRef idx="1">
+            <a:schemeClr val="accent1"/>
+          </a:fillRef>
+          <a:effectRef idx="0">
+            <a:schemeClr val="accent1"/>
+          </a:effectRef>
+          <a:fontRef idx="minor">
+            <a:schemeClr val="lt1"/>
+          </a:fontRef>
+        </p:style>
+        <p:txBody>
+          <a:bodyPr rtlCol="0" anchor="ctr"/>
+          <a:lstStyle/>
+          <a:p>
+            <a:pPr algn="ctr"/>
+            <a:endParaRPr lang="en-US"/>
+          </a:p>
+        </p:txBody>
+      </p:sp>
+      <p:sp>
+        <p:nvSpPr>
+          <p:cNvPr id="11" name="Rectangle 10">
+            <a:extLst>
+              <a:ext uri="{FF2B5EF4-FFF2-40B4-BE49-F238E27FC236}">
+                <a16:creationId xmlns:a16="http://schemas.microsoft.com/office/drawing/2014/main" id="{F68B3F68-107C-434F-AA38-110D5EA91B85}"/>
+              </a:ext>
+              <a:ext uri="{C183D7F6-B498-43B3-948B-1728B52AA6E4}">
+                <adec:decorative xmlns:adec="http://schemas.microsoft.com/office/drawing/2017/decorative" val="1"/>
+              </a:ext>
+            </a:extLst>
+          </p:cNvPr>
+          <p:cNvSpPr>
+            <a:spLocks noGrp="1" noRot="1" noChangeAspect="1" noMove="1" noResize="1" noEditPoints="1" noAdjustHandles="1" noChangeArrowheads="1" noChangeShapeType="1" noTextEdit="1"/>
+          </p:cNvSpPr>
+          <p:nvPr>
+            <p:extLst>
+              <p:ext uri="{386F3935-93C4-4BCD-93E2-E3B085C9AB24}">
+                <p16:designElem xmlns:p16="http://schemas.microsoft.com/office/powerpoint/2015/main" val="1"/>
+              </p:ext>
+            </p:extLst>
+          </p:nvPr>
+        </p:nvSpPr>
+        <p:spPr>
+          <a:xfrm flipH="1">
+            <a:off x="2" y="0"/>
+            <a:ext cx="12191998" cy="1575955"/>
+          </a:xfrm>
+          <a:prstGeom prst="rect">
+            <a:avLst/>
+          </a:prstGeom>
+          <a:gradFill>
+            <a:gsLst>
+              <a:gs pos="0">
+                <a:srgbClr val="000000">
+                  <a:alpha val="96000"/>
+                </a:srgbClr>
+              </a:gs>
+              <a:gs pos="100000">
+                <a:schemeClr val="accent1">
+                  <a:lumMod val="75000"/>
+                </a:schemeClr>
+              </a:gs>
+            </a:gsLst>
+            <a:lin ang="8400000" scaled="0"/>
+          </a:gradFill>
+          <a:ln>
+            <a:noFill/>
+          </a:ln>
+        </p:spPr>
+        <p:style>
+          <a:lnRef idx="2">
+            <a:schemeClr val="accent1">
+              <a:shade val="50000"/>
+            </a:schemeClr>
+          </a:lnRef>
+          <a:fillRef idx="1">
+            <a:schemeClr val="accent1"/>
+          </a:fillRef>
+          <a:effectRef idx="0">
+            <a:schemeClr val="accent1"/>
+          </a:effectRef>
+          <a:fontRef idx="minor">
+            <a:schemeClr val="lt1"/>
+          </a:fontRef>
+        </p:style>
+        <p:txBody>
+          <a:bodyPr rtlCol="0" anchor="ctr"/>
+          <a:lstStyle/>
+          <a:p>
+            <a:pPr algn="ctr"/>
+            <a:endParaRPr lang="en-US"/>
+          </a:p>
+        </p:txBody>
+      </p:sp>
+      <p:sp>
+        <p:nvSpPr>
+          <p:cNvPr id="13" name="Rectangle 12">
+            <a:extLst>
+              <a:ext uri="{FF2B5EF4-FFF2-40B4-BE49-F238E27FC236}">
+                <a16:creationId xmlns:a16="http://schemas.microsoft.com/office/drawing/2014/main" id="{AAD0DBB9-1A4B-4391-81D4-CB19F9AB918A}"/>
+              </a:ext>
+              <a:ext uri="{C183D7F6-B498-43B3-948B-1728B52AA6E4}">
+                <adec:decorative xmlns:adec="http://schemas.microsoft.com/office/drawing/2017/decorative" val="1"/>
+              </a:ext>
+            </a:extLst>
+          </p:cNvPr>
+          <p:cNvSpPr>
+            <a:spLocks noGrp="1" noRot="1" noChangeAspect="1" noMove="1" noResize="1" noEditPoints="1" noAdjustHandles="1" noChangeArrowheads="1" noChangeShapeType="1" noTextEdit="1"/>
+          </p:cNvSpPr>
+          <p:nvPr>
+            <p:extLst>
+              <p:ext uri="{386F3935-93C4-4BCD-93E2-E3B085C9AB24}">
+                <p16:designElem xmlns:p16="http://schemas.microsoft.com/office/powerpoint/2015/main" val="1"/>
+              </p:ext>
+            </p:extLst>
+          </p:nvPr>
+        </p:nvSpPr>
+        <p:spPr>
+          <a:xfrm rot="10800000" flipH="1">
+            <a:off x="8128857" y="0"/>
+            <a:ext cx="4063143" cy="1576412"/>
+          </a:xfrm>
+          <a:prstGeom prst="rect">
+            <a:avLst/>
+          </a:prstGeom>
+          <a:gradFill>
+            <a:gsLst>
+              <a:gs pos="19000">
+                <a:schemeClr val="accent1">
+                  <a:lumMod val="50000"/>
+                  <a:alpha val="68000"/>
+                </a:schemeClr>
+              </a:gs>
+              <a:gs pos="100000">
+                <a:schemeClr val="accent1">
+                  <a:alpha val="79000"/>
+                </a:schemeClr>
+              </a:gs>
+            </a:gsLst>
+            <a:lin ang="19200000" scaled="0"/>
+          </a:gradFill>
+          <a:ln>
+            <a:noFill/>
+          </a:ln>
+        </p:spPr>
+        <p:style>
+          <a:lnRef idx="2">
+            <a:schemeClr val="accent1">
+              <a:shade val="50000"/>
+            </a:schemeClr>
+          </a:lnRef>
+          <a:fillRef idx="1">
+            <a:schemeClr val="accent1"/>
+          </a:fillRef>
+          <a:effectRef idx="0">
+            <a:schemeClr val="accent1"/>
+          </a:effectRef>
+          <a:fontRef idx="minor">
+            <a:schemeClr val="lt1"/>
+          </a:fontRef>
+        </p:style>
+        <p:txBody>
+          <a:bodyPr rtlCol="0" anchor="ctr"/>
+          <a:lstStyle/>
+          <a:p>
+            <a:pPr algn="ctr"/>
+            <a:endParaRPr lang="en-US"/>
+          </a:p>
+        </p:txBody>
+      </p:sp>
+      <p:sp>
+        <p:nvSpPr>
+          <p:cNvPr id="15" name="Rectangle 14">
+            <a:extLst>
+              <a:ext uri="{FF2B5EF4-FFF2-40B4-BE49-F238E27FC236}">
+                <a16:creationId xmlns:a16="http://schemas.microsoft.com/office/drawing/2014/main" id="{063BBA22-50EA-4C4D-BE05-F1CE4E63AA56}"/>
+              </a:ext>
+              <a:ext uri="{C183D7F6-B498-43B3-948B-1728B52AA6E4}">
+                <adec:decorative xmlns:adec="http://schemas.microsoft.com/office/drawing/2017/decorative" val="1"/>
+              </a:ext>
+            </a:extLst>
+          </p:cNvPr>
+          <p:cNvSpPr>
+            <a:spLocks noGrp="1" noRot="1" noChangeAspect="1" noMove="1" noResize="1" noEditPoints="1" noAdjustHandles="1" noChangeArrowheads="1" noChangeShapeType="1" noTextEdit="1"/>
+          </p:cNvSpPr>
+          <p:nvPr>
+            <p:extLst>
+              <p:ext uri="{386F3935-93C4-4BCD-93E2-E3B085C9AB24}">
+                <p16:designElem xmlns:p16="http://schemas.microsoft.com/office/powerpoint/2015/main" val="1"/>
+              </p:ext>
+            </p:extLst>
+          </p:nvPr>
+        </p:nvSpPr>
+        <p:spPr>
+          <a:xfrm rot="5400000">
+            <a:off x="5307777" y="-5307778"/>
+            <a:ext cx="1576446" cy="12192002"/>
+          </a:xfrm>
+          <a:prstGeom prst="rect">
+            <a:avLst/>
+          </a:prstGeom>
+          <a:gradFill>
+            <a:gsLst>
+              <a:gs pos="23000">
+                <a:schemeClr val="accent1">
+                  <a:alpha val="0"/>
+                </a:schemeClr>
+              </a:gs>
+              <a:gs pos="99000">
+                <a:srgbClr val="000000">
+                  <a:alpha val="74000"/>
+                </a:srgbClr>
+              </a:gs>
+            </a:gsLst>
+            <a:lin ang="20400000" scaled="0"/>
+          </a:gradFill>
+          <a:ln>
+            <a:noFill/>
+          </a:ln>
+        </p:spPr>
+        <p:style>
+          <a:lnRef idx="2">
+            <a:schemeClr val="accent1">
+              <a:shade val="50000"/>
+            </a:schemeClr>
+          </a:lnRef>
+          <a:fillRef idx="1">
+            <a:schemeClr val="accent1"/>
+          </a:fillRef>
+          <a:effectRef idx="0">
+            <a:schemeClr val="accent1"/>
+          </a:effectRef>
+          <a:fontRef idx="minor">
+            <a:schemeClr val="lt1"/>
+          </a:fontRef>
+        </p:style>
+        <p:txBody>
+          <a:bodyPr rtlCol="0" anchor="ctr"/>
+          <a:lstStyle/>
+          <a:p>
+            <a:pPr algn="ctr"/>
+            <a:endParaRPr lang="en-US" dirty="0"/>
+          </a:p>
+        </p:txBody>
+      </p:sp>
       <p:sp>
         <p:nvSpPr>
           <p:cNvPr id="2" name="Titel 1">
@@ -3563,76 +10457,60 @@
             <p:ph type="title"/>
           </p:nvPr>
         </p:nvSpPr>
-        <p:spPr/>
+        <p:spPr>
+          <a:xfrm>
+            <a:off x="1371597" y="348865"/>
+            <a:ext cx="10044023" cy="877729"/>
+          </a:xfrm>
+        </p:spPr>
         <p:txBody>
-          <a:bodyPr/>
+          <a:bodyPr anchor="ctr">
+            <a:normAutofit/>
+          </a:bodyPr>
           <a:lstStyle/>
           <a:p>
             <a:r>
-              <a:rPr lang="de-CH" dirty="0"/>
+              <a:rPr lang="de-CH" sz="4000">
+                <a:solidFill>
+                  <a:srgbClr val="FFFFFF"/>
+                </a:solidFill>
+              </a:rPr>
               <a:t>Entstehung</a:t>
             </a:r>
           </a:p>
         </p:txBody>
       </p:sp>
-      <p:sp>
-        <p:nvSpPr>
-          <p:cNvPr id="3" name="Inhaltsplatzhalter 2">
+      <p:graphicFrame>
+        <p:nvGraphicFramePr>
+          <p:cNvPr id="5" name="Inhaltsplatzhalter 2">
             <a:extLst>
               <a:ext uri="{FF2B5EF4-FFF2-40B4-BE49-F238E27FC236}">
-                <a16:creationId xmlns:a16="http://schemas.microsoft.com/office/drawing/2014/main" id="{967BA625-0107-B3C9-F50A-9FE02C3BAD9D}"/>
+                <a16:creationId xmlns:a16="http://schemas.microsoft.com/office/drawing/2014/main" id="{AF0736D6-0D94-89D8-463E-A9B372666CE9}"/>
               </a:ext>
             </a:extLst>
           </p:cNvPr>
-          <p:cNvSpPr>
-            <a:spLocks noGrp="1"/>
-          </p:cNvSpPr>
+          <p:cNvGraphicFramePr>
+            <a:graphicFrameLocks noGrp="1"/>
+          </p:cNvGraphicFramePr>
           <p:nvPr>
             <p:ph idx="1"/>
+            <p:extLst>
+              <p:ext uri="{D42A27DB-BD31-4B8C-83A1-F6EECF244321}">
+                <p14:modId xmlns:p14="http://schemas.microsoft.com/office/powerpoint/2010/main" val="315837458"/>
+              </p:ext>
+            </p:extLst>
           </p:nvPr>
-        </p:nvSpPr>
-        <p:spPr/>
-        <p:txBody>
-          <a:bodyPr/>
-          <a:lstStyle/>
-          <a:p>
-            <a:r>
-              <a:rPr lang="de-CH" dirty="0"/>
-              <a:t>Penaltygame</a:t>
-            </a:r>
-          </a:p>
-          <a:p>
-            <a:r>
-              <a:rPr lang="de-CH" dirty="0" err="1"/>
-              <a:t>Spritesuche</a:t>
-            </a:r>
-            <a:r>
-              <a:rPr lang="de-CH" dirty="0"/>
-              <a:t> </a:t>
-            </a:r>
-            <a:r>
-              <a:rPr lang="de-CH" dirty="0">
-                <a:highlight>
-                  <a:srgbClr val="FFFF00"/>
-                </a:highlight>
-              </a:rPr>
-              <a:t>-&gt; Bild</a:t>
-            </a:r>
-          </a:p>
-          <a:p>
-            <a:r>
-              <a:rPr lang="de-CH" dirty="0"/>
-              <a:t>Zwei Feldspieler</a:t>
-            </a:r>
-          </a:p>
-          <a:p>
-            <a:endParaRPr lang="de-CH" dirty="0"/>
-          </a:p>
-          <a:p>
-            <a:endParaRPr lang="de-CH" dirty="0"/>
-          </a:p>
-        </p:txBody>
-      </p:sp>
+        </p:nvGraphicFramePr>
+        <p:xfrm>
+          <a:off x="644056" y="2112579"/>
+          <a:ext cx="10927829" cy="4192805"/>
+        </p:xfrm>
+        <a:graphic>
+          <a:graphicData uri="http://schemas.openxmlformats.org/drawingml/2006/diagram">
+            <dgm:relIds xmlns:dgm="http://schemas.openxmlformats.org/drawingml/2006/diagram" xmlns:r="http://schemas.openxmlformats.org/officeDocument/2006/relationships" r:dm="rId2" r:lo="rId3" r:qs="rId4" r:cs="rId5"/>
+          </a:graphicData>
+        </a:graphic>
+      </p:graphicFrame>
     </p:spTree>
     <p:extLst>
       <p:ext uri="{BB962C8B-B14F-4D97-AF65-F5344CB8AC3E}">
@@ -3649,6 +10527,14 @@
 <file path=ppt/slides/slide4.xml><?xml version="1.0" encoding="utf-8"?>
 <p:sld xmlns:a="http://schemas.openxmlformats.org/drawingml/2006/main" xmlns:r="http://schemas.openxmlformats.org/officeDocument/2006/relationships" xmlns:p="http://schemas.openxmlformats.org/presentationml/2006/main">
   <p:cSld>
+    <p:bg>
+      <p:bgPr>
+        <a:solidFill>
+          <a:schemeClr val="bg1"/>
+        </a:solidFill>
+        <a:effectLst/>
+      </p:bgPr>
+    </p:bg>
     <p:spTree>
       <p:nvGrpSpPr>
         <p:cNvPr id="1" name=""/>
@@ -3663,6 +10549,382 @@
           <a:chExt cx="0" cy="0"/>
         </a:xfrm>
       </p:grpSpPr>
+      <p:sp useBgFill="1">
+        <p:nvSpPr>
+          <p:cNvPr id="8" name="Rectangle 7">
+            <a:extLst>
+              <a:ext uri="{FF2B5EF4-FFF2-40B4-BE49-F238E27FC236}">
+                <a16:creationId xmlns:a16="http://schemas.microsoft.com/office/drawing/2014/main" id="{1B15ED52-F352-441B-82BF-E0EA34836D08}"/>
+              </a:ext>
+              <a:ext uri="{C183D7F6-B498-43B3-948B-1728B52AA6E4}">
+                <adec:decorative xmlns:adec="http://schemas.microsoft.com/office/drawing/2017/decorative" val="1"/>
+              </a:ext>
+            </a:extLst>
+          </p:cNvPr>
+          <p:cNvSpPr>
+            <a:spLocks noGrp="1" noRot="1" noChangeAspect="1" noMove="1" noResize="1" noEditPoints="1" noAdjustHandles="1" noChangeArrowheads="1" noChangeShapeType="1" noTextEdit="1"/>
+          </p:cNvSpPr>
+          <p:nvPr>
+            <p:extLst>
+              <p:ext uri="{386F3935-93C4-4BCD-93E2-E3B085C9AB24}">
+                <p16:designElem xmlns:p16="http://schemas.microsoft.com/office/powerpoint/2015/main" val="1"/>
+              </p:ext>
+            </p:extLst>
+          </p:nvPr>
+        </p:nvSpPr>
+        <p:spPr>
+          <a:xfrm>
+            <a:off x="0" y="0"/>
+            <a:ext cx="12192000" cy="6858000"/>
+          </a:xfrm>
+          <a:prstGeom prst="rect">
+            <a:avLst/>
+          </a:prstGeom>
+          <a:ln w="12700" cap="flat" cmpd="sng" algn="ctr">
+            <a:noFill/>
+            <a:prstDash val="solid"/>
+            <a:miter lim="800000"/>
+          </a:ln>
+          <a:effectLst/>
+          <a:extLst>
+            <a:ext uri="{91240B29-F687-4F45-9708-019B960494DF}">
+              <a14:hiddenLine xmlns:a14="http://schemas.microsoft.com/office/drawing/2010/main" w="12700" cap="flat" cmpd="sng" algn="ctr">
+                <a:solidFill>
+                  <a:schemeClr val="accent1">
+                    <a:shade val="50000"/>
+                  </a:schemeClr>
+                </a:solidFill>
+                <a:prstDash val="solid"/>
+                <a:miter lim="800000"/>
+              </a14:hiddenLine>
+            </a:ext>
+          </a:extLst>
+        </p:spPr>
+        <p:style>
+          <a:lnRef idx="2">
+            <a:schemeClr val="accent1">
+              <a:shade val="50000"/>
+            </a:schemeClr>
+          </a:lnRef>
+          <a:fillRef idx="1">
+            <a:schemeClr val="accent1"/>
+          </a:fillRef>
+          <a:effectRef idx="0">
+            <a:schemeClr val="accent1"/>
+          </a:effectRef>
+          <a:fontRef idx="minor">
+            <a:schemeClr val="lt1"/>
+          </a:fontRef>
+        </p:style>
+        <p:txBody>
+          <a:bodyPr rtlCol="0" anchor="ctr"/>
+          <a:lstStyle/>
+          <a:p>
+            <a:pPr algn="ctr"/>
+            <a:endParaRPr lang="en-US"/>
+          </a:p>
+        </p:txBody>
+      </p:sp>
+      <p:sp>
+        <p:nvSpPr>
+          <p:cNvPr id="10" name="Rectangle 9">
+            <a:extLst>
+              <a:ext uri="{FF2B5EF4-FFF2-40B4-BE49-F238E27FC236}">
+                <a16:creationId xmlns:a16="http://schemas.microsoft.com/office/drawing/2014/main" id="{3B2E3793-BFE6-45A2-9B7B-E18844431C99}"/>
+              </a:ext>
+              <a:ext uri="{C183D7F6-B498-43B3-948B-1728B52AA6E4}">
+                <adec:decorative xmlns:adec="http://schemas.microsoft.com/office/drawing/2017/decorative" val="1"/>
+              </a:ext>
+            </a:extLst>
+          </p:cNvPr>
+          <p:cNvSpPr>
+            <a:spLocks noGrp="1" noRot="1" noChangeAspect="1" noMove="1" noResize="1" noEditPoints="1" noAdjustHandles="1" noChangeArrowheads="1" noChangeShapeType="1" noTextEdit="1"/>
+          </p:cNvSpPr>
+          <p:nvPr>
+            <p:extLst>
+              <p:ext uri="{386F3935-93C4-4BCD-93E2-E3B085C9AB24}">
+                <p16:designElem xmlns:p16="http://schemas.microsoft.com/office/powerpoint/2015/main" val="1"/>
+              </p:ext>
+            </p:extLst>
+          </p:nvPr>
+        </p:nvSpPr>
+        <p:spPr>
+          <a:xfrm flipH="1">
+            <a:off x="-1" y="-1"/>
+            <a:ext cx="12191998" cy="1590742"/>
+          </a:xfrm>
+          <a:prstGeom prst="rect">
+            <a:avLst/>
+          </a:prstGeom>
+          <a:gradFill>
+            <a:gsLst>
+              <a:gs pos="0">
+                <a:srgbClr val="000000"/>
+              </a:gs>
+              <a:gs pos="100000">
+                <a:schemeClr val="accent1">
+                  <a:lumMod val="75000"/>
+                </a:schemeClr>
+              </a:gs>
+            </a:gsLst>
+            <a:lin ang="8400000" scaled="0"/>
+          </a:gradFill>
+          <a:ln>
+            <a:noFill/>
+          </a:ln>
+        </p:spPr>
+        <p:style>
+          <a:lnRef idx="2">
+            <a:schemeClr val="accent1">
+              <a:shade val="50000"/>
+            </a:schemeClr>
+          </a:lnRef>
+          <a:fillRef idx="1">
+            <a:schemeClr val="accent1"/>
+          </a:fillRef>
+          <a:effectRef idx="0">
+            <a:schemeClr val="accent1"/>
+          </a:effectRef>
+          <a:fontRef idx="minor">
+            <a:schemeClr val="lt1"/>
+          </a:fontRef>
+        </p:style>
+        <p:txBody>
+          <a:bodyPr rtlCol="0" anchor="ctr"/>
+          <a:lstStyle/>
+          <a:p>
+            <a:pPr algn="ctr"/>
+            <a:endParaRPr lang="en-US"/>
+          </a:p>
+        </p:txBody>
+      </p:sp>
+      <p:sp>
+        <p:nvSpPr>
+          <p:cNvPr id="12" name="Rectangle 11">
+            <a:extLst>
+              <a:ext uri="{FF2B5EF4-FFF2-40B4-BE49-F238E27FC236}">
+                <a16:creationId xmlns:a16="http://schemas.microsoft.com/office/drawing/2014/main" id="{BC4C4868-CB8F-4AF9-9CDB-8108F2C19B67}"/>
+              </a:ext>
+              <a:ext uri="{C183D7F6-B498-43B3-948B-1728B52AA6E4}">
+                <adec:decorative xmlns:adec="http://schemas.microsoft.com/office/drawing/2017/decorative" val="1"/>
+              </a:ext>
+            </a:extLst>
+          </p:cNvPr>
+          <p:cNvSpPr>
+            <a:spLocks noGrp="1" noRot="1" noChangeAspect="1" noMove="1" noResize="1" noEditPoints="1" noAdjustHandles="1" noChangeArrowheads="1" noChangeShapeType="1" noTextEdit="1"/>
+          </p:cNvSpPr>
+          <p:nvPr>
+            <p:extLst>
+              <p:ext uri="{386F3935-93C4-4BCD-93E2-E3B085C9AB24}">
+                <p16:designElem xmlns:p16="http://schemas.microsoft.com/office/powerpoint/2015/main" val="1"/>
+              </p:ext>
+            </p:extLst>
+          </p:nvPr>
+        </p:nvSpPr>
+        <p:spPr>
+          <a:xfrm rot="10800000" flipH="1">
+            <a:off x="-3" y="0"/>
+            <a:ext cx="8115306" cy="1590742"/>
+          </a:xfrm>
+          <a:prstGeom prst="rect">
+            <a:avLst/>
+          </a:prstGeom>
+          <a:gradFill>
+            <a:gsLst>
+              <a:gs pos="20000">
+                <a:schemeClr val="accent1">
+                  <a:alpha val="0"/>
+                </a:schemeClr>
+              </a:gs>
+              <a:gs pos="100000">
+                <a:schemeClr val="accent1">
+                  <a:lumMod val="50000"/>
+                  <a:alpha val="55000"/>
+                </a:schemeClr>
+              </a:gs>
+            </a:gsLst>
+            <a:lin ang="13800000" scaled="0"/>
+          </a:gradFill>
+          <a:ln>
+            <a:noFill/>
+          </a:ln>
+        </p:spPr>
+        <p:style>
+          <a:lnRef idx="2">
+            <a:schemeClr val="accent1">
+              <a:shade val="50000"/>
+            </a:schemeClr>
+          </a:lnRef>
+          <a:fillRef idx="1">
+            <a:schemeClr val="accent1"/>
+          </a:fillRef>
+          <a:effectRef idx="0">
+            <a:schemeClr val="accent1"/>
+          </a:effectRef>
+          <a:fontRef idx="minor">
+            <a:schemeClr val="lt1"/>
+          </a:fontRef>
+        </p:style>
+        <p:txBody>
+          <a:bodyPr rtlCol="0" anchor="ctr"/>
+          <a:lstStyle/>
+          <a:p>
+            <a:pPr algn="ctr"/>
+            <a:endParaRPr lang="en-US"/>
+          </a:p>
+        </p:txBody>
+      </p:sp>
+      <p:sp>
+        <p:nvSpPr>
+          <p:cNvPr id="14" name="Rectangle 13">
+            <a:extLst>
+              <a:ext uri="{FF2B5EF4-FFF2-40B4-BE49-F238E27FC236}">
+                <a16:creationId xmlns:a16="http://schemas.microsoft.com/office/drawing/2014/main" id="{375E0459-6403-40CD-989D-56A4407CA12E}"/>
+              </a:ext>
+              <a:ext uri="{C183D7F6-B498-43B3-948B-1728B52AA6E4}">
+                <adec:decorative xmlns:adec="http://schemas.microsoft.com/office/drawing/2017/decorative" val="1"/>
+              </a:ext>
+            </a:extLst>
+          </p:cNvPr>
+          <p:cNvSpPr>
+            <a:spLocks noGrp="1" noRot="1" noChangeAspect="1" noMove="1" noResize="1" noEditPoints="1" noAdjustHandles="1" noChangeArrowheads="1" noChangeShapeType="1" noTextEdit="1"/>
+          </p:cNvSpPr>
+          <p:nvPr>
+            <p:extLst>
+              <p:ext uri="{386F3935-93C4-4BCD-93E2-E3B085C9AB24}">
+                <p16:designElem xmlns:p16="http://schemas.microsoft.com/office/powerpoint/2015/main" val="1"/>
+              </p:ext>
+            </p:extLst>
+          </p:nvPr>
+        </p:nvSpPr>
+        <p:spPr>
+          <a:xfrm flipH="1">
+            <a:off x="8115299" y="-1"/>
+            <a:ext cx="4076698" cy="1590742"/>
+          </a:xfrm>
+          <a:prstGeom prst="rect">
+            <a:avLst/>
+          </a:prstGeom>
+          <a:gradFill>
+            <a:gsLst>
+              <a:gs pos="0">
+                <a:schemeClr val="accent1">
+                  <a:alpha val="66000"/>
+                </a:schemeClr>
+              </a:gs>
+              <a:gs pos="100000">
+                <a:srgbClr val="000000">
+                  <a:alpha val="30000"/>
+                </a:srgbClr>
+              </a:gs>
+            </a:gsLst>
+            <a:lin ang="13200000" scaled="0"/>
+          </a:gradFill>
+          <a:ln>
+            <a:noFill/>
+          </a:ln>
+        </p:spPr>
+        <p:style>
+          <a:lnRef idx="2">
+            <a:schemeClr val="accent1">
+              <a:shade val="50000"/>
+            </a:schemeClr>
+          </a:lnRef>
+          <a:fillRef idx="1">
+            <a:schemeClr val="accent1"/>
+          </a:fillRef>
+          <a:effectRef idx="0">
+            <a:schemeClr val="accent1"/>
+          </a:effectRef>
+          <a:fontRef idx="minor">
+            <a:schemeClr val="lt1"/>
+          </a:fontRef>
+        </p:style>
+        <p:txBody>
+          <a:bodyPr rtlCol="0" anchor="ctr"/>
+          <a:lstStyle/>
+          <a:p>
+            <a:pPr algn="ctr"/>
+            <a:endParaRPr lang="en-US"/>
+          </a:p>
+        </p:txBody>
+      </p:sp>
+      <p:sp>
+        <p:nvSpPr>
+          <p:cNvPr id="16" name="Rectangle 15">
+            <a:extLst>
+              <a:ext uri="{FF2B5EF4-FFF2-40B4-BE49-F238E27FC236}">
+                <a16:creationId xmlns:a16="http://schemas.microsoft.com/office/drawing/2014/main" id="{53E5B1A8-3AC9-4BD1-9BBC-78CA94F2D1BA}"/>
+              </a:ext>
+              <a:ext uri="{C183D7F6-B498-43B3-948B-1728B52AA6E4}">
+                <adec:decorative xmlns:adec="http://schemas.microsoft.com/office/drawing/2017/decorative" val="1"/>
+              </a:ext>
+            </a:extLst>
+          </p:cNvPr>
+          <p:cNvSpPr>
+            <a:spLocks noGrp="1" noRot="1" noChangeAspect="1" noMove="1" noResize="1" noEditPoints="1" noAdjustHandles="1" noChangeArrowheads="1" noChangeShapeType="1" noTextEdit="1"/>
+          </p:cNvSpPr>
+          <p:nvPr>
+            <p:extLst>
+              <p:ext uri="{386F3935-93C4-4BCD-93E2-E3B085C9AB24}">
+                <p16:designElem xmlns:p16="http://schemas.microsoft.com/office/powerpoint/2015/main" val="1"/>
+              </p:ext>
+            </p:extLst>
+          </p:nvPr>
+        </p:nvSpPr>
+        <p:spPr>
+          <a:xfrm>
+            <a:off x="459350" y="-1"/>
+            <a:ext cx="11732646" cy="1597433"/>
+          </a:xfrm>
+          <a:prstGeom prst="rect">
+            <a:avLst/>
+          </a:prstGeom>
+          <a:gradFill>
+            <a:gsLst>
+              <a:gs pos="50000">
+                <a:srgbClr val="000000">
+                  <a:alpha val="0"/>
+                </a:srgbClr>
+              </a:gs>
+              <a:gs pos="99000">
+                <a:schemeClr val="accent1">
+                  <a:lumMod val="50000"/>
+                  <a:alpha val="52000"/>
+                </a:schemeClr>
+              </a:gs>
+            </a:gsLst>
+            <a:lin ang="16800000" scaled="0"/>
+          </a:gradFill>
+          <a:ln>
+            <a:noFill/>
+          </a:ln>
+        </p:spPr>
+        <p:style>
+          <a:lnRef idx="2">
+            <a:schemeClr val="accent1">
+              <a:shade val="50000"/>
+            </a:schemeClr>
+          </a:lnRef>
+          <a:fillRef idx="1">
+            <a:schemeClr val="accent1"/>
+          </a:fillRef>
+          <a:effectRef idx="0">
+            <a:schemeClr val="accent1"/>
+          </a:effectRef>
+          <a:fontRef idx="minor">
+            <a:schemeClr val="lt1"/>
+          </a:fontRef>
+        </p:style>
+        <p:txBody>
+          <a:bodyPr rtlCol="0" anchor="ctr"/>
+          <a:lstStyle/>
+          <a:p>
+            <a:pPr algn="ctr"/>
+            <a:endParaRPr lang="en-US"/>
+          </a:p>
+        </p:txBody>
+      </p:sp>
       <p:sp>
         <p:nvSpPr>
           <p:cNvPr id="2" name="Titel 1">
@@ -3679,13 +10941,24 @@
             <p:ph type="title"/>
           </p:nvPr>
         </p:nvSpPr>
-        <p:spPr/>
+        <p:spPr>
+          <a:xfrm>
+            <a:off x="1371599" y="294538"/>
+            <a:ext cx="9895951" cy="1033669"/>
+          </a:xfrm>
+        </p:spPr>
         <p:txBody>
-          <a:bodyPr/>
+          <a:bodyPr>
+            <a:normAutofit/>
+          </a:bodyPr>
           <a:lstStyle/>
           <a:p>
             <a:r>
-              <a:rPr lang="de-CH" dirty="0"/>
+              <a:rPr lang="de-CH" sz="4000">
+                <a:solidFill>
+                  <a:srgbClr val="FFFFFF"/>
+                </a:solidFill>
+              </a:rPr>
               <a:t>Das Spiel</a:t>
             </a:r>
           </a:p>
@@ -3707,12 +10980,19 @@
             <p:ph idx="1"/>
           </p:nvPr>
         </p:nvSpPr>
-        <p:spPr/>
+        <p:spPr>
+          <a:xfrm>
+            <a:off x="1371599" y="2318197"/>
+            <a:ext cx="9724031" cy="3683358"/>
+          </a:xfrm>
+        </p:spPr>
         <p:txBody>
-          <a:bodyPr/>
+          <a:bodyPr anchor="ctr">
+            <a:normAutofit/>
+          </a:bodyPr>
           <a:lstStyle/>
           <a:p>
-            <a:endParaRPr lang="de-CH" dirty="0"/>
+            <a:endParaRPr lang="de-CH" sz="2000"/>
           </a:p>
         </p:txBody>
       </p:sp>
@@ -3732,6 +11012,14 @@
 <file path=ppt/slides/slide5.xml><?xml version="1.0" encoding="utf-8"?>
 <p:sld xmlns:a="http://schemas.openxmlformats.org/drawingml/2006/main" xmlns:r="http://schemas.openxmlformats.org/officeDocument/2006/relationships" xmlns:p="http://schemas.openxmlformats.org/presentationml/2006/main">
   <p:cSld>
+    <p:bg>
+      <p:bgPr>
+        <a:solidFill>
+          <a:schemeClr val="bg1"/>
+        </a:solidFill>
+        <a:effectLst/>
+      </p:bgPr>
+    </p:bg>
     <p:spTree>
       <p:nvGrpSpPr>
         <p:cNvPr id="1" name=""/>
@@ -3746,6 +11034,309 @@
           <a:chExt cx="0" cy="0"/>
         </a:xfrm>
       </p:grpSpPr>
+      <p:sp useBgFill="1">
+        <p:nvSpPr>
+          <p:cNvPr id="10" name="Rectangle 9">
+            <a:extLst>
+              <a:ext uri="{FF2B5EF4-FFF2-40B4-BE49-F238E27FC236}">
+                <a16:creationId xmlns:a16="http://schemas.microsoft.com/office/drawing/2014/main" id="{A8384FB5-9ADC-4DDC-881B-597D56F5B15D}"/>
+              </a:ext>
+              <a:ext uri="{C183D7F6-B498-43B3-948B-1728B52AA6E4}">
+                <adec:decorative xmlns:adec="http://schemas.microsoft.com/office/drawing/2017/decorative" val="1"/>
+              </a:ext>
+            </a:extLst>
+          </p:cNvPr>
+          <p:cNvSpPr>
+            <a:spLocks noGrp="1" noRot="1" noChangeAspect="1" noMove="1" noResize="1" noEditPoints="1" noAdjustHandles="1" noChangeArrowheads="1" noChangeShapeType="1" noTextEdit="1"/>
+          </p:cNvSpPr>
+          <p:nvPr>
+            <p:extLst>
+              <p:ext uri="{386F3935-93C4-4BCD-93E2-E3B085C9AB24}">
+                <p16:designElem xmlns:p16="http://schemas.microsoft.com/office/powerpoint/2015/main" val="1"/>
+              </p:ext>
+            </p:extLst>
+          </p:nvPr>
+        </p:nvSpPr>
+        <p:spPr>
+          <a:xfrm>
+            <a:off x="0" y="0"/>
+            <a:ext cx="12192000" cy="6858000"/>
+          </a:xfrm>
+          <a:prstGeom prst="rect">
+            <a:avLst/>
+          </a:prstGeom>
+          <a:ln w="12700" cap="flat" cmpd="sng" algn="ctr">
+            <a:noFill/>
+            <a:prstDash val="solid"/>
+            <a:miter lim="800000"/>
+          </a:ln>
+          <a:effectLst/>
+          <a:extLst>
+            <a:ext uri="{91240B29-F687-4F45-9708-019B960494DF}">
+              <a14:hiddenLine xmlns:a14="http://schemas.microsoft.com/office/drawing/2010/main" w="12700" cap="flat" cmpd="sng" algn="ctr">
+                <a:solidFill>
+                  <a:schemeClr val="accent1">
+                    <a:shade val="50000"/>
+                  </a:schemeClr>
+                </a:solidFill>
+                <a:prstDash val="solid"/>
+                <a:miter lim="800000"/>
+              </a14:hiddenLine>
+            </a:ext>
+          </a:extLst>
+        </p:spPr>
+        <p:style>
+          <a:lnRef idx="2">
+            <a:schemeClr val="accent1">
+              <a:shade val="50000"/>
+            </a:schemeClr>
+          </a:lnRef>
+          <a:fillRef idx="1">
+            <a:schemeClr val="accent1"/>
+          </a:fillRef>
+          <a:effectRef idx="0">
+            <a:schemeClr val="accent1"/>
+          </a:effectRef>
+          <a:fontRef idx="minor">
+            <a:schemeClr val="lt1"/>
+          </a:fontRef>
+        </p:style>
+        <p:txBody>
+          <a:bodyPr rtlCol="0" anchor="ctr"/>
+          <a:lstStyle/>
+          <a:p>
+            <a:pPr algn="ctr"/>
+            <a:endParaRPr lang="en-US"/>
+          </a:p>
+        </p:txBody>
+      </p:sp>
+      <p:sp>
+        <p:nvSpPr>
+          <p:cNvPr id="12" name="Rectangle 11">
+            <a:extLst>
+              <a:ext uri="{FF2B5EF4-FFF2-40B4-BE49-F238E27FC236}">
+                <a16:creationId xmlns:a16="http://schemas.microsoft.com/office/drawing/2014/main" id="{1199E1B1-A8C0-4FE8-A5A8-1CB41D69F857}"/>
+              </a:ext>
+              <a:ext uri="{C183D7F6-B498-43B3-948B-1728B52AA6E4}">
+                <adec:decorative xmlns:adec="http://schemas.microsoft.com/office/drawing/2017/decorative" val="1"/>
+              </a:ext>
+            </a:extLst>
+          </p:cNvPr>
+          <p:cNvSpPr>
+            <a:spLocks noGrp="1" noRot="1" noChangeAspect="1" noMove="1" noResize="1" noEditPoints="1" noAdjustHandles="1" noChangeArrowheads="1" noChangeShapeType="1" noTextEdit="1"/>
+          </p:cNvSpPr>
+          <p:nvPr>
+            <p:extLst>
+              <p:ext uri="{386F3935-93C4-4BCD-93E2-E3B085C9AB24}">
+                <p16:designElem xmlns:p16="http://schemas.microsoft.com/office/powerpoint/2015/main" val="1"/>
+              </p:ext>
+            </p:extLst>
+          </p:nvPr>
+        </p:nvSpPr>
+        <p:spPr>
+          <a:xfrm rot="10800000" flipH="1">
+            <a:off x="2" y="0"/>
+            <a:ext cx="12191998" cy="1575955"/>
+          </a:xfrm>
+          <a:prstGeom prst="rect">
+            <a:avLst/>
+          </a:prstGeom>
+          <a:gradFill>
+            <a:gsLst>
+              <a:gs pos="0">
+                <a:srgbClr val="000000">
+                  <a:alpha val="96000"/>
+                </a:srgbClr>
+              </a:gs>
+              <a:gs pos="100000">
+                <a:schemeClr val="accent1">
+                  <a:lumMod val="75000"/>
+                </a:schemeClr>
+              </a:gs>
+            </a:gsLst>
+            <a:lin ang="6000000" scaled="0"/>
+          </a:gradFill>
+          <a:ln>
+            <a:noFill/>
+          </a:ln>
+        </p:spPr>
+        <p:style>
+          <a:lnRef idx="2">
+            <a:schemeClr val="accent1">
+              <a:shade val="50000"/>
+            </a:schemeClr>
+          </a:lnRef>
+          <a:fillRef idx="1">
+            <a:schemeClr val="accent1"/>
+          </a:fillRef>
+          <a:effectRef idx="0">
+            <a:schemeClr val="accent1"/>
+          </a:effectRef>
+          <a:fontRef idx="minor">
+            <a:schemeClr val="lt1"/>
+          </a:fontRef>
+        </p:style>
+        <p:txBody>
+          <a:bodyPr rtlCol="0" anchor="ctr"/>
+          <a:lstStyle/>
+          <a:p>
+            <a:pPr algn="ctr"/>
+            <a:endParaRPr lang="en-US"/>
+          </a:p>
+        </p:txBody>
+      </p:sp>
+      <p:sp>
+        <p:nvSpPr>
+          <p:cNvPr id="14" name="Rectangle 13">
+            <a:extLst>
+              <a:ext uri="{FF2B5EF4-FFF2-40B4-BE49-F238E27FC236}">
+                <a16:creationId xmlns:a16="http://schemas.microsoft.com/office/drawing/2014/main" id="{84A8DE83-DE75-4B41-9DB4-A7EC0B0DEC0B}"/>
+              </a:ext>
+              <a:ext uri="{C183D7F6-B498-43B3-948B-1728B52AA6E4}">
+                <adec:decorative xmlns:adec="http://schemas.microsoft.com/office/drawing/2017/decorative" val="1"/>
+              </a:ext>
+            </a:extLst>
+          </p:cNvPr>
+          <p:cNvSpPr>
+            <a:spLocks noGrp="1" noRot="1" noChangeAspect="1" noMove="1" noResize="1" noEditPoints="1" noAdjustHandles="1" noChangeArrowheads="1" noChangeShapeType="1" noTextEdit="1"/>
+          </p:cNvSpPr>
+          <p:nvPr>
+            <p:extLst>
+              <p:ext uri="{386F3935-93C4-4BCD-93E2-E3B085C9AB24}">
+                <p16:designElem xmlns:p16="http://schemas.microsoft.com/office/powerpoint/2015/main" val="1"/>
+              </p:ext>
+            </p:extLst>
+          </p:nvPr>
+        </p:nvSpPr>
+        <p:spPr>
+          <a:xfrm>
+            <a:off x="0" y="0"/>
+            <a:ext cx="8128856" cy="1575461"/>
+          </a:xfrm>
+          <a:prstGeom prst="rect">
+            <a:avLst/>
+          </a:prstGeom>
+          <a:gradFill>
+            <a:gsLst>
+              <a:gs pos="0">
+                <a:schemeClr val="accent1">
+                  <a:alpha val="41000"/>
+                </a:schemeClr>
+              </a:gs>
+              <a:gs pos="74000">
+                <a:schemeClr val="accent1">
+                  <a:lumMod val="60000"/>
+                  <a:lumOff val="40000"/>
+                  <a:alpha val="0"/>
+                </a:schemeClr>
+              </a:gs>
+            </a:gsLst>
+            <a:lin ang="8400000" scaled="0"/>
+          </a:gradFill>
+          <a:ln>
+            <a:noFill/>
+          </a:ln>
+        </p:spPr>
+        <p:style>
+          <a:lnRef idx="2">
+            <a:schemeClr val="accent1">
+              <a:shade val="50000"/>
+            </a:schemeClr>
+          </a:lnRef>
+          <a:fillRef idx="1">
+            <a:schemeClr val="accent1"/>
+          </a:fillRef>
+          <a:effectRef idx="0">
+            <a:schemeClr val="accent1"/>
+          </a:effectRef>
+          <a:fontRef idx="minor">
+            <a:schemeClr val="lt1"/>
+          </a:fontRef>
+        </p:style>
+        <p:txBody>
+          <a:bodyPr rtlCol="0" anchor="ctr"/>
+          <a:lstStyle/>
+          <a:p>
+            <a:pPr algn="ctr"/>
+            <a:endParaRPr lang="en-US"/>
+          </a:p>
+        </p:txBody>
+      </p:sp>
+      <p:sp>
+        <p:nvSpPr>
+          <p:cNvPr id="16" name="Rectangle 15">
+            <a:extLst>
+              <a:ext uri="{FF2B5EF4-FFF2-40B4-BE49-F238E27FC236}">
+                <a16:creationId xmlns:a16="http://schemas.microsoft.com/office/drawing/2014/main" id="{A7009A0A-BEF5-4EAC-AF15-E4F9F002E239}"/>
+              </a:ext>
+              <a:ext uri="{C183D7F6-B498-43B3-948B-1728B52AA6E4}">
+                <adec:decorative xmlns:adec="http://schemas.microsoft.com/office/drawing/2017/decorative" val="1"/>
+              </a:ext>
+            </a:extLst>
+          </p:cNvPr>
+          <p:cNvSpPr>
+            <a:spLocks noGrp="1" noRot="1" noChangeAspect="1" noMove="1" noResize="1" noEditPoints="1" noAdjustHandles="1" noChangeArrowheads="1" noChangeShapeType="1" noTextEdit="1"/>
+          </p:cNvSpPr>
+          <p:nvPr>
+            <p:extLst>
+              <p:ext uri="{386F3935-93C4-4BCD-93E2-E3B085C9AB24}">
+                <p16:designElem xmlns:p16="http://schemas.microsoft.com/office/powerpoint/2015/main" val="1"/>
+              </p:ext>
+            </p:extLst>
+          </p:nvPr>
+        </p:nvSpPr>
+        <p:spPr>
+          <a:xfrm flipH="1">
+            <a:off x="-3" y="-1"/>
+            <a:ext cx="12192002" cy="1574311"/>
+          </a:xfrm>
+          <a:prstGeom prst="rect">
+            <a:avLst/>
+          </a:prstGeom>
+          <a:gradFill>
+            <a:gsLst>
+              <a:gs pos="0">
+                <a:srgbClr val="000000">
+                  <a:alpha val="63000"/>
+                </a:srgbClr>
+              </a:gs>
+              <a:gs pos="78000">
+                <a:schemeClr val="accent1">
+                  <a:alpha val="15000"/>
+                </a:schemeClr>
+              </a:gs>
+            </a:gsLst>
+            <a:lin ang="15600000" scaled="0"/>
+          </a:gradFill>
+          <a:ln>
+            <a:noFill/>
+          </a:ln>
+        </p:spPr>
+        <p:style>
+          <a:lnRef idx="2">
+            <a:schemeClr val="accent1">
+              <a:shade val="50000"/>
+            </a:schemeClr>
+          </a:lnRef>
+          <a:fillRef idx="1">
+            <a:schemeClr val="accent1"/>
+          </a:fillRef>
+          <a:effectRef idx="0">
+            <a:schemeClr val="accent1"/>
+          </a:effectRef>
+          <a:fontRef idx="minor">
+            <a:schemeClr val="lt1"/>
+          </a:fontRef>
+        </p:style>
+        <p:txBody>
+          <a:bodyPr rtlCol="0" anchor="ctr"/>
+          <a:lstStyle/>
+          <a:p>
+            <a:pPr algn="ctr"/>
+            <a:endParaRPr lang="en-US"/>
+          </a:p>
+        </p:txBody>
+      </p:sp>
       <p:sp>
         <p:nvSpPr>
           <p:cNvPr id="2" name="Titel 1">
@@ -3762,43 +11353,62 @@
             <p:ph type="title"/>
           </p:nvPr>
         </p:nvSpPr>
-        <p:spPr/>
+        <p:spPr>
+          <a:xfrm>
+            <a:off x="699713" y="248038"/>
+            <a:ext cx="7063721" cy="1159200"/>
+          </a:xfrm>
+        </p:spPr>
         <p:txBody>
-          <a:bodyPr/>
+          <a:bodyPr vert="horz" lIns="91440" tIns="45720" rIns="91440" bIns="45720" rtlCol="0" anchor="ctr">
+            <a:normAutofit/>
+          </a:bodyPr>
           <a:lstStyle/>
           <a:p>
             <a:r>
-              <a:rPr lang="de-CH" dirty="0"/>
+              <a:rPr lang="en-US" sz="4000" kern="1200">
+                <a:solidFill>
+                  <a:srgbClr val="FFFFFF"/>
+                </a:solidFill>
+                <a:latin typeface="+mj-lt"/>
+                <a:ea typeface="+mj-ea"/>
+                <a:cs typeface="+mj-cs"/>
+              </a:rPr>
               <a:t>Ein bisschen Code</a:t>
             </a:r>
           </a:p>
         </p:txBody>
       </p:sp>
-      <p:sp>
-        <p:nvSpPr>
-          <p:cNvPr id="3" name="Inhaltsplatzhalter 2">
+      <p:pic>
+        <p:nvPicPr>
+          <p:cNvPr id="5" name="Grafik 4">
             <a:extLst>
               <a:ext uri="{FF2B5EF4-FFF2-40B4-BE49-F238E27FC236}">
-                <a16:creationId xmlns:a16="http://schemas.microsoft.com/office/drawing/2014/main" id="{C3CCC630-28EF-D894-AA34-BDE176735E44}"/>
+                <a16:creationId xmlns:a16="http://schemas.microsoft.com/office/drawing/2014/main" id="{A246FC00-8E06-9382-C9B3-E2E7234365F9}"/>
               </a:ext>
             </a:extLst>
           </p:cNvPr>
-          <p:cNvSpPr>
-            <a:spLocks noGrp="1"/>
-          </p:cNvSpPr>
-          <p:nvPr>
-            <p:ph idx="1"/>
-          </p:nvPr>
-        </p:nvSpPr>
-        <p:spPr/>
-        <p:txBody>
-          <a:bodyPr/>
-          <a:lstStyle/>
-          <a:p>
-            <a:endParaRPr lang="de-CH"/>
-          </a:p>
-        </p:txBody>
-      </p:sp>
+          <p:cNvPicPr>
+            <a:picLocks noChangeAspect="1"/>
+          </p:cNvPicPr>
+          <p:nvPr/>
+        </p:nvPicPr>
+        <p:blipFill>
+          <a:blip r:embed="rId2"/>
+          <a:stretch>
+            <a:fillRect/>
+          </a:stretch>
+        </p:blipFill>
+        <p:spPr>
+          <a:xfrm>
+            <a:off x="2338902" y="1966293"/>
+            <a:ext cx="7514194" cy="4452160"/>
+          </a:xfrm>
+          <a:prstGeom prst="rect">
+            <a:avLst/>
+          </a:prstGeom>
+        </p:spPr>
+      </p:pic>
     </p:spTree>
     <p:extLst>
       <p:ext uri="{BB962C8B-B14F-4D97-AF65-F5344CB8AC3E}">
@@ -3815,6 +11425,14 @@
 <file path=ppt/slides/slide6.xml><?xml version="1.0" encoding="utf-8"?>
 <p:sld xmlns:a="http://schemas.openxmlformats.org/drawingml/2006/main" xmlns:r="http://schemas.openxmlformats.org/officeDocument/2006/relationships" xmlns:p="http://schemas.openxmlformats.org/presentationml/2006/main">
   <p:cSld>
+    <p:bg>
+      <p:bgPr>
+        <a:solidFill>
+          <a:schemeClr val="bg1"/>
+        </a:solidFill>
+        <a:effectLst/>
+      </p:bgPr>
+    </p:bg>
     <p:spTree>
       <p:nvGrpSpPr>
         <p:cNvPr id="1" name=""/>
@@ -3829,56 +11447,258 @@
           <a:chExt cx="0" cy="0"/>
         </a:xfrm>
       </p:grpSpPr>
-      <p:sp>
+      <p:sp useBgFill="1">
         <p:nvSpPr>
-          <p:cNvPr id="2" name="Titel 1">
+          <p:cNvPr id="10" name="Rectangle 9">
             <a:extLst>
               <a:ext uri="{FF2B5EF4-FFF2-40B4-BE49-F238E27FC236}">
-                <a16:creationId xmlns:a16="http://schemas.microsoft.com/office/drawing/2014/main" id="{AC72415E-8F28-D82A-DCFA-8372F89338C0}"/>
+                <a16:creationId xmlns:a16="http://schemas.microsoft.com/office/drawing/2014/main" id="{2596F992-698C-48C0-9D89-70DA4CE927EF}"/>
+              </a:ext>
+              <a:ext uri="{C183D7F6-B498-43B3-948B-1728B52AA6E4}">
+                <adec:decorative xmlns:adec="http://schemas.microsoft.com/office/drawing/2017/decorative" val="1"/>
               </a:ext>
             </a:extLst>
           </p:cNvPr>
           <p:cNvSpPr>
-            <a:spLocks noGrp="1"/>
+            <a:spLocks noGrp="1" noRot="1" noChangeAspect="1" noMove="1" noResize="1" noEditPoints="1" noAdjustHandles="1" noChangeArrowheads="1" noChangeShapeType="1" noTextEdit="1"/>
           </p:cNvSpPr>
           <p:nvPr>
-            <p:ph type="title"/>
+            <p:extLst>
+              <p:ext uri="{386F3935-93C4-4BCD-93E2-E3B085C9AB24}">
+                <p16:designElem xmlns:p16="http://schemas.microsoft.com/office/powerpoint/2015/main" val="1"/>
+              </p:ext>
+            </p:extLst>
           </p:nvPr>
         </p:nvSpPr>
-        <p:spPr/>
+        <p:spPr>
+          <a:xfrm>
+            <a:off x="0" y="0"/>
+            <a:ext cx="12192000" cy="6858000"/>
+          </a:xfrm>
+          <a:prstGeom prst="rect">
+            <a:avLst/>
+          </a:prstGeom>
+          <a:ln w="12700" cap="flat" cmpd="sng" algn="ctr">
+            <a:noFill/>
+            <a:prstDash val="solid"/>
+            <a:miter lim="800000"/>
+          </a:ln>
+          <a:effectLst/>
+          <a:extLst>
+            <a:ext uri="{91240B29-F687-4F45-9708-019B960494DF}">
+              <a14:hiddenLine xmlns:a14="http://schemas.microsoft.com/office/drawing/2010/main" w="12700" cap="flat" cmpd="sng" algn="ctr">
+                <a:solidFill>
+                  <a:schemeClr val="accent1">
+                    <a:shade val="50000"/>
+                  </a:schemeClr>
+                </a:solidFill>
+                <a:prstDash val="solid"/>
+                <a:miter lim="800000"/>
+              </a14:hiddenLine>
+            </a:ext>
+          </a:extLst>
+        </p:spPr>
+        <p:style>
+          <a:lnRef idx="2">
+            <a:schemeClr val="accent1">
+              <a:shade val="50000"/>
+            </a:schemeClr>
+          </a:lnRef>
+          <a:fillRef idx="1">
+            <a:schemeClr val="accent1"/>
+          </a:fillRef>
+          <a:effectRef idx="0">
+            <a:schemeClr val="accent1"/>
+          </a:effectRef>
+          <a:fontRef idx="minor">
+            <a:schemeClr val="lt1"/>
+          </a:fontRef>
+        </p:style>
         <p:txBody>
-          <a:bodyPr/>
+          <a:bodyPr rtlCol="0" anchor="ctr"/>
           <a:lstStyle/>
           <a:p>
-            <a:endParaRPr lang="de-CH"/>
+            <a:pPr algn="ctr"/>
+            <a:endParaRPr lang="en-US"/>
           </a:p>
         </p:txBody>
       </p:sp>
       <p:sp>
         <p:nvSpPr>
-          <p:cNvPr id="3" name="Inhaltsplatzhalter 2">
+          <p:cNvPr id="12" name="Rectangle 11">
             <a:extLst>
               <a:ext uri="{FF2B5EF4-FFF2-40B4-BE49-F238E27FC236}">
-                <a16:creationId xmlns:a16="http://schemas.microsoft.com/office/drawing/2014/main" id="{23C7756D-D96F-CBFB-22E3-56D76B70BC8D}"/>
+                <a16:creationId xmlns:a16="http://schemas.microsoft.com/office/drawing/2014/main" id="{E7BFF8DC-0AE7-4AD2-9B28-2E5F26D62C30}"/>
+              </a:ext>
+              <a:ext uri="{C183D7F6-B498-43B3-948B-1728B52AA6E4}">
+                <adec:decorative xmlns:adec="http://schemas.microsoft.com/office/drawing/2017/decorative" val="1"/>
               </a:ext>
             </a:extLst>
           </p:cNvPr>
           <p:cNvSpPr>
-            <a:spLocks noGrp="1"/>
+            <a:spLocks noGrp="1" noRot="1" noChangeAspect="1" noMove="1" noResize="1" noEditPoints="1" noAdjustHandles="1" noChangeArrowheads="1" noChangeShapeType="1" noTextEdit="1"/>
           </p:cNvSpPr>
           <p:nvPr>
-            <p:ph idx="1"/>
+            <p:extLst>
+              <p:ext uri="{386F3935-93C4-4BCD-93E2-E3B085C9AB24}">
+                <p16:designElem xmlns:p16="http://schemas.microsoft.com/office/powerpoint/2015/main" val="1"/>
+              </p:ext>
+            </p:extLst>
           </p:nvPr>
         </p:nvSpPr>
-        <p:spPr/>
+        <p:spPr>
+          <a:xfrm flipH="1">
+            <a:off x="0" y="6406116"/>
+            <a:ext cx="12191998" cy="461774"/>
+          </a:xfrm>
+          <a:prstGeom prst="rect">
+            <a:avLst/>
+          </a:prstGeom>
+          <a:gradFill>
+            <a:gsLst>
+              <a:gs pos="0">
+                <a:srgbClr val="000000"/>
+              </a:gs>
+              <a:gs pos="100000">
+                <a:schemeClr val="accent1">
+                  <a:lumMod val="75000"/>
+                </a:schemeClr>
+              </a:gs>
+            </a:gsLst>
+            <a:lin ang="15000000" scaled="0"/>
+          </a:gradFill>
+          <a:ln>
+            <a:noFill/>
+          </a:ln>
+        </p:spPr>
+        <p:style>
+          <a:lnRef idx="2">
+            <a:schemeClr val="accent1">
+              <a:shade val="50000"/>
+            </a:schemeClr>
+          </a:lnRef>
+          <a:fillRef idx="1">
+            <a:schemeClr val="accent1"/>
+          </a:fillRef>
+          <a:effectRef idx="0">
+            <a:schemeClr val="accent1"/>
+          </a:effectRef>
+          <a:fontRef idx="minor">
+            <a:schemeClr val="lt1"/>
+          </a:fontRef>
+        </p:style>
         <p:txBody>
-          <a:bodyPr/>
+          <a:bodyPr rtlCol="0" anchor="ctr"/>
           <a:lstStyle/>
           <a:p>
-            <a:endParaRPr lang="de-CH"/>
+            <a:pPr algn="ctr"/>
+            <a:endParaRPr lang="en-US"/>
           </a:p>
         </p:txBody>
       </p:sp>
+      <p:sp>
+        <p:nvSpPr>
+          <p:cNvPr id="44" name="Rectangle 13">
+            <a:extLst>
+              <a:ext uri="{FF2B5EF4-FFF2-40B4-BE49-F238E27FC236}">
+                <a16:creationId xmlns:a16="http://schemas.microsoft.com/office/drawing/2014/main" id="{7E0162AD-C6E5-4BF8-A453-76ADB36877D3}"/>
+              </a:ext>
+              <a:ext uri="{C183D7F6-B498-43B3-948B-1728B52AA6E4}">
+                <adec:decorative xmlns:adec="http://schemas.microsoft.com/office/drawing/2017/decorative" val="1"/>
+              </a:ext>
+            </a:extLst>
+          </p:cNvPr>
+          <p:cNvSpPr>
+            <a:spLocks noGrp="1" noRot="1" noChangeAspect="1" noMove="1" noResize="1" noEditPoints="1" noAdjustHandles="1" noChangeArrowheads="1" noChangeShapeType="1" noTextEdit="1"/>
+          </p:cNvSpPr>
+          <p:nvPr>
+            <p:extLst>
+              <p:ext uri="{386F3935-93C4-4BCD-93E2-E3B085C9AB24}">
+                <p16:designElem xmlns:p16="http://schemas.microsoft.com/office/powerpoint/2015/main" val="1"/>
+              </p:ext>
+            </p:extLst>
+          </p:nvPr>
+        </p:nvSpPr>
+        <p:spPr>
+          <a:xfrm flipH="1">
+            <a:off x="8115300" y="6406115"/>
+            <a:ext cx="4076698" cy="464399"/>
+          </a:xfrm>
+          <a:prstGeom prst="rect">
+            <a:avLst/>
+          </a:prstGeom>
+          <a:gradFill>
+            <a:gsLst>
+              <a:gs pos="19000">
+                <a:srgbClr val="000000">
+                  <a:alpha val="31000"/>
+                </a:srgbClr>
+              </a:gs>
+              <a:gs pos="99000">
+                <a:schemeClr val="accent1"/>
+              </a:gs>
+            </a:gsLst>
+            <a:lin ang="13200000" scaled="0"/>
+          </a:gradFill>
+          <a:ln>
+            <a:noFill/>
+          </a:ln>
+        </p:spPr>
+        <p:style>
+          <a:lnRef idx="2">
+            <a:schemeClr val="accent1">
+              <a:shade val="50000"/>
+            </a:schemeClr>
+          </a:lnRef>
+          <a:fillRef idx="1">
+            <a:schemeClr val="accent1"/>
+          </a:fillRef>
+          <a:effectRef idx="0">
+            <a:schemeClr val="accent1"/>
+          </a:effectRef>
+          <a:fontRef idx="minor">
+            <a:schemeClr val="lt1"/>
+          </a:fontRef>
+        </p:style>
+        <p:txBody>
+          <a:bodyPr rtlCol="0" anchor="ctr"/>
+          <a:lstStyle/>
+          <a:p>
+            <a:pPr algn="ctr"/>
+            <a:endParaRPr lang="en-US"/>
+          </a:p>
+        </p:txBody>
+      </p:sp>
+      <p:pic>
+        <p:nvPicPr>
+          <p:cNvPr id="7" name="Grafik 6">
+            <a:extLst>
+              <a:ext uri="{FF2B5EF4-FFF2-40B4-BE49-F238E27FC236}">
+                <a16:creationId xmlns:a16="http://schemas.microsoft.com/office/drawing/2014/main" id="{24554CA9-EA20-B914-D4CE-2EF47ED7A623}"/>
+              </a:ext>
+            </a:extLst>
+          </p:cNvPr>
+          <p:cNvPicPr>
+            <a:picLocks noChangeAspect="1"/>
+          </p:cNvPicPr>
+          <p:nvPr/>
+        </p:nvPicPr>
+        <p:blipFill>
+          <a:blip r:embed="rId2"/>
+          <a:stretch>
+            <a:fillRect/>
+          </a:stretch>
+        </p:blipFill>
+        <p:spPr>
+          <a:xfrm>
+            <a:off x="106017" y="1546962"/>
+            <a:ext cx="11979965" cy="3764075"/>
+          </a:xfrm>
+          <a:prstGeom prst="rect">
+            <a:avLst/>
+          </a:prstGeom>
+        </p:spPr>
+      </p:pic>
     </p:spTree>
     <p:extLst>
       <p:ext uri="{BB962C8B-B14F-4D97-AF65-F5344CB8AC3E}">
@@ -3895,6 +11715,14 @@
 <file path=ppt/slides/slide7.xml><?xml version="1.0" encoding="utf-8"?>
 <p:sld xmlns:a="http://schemas.openxmlformats.org/drawingml/2006/main" xmlns:r="http://schemas.openxmlformats.org/officeDocument/2006/relationships" xmlns:p="http://schemas.openxmlformats.org/presentationml/2006/main">
   <p:cSld>
+    <p:bg>
+      <p:bgPr>
+        <a:solidFill>
+          <a:schemeClr val="bg1"/>
+        </a:solidFill>
+        <a:effectLst/>
+      </p:bgPr>
+    </p:bg>
     <p:spTree>
       <p:nvGrpSpPr>
         <p:cNvPr id="1" name=""/>
@@ -3909,6 +11737,308 @@
           <a:chExt cx="0" cy="0"/>
         </a:xfrm>
       </p:grpSpPr>
+      <p:sp useBgFill="1">
+        <p:nvSpPr>
+          <p:cNvPr id="22" name="Rectangle 21">
+            <a:extLst>
+              <a:ext uri="{FF2B5EF4-FFF2-40B4-BE49-F238E27FC236}">
+                <a16:creationId xmlns:a16="http://schemas.microsoft.com/office/drawing/2014/main" id="{BACC6370-2D7E-4714-9D71-7542949D7D5D}"/>
+              </a:ext>
+              <a:ext uri="{C183D7F6-B498-43B3-948B-1728B52AA6E4}">
+                <adec:decorative xmlns:adec="http://schemas.microsoft.com/office/drawing/2017/decorative" val="1"/>
+              </a:ext>
+            </a:extLst>
+          </p:cNvPr>
+          <p:cNvSpPr>
+            <a:spLocks noGrp="1" noRot="1" noChangeAspect="1" noMove="1" noResize="1" noEditPoints="1" noAdjustHandles="1" noChangeArrowheads="1" noChangeShapeType="1" noTextEdit="1"/>
+          </p:cNvSpPr>
+          <p:nvPr>
+            <p:extLst>
+              <p:ext uri="{386F3935-93C4-4BCD-93E2-E3B085C9AB24}">
+                <p16:designElem xmlns:p16="http://schemas.microsoft.com/office/powerpoint/2015/main" val="1"/>
+              </p:ext>
+            </p:extLst>
+          </p:nvPr>
+        </p:nvSpPr>
+        <p:spPr>
+          <a:xfrm>
+            <a:off x="0" y="0"/>
+            <a:ext cx="12192000" cy="6858000"/>
+          </a:xfrm>
+          <a:prstGeom prst="rect">
+            <a:avLst/>
+          </a:prstGeom>
+          <a:ln w="12700" cap="flat" cmpd="sng" algn="ctr">
+            <a:noFill/>
+            <a:prstDash val="solid"/>
+            <a:miter lim="800000"/>
+          </a:ln>
+          <a:effectLst/>
+          <a:extLst>
+            <a:ext uri="{91240B29-F687-4F45-9708-019B960494DF}">
+              <a14:hiddenLine xmlns:a14="http://schemas.microsoft.com/office/drawing/2010/main" w="12700" cap="flat" cmpd="sng" algn="ctr">
+                <a:solidFill>
+                  <a:schemeClr val="accent1">
+                    <a:shade val="50000"/>
+                  </a:schemeClr>
+                </a:solidFill>
+                <a:prstDash val="solid"/>
+                <a:miter lim="800000"/>
+              </a14:hiddenLine>
+            </a:ext>
+          </a:extLst>
+        </p:spPr>
+        <p:style>
+          <a:lnRef idx="2">
+            <a:schemeClr val="accent1">
+              <a:shade val="50000"/>
+            </a:schemeClr>
+          </a:lnRef>
+          <a:fillRef idx="1">
+            <a:schemeClr val="accent1"/>
+          </a:fillRef>
+          <a:effectRef idx="0">
+            <a:schemeClr val="accent1"/>
+          </a:effectRef>
+          <a:fontRef idx="minor">
+            <a:schemeClr val="lt1"/>
+          </a:fontRef>
+        </p:style>
+        <p:txBody>
+          <a:bodyPr rtlCol="0" anchor="ctr"/>
+          <a:lstStyle/>
+          <a:p>
+            <a:pPr algn="ctr"/>
+            <a:endParaRPr lang="en-US"/>
+          </a:p>
+        </p:txBody>
+      </p:sp>
+      <p:sp>
+        <p:nvSpPr>
+          <p:cNvPr id="24" name="Rectangle 23">
+            <a:extLst>
+              <a:ext uri="{FF2B5EF4-FFF2-40B4-BE49-F238E27FC236}">
+                <a16:creationId xmlns:a16="http://schemas.microsoft.com/office/drawing/2014/main" id="{F68B3F68-107C-434F-AA38-110D5EA91B85}"/>
+              </a:ext>
+              <a:ext uri="{C183D7F6-B498-43B3-948B-1728B52AA6E4}">
+                <adec:decorative xmlns:adec="http://schemas.microsoft.com/office/drawing/2017/decorative" val="1"/>
+              </a:ext>
+            </a:extLst>
+          </p:cNvPr>
+          <p:cNvSpPr>
+            <a:spLocks noGrp="1" noRot="1" noChangeAspect="1" noMove="1" noResize="1" noEditPoints="1" noAdjustHandles="1" noChangeArrowheads="1" noChangeShapeType="1" noTextEdit="1"/>
+          </p:cNvSpPr>
+          <p:nvPr>
+            <p:extLst>
+              <p:ext uri="{386F3935-93C4-4BCD-93E2-E3B085C9AB24}">
+                <p16:designElem xmlns:p16="http://schemas.microsoft.com/office/powerpoint/2015/main" val="1"/>
+              </p:ext>
+            </p:extLst>
+          </p:nvPr>
+        </p:nvSpPr>
+        <p:spPr>
+          <a:xfrm flipH="1">
+            <a:off x="2" y="0"/>
+            <a:ext cx="12191998" cy="1575955"/>
+          </a:xfrm>
+          <a:prstGeom prst="rect">
+            <a:avLst/>
+          </a:prstGeom>
+          <a:gradFill>
+            <a:gsLst>
+              <a:gs pos="0">
+                <a:srgbClr val="000000">
+                  <a:alpha val="96000"/>
+                </a:srgbClr>
+              </a:gs>
+              <a:gs pos="100000">
+                <a:schemeClr val="accent1">
+                  <a:lumMod val="75000"/>
+                </a:schemeClr>
+              </a:gs>
+            </a:gsLst>
+            <a:lin ang="8400000" scaled="0"/>
+          </a:gradFill>
+          <a:ln>
+            <a:noFill/>
+          </a:ln>
+        </p:spPr>
+        <p:style>
+          <a:lnRef idx="2">
+            <a:schemeClr val="accent1">
+              <a:shade val="50000"/>
+            </a:schemeClr>
+          </a:lnRef>
+          <a:fillRef idx="1">
+            <a:schemeClr val="accent1"/>
+          </a:fillRef>
+          <a:effectRef idx="0">
+            <a:schemeClr val="accent1"/>
+          </a:effectRef>
+          <a:fontRef idx="minor">
+            <a:schemeClr val="lt1"/>
+          </a:fontRef>
+        </p:style>
+        <p:txBody>
+          <a:bodyPr rtlCol="0" anchor="ctr"/>
+          <a:lstStyle/>
+          <a:p>
+            <a:pPr algn="ctr"/>
+            <a:endParaRPr lang="en-US"/>
+          </a:p>
+        </p:txBody>
+      </p:sp>
+      <p:sp>
+        <p:nvSpPr>
+          <p:cNvPr id="26" name="Rectangle 25">
+            <a:extLst>
+              <a:ext uri="{FF2B5EF4-FFF2-40B4-BE49-F238E27FC236}">
+                <a16:creationId xmlns:a16="http://schemas.microsoft.com/office/drawing/2014/main" id="{AAD0DBB9-1A4B-4391-81D4-CB19F9AB918A}"/>
+              </a:ext>
+              <a:ext uri="{C183D7F6-B498-43B3-948B-1728B52AA6E4}">
+                <adec:decorative xmlns:adec="http://schemas.microsoft.com/office/drawing/2017/decorative" val="1"/>
+              </a:ext>
+            </a:extLst>
+          </p:cNvPr>
+          <p:cNvSpPr>
+            <a:spLocks noGrp="1" noRot="1" noChangeAspect="1" noMove="1" noResize="1" noEditPoints="1" noAdjustHandles="1" noChangeArrowheads="1" noChangeShapeType="1" noTextEdit="1"/>
+          </p:cNvSpPr>
+          <p:nvPr>
+            <p:extLst>
+              <p:ext uri="{386F3935-93C4-4BCD-93E2-E3B085C9AB24}">
+                <p16:designElem xmlns:p16="http://schemas.microsoft.com/office/powerpoint/2015/main" val="1"/>
+              </p:ext>
+            </p:extLst>
+          </p:nvPr>
+        </p:nvSpPr>
+        <p:spPr>
+          <a:xfrm rot="10800000" flipH="1">
+            <a:off x="8128857" y="0"/>
+            <a:ext cx="4063143" cy="1576412"/>
+          </a:xfrm>
+          <a:prstGeom prst="rect">
+            <a:avLst/>
+          </a:prstGeom>
+          <a:gradFill>
+            <a:gsLst>
+              <a:gs pos="19000">
+                <a:schemeClr val="accent1">
+                  <a:lumMod val="50000"/>
+                  <a:alpha val="68000"/>
+                </a:schemeClr>
+              </a:gs>
+              <a:gs pos="100000">
+                <a:schemeClr val="accent1">
+                  <a:alpha val="79000"/>
+                </a:schemeClr>
+              </a:gs>
+            </a:gsLst>
+            <a:lin ang="19200000" scaled="0"/>
+          </a:gradFill>
+          <a:ln>
+            <a:noFill/>
+          </a:ln>
+        </p:spPr>
+        <p:style>
+          <a:lnRef idx="2">
+            <a:schemeClr val="accent1">
+              <a:shade val="50000"/>
+            </a:schemeClr>
+          </a:lnRef>
+          <a:fillRef idx="1">
+            <a:schemeClr val="accent1"/>
+          </a:fillRef>
+          <a:effectRef idx="0">
+            <a:schemeClr val="accent1"/>
+          </a:effectRef>
+          <a:fontRef idx="minor">
+            <a:schemeClr val="lt1"/>
+          </a:fontRef>
+        </p:style>
+        <p:txBody>
+          <a:bodyPr rtlCol="0" anchor="ctr"/>
+          <a:lstStyle/>
+          <a:p>
+            <a:pPr algn="ctr"/>
+            <a:endParaRPr lang="en-US"/>
+          </a:p>
+        </p:txBody>
+      </p:sp>
+      <p:sp>
+        <p:nvSpPr>
+          <p:cNvPr id="28" name="Rectangle 27">
+            <a:extLst>
+              <a:ext uri="{FF2B5EF4-FFF2-40B4-BE49-F238E27FC236}">
+                <a16:creationId xmlns:a16="http://schemas.microsoft.com/office/drawing/2014/main" id="{063BBA22-50EA-4C4D-BE05-F1CE4E63AA56}"/>
+              </a:ext>
+              <a:ext uri="{C183D7F6-B498-43B3-948B-1728B52AA6E4}">
+                <adec:decorative xmlns:adec="http://schemas.microsoft.com/office/drawing/2017/decorative" val="1"/>
+              </a:ext>
+            </a:extLst>
+          </p:cNvPr>
+          <p:cNvSpPr>
+            <a:spLocks noGrp="1" noRot="1" noChangeAspect="1" noMove="1" noResize="1" noEditPoints="1" noAdjustHandles="1" noChangeArrowheads="1" noChangeShapeType="1" noTextEdit="1"/>
+          </p:cNvSpPr>
+          <p:nvPr>
+            <p:extLst>
+              <p:ext uri="{386F3935-93C4-4BCD-93E2-E3B085C9AB24}">
+                <p16:designElem xmlns:p16="http://schemas.microsoft.com/office/powerpoint/2015/main" val="1"/>
+              </p:ext>
+            </p:extLst>
+          </p:nvPr>
+        </p:nvSpPr>
+        <p:spPr>
+          <a:xfrm rot="5400000">
+            <a:off x="5307777" y="-5307778"/>
+            <a:ext cx="1576446" cy="12192002"/>
+          </a:xfrm>
+          <a:prstGeom prst="rect">
+            <a:avLst/>
+          </a:prstGeom>
+          <a:gradFill>
+            <a:gsLst>
+              <a:gs pos="23000">
+                <a:schemeClr val="accent1">
+                  <a:alpha val="0"/>
+                </a:schemeClr>
+              </a:gs>
+              <a:gs pos="99000">
+                <a:srgbClr val="000000">
+                  <a:alpha val="74000"/>
+                </a:srgbClr>
+              </a:gs>
+            </a:gsLst>
+            <a:lin ang="20400000" scaled="0"/>
+          </a:gradFill>
+          <a:ln>
+            <a:noFill/>
+          </a:ln>
+        </p:spPr>
+        <p:style>
+          <a:lnRef idx="2">
+            <a:schemeClr val="accent1">
+              <a:shade val="50000"/>
+            </a:schemeClr>
+          </a:lnRef>
+          <a:fillRef idx="1">
+            <a:schemeClr val="accent1"/>
+          </a:fillRef>
+          <a:effectRef idx="0">
+            <a:schemeClr val="accent1"/>
+          </a:effectRef>
+          <a:fontRef idx="minor">
+            <a:schemeClr val="lt1"/>
+          </a:fontRef>
+        </p:style>
+        <p:txBody>
+          <a:bodyPr rtlCol="0" anchor="ctr"/>
+          <a:lstStyle/>
+          <a:p>
+            <a:pPr algn="ctr"/>
+            <a:endParaRPr lang="en-US" dirty="0"/>
+          </a:p>
+        </p:txBody>
+      </p:sp>
       <p:sp>
         <p:nvSpPr>
           <p:cNvPr id="2" name="Titel 1">
@@ -3925,49 +12055,60 @@
             <p:ph type="title"/>
           </p:nvPr>
         </p:nvSpPr>
-        <p:spPr/>
+        <p:spPr>
+          <a:xfrm>
+            <a:off x="1371597" y="348865"/>
+            <a:ext cx="10044023" cy="877729"/>
+          </a:xfrm>
+        </p:spPr>
         <p:txBody>
-          <a:bodyPr/>
+          <a:bodyPr anchor="ctr">
+            <a:normAutofit/>
+          </a:bodyPr>
           <a:lstStyle/>
           <a:p>
             <a:r>
-              <a:rPr lang="de-CH" dirty="0"/>
+              <a:rPr lang="de-CH" sz="4000">
+                <a:solidFill>
+                  <a:srgbClr val="FFFFFF"/>
+                </a:solidFill>
+              </a:rPr>
               <a:t>Reflexion</a:t>
             </a:r>
           </a:p>
         </p:txBody>
       </p:sp>
-      <p:sp>
-        <p:nvSpPr>
-          <p:cNvPr id="3" name="Inhaltsplatzhalter 2">
+      <p:graphicFrame>
+        <p:nvGraphicFramePr>
+          <p:cNvPr id="18" name="Inhaltsplatzhalter 2">
             <a:extLst>
               <a:ext uri="{FF2B5EF4-FFF2-40B4-BE49-F238E27FC236}">
-                <a16:creationId xmlns:a16="http://schemas.microsoft.com/office/drawing/2014/main" id="{7C650D72-8BB3-E681-B0E8-D3F2264A6166}"/>
+                <a16:creationId xmlns:a16="http://schemas.microsoft.com/office/drawing/2014/main" id="{A383A7DA-4B96-67BC-8B12-EA2A65B79FBB}"/>
               </a:ext>
             </a:extLst>
           </p:cNvPr>
-          <p:cNvSpPr>
-            <a:spLocks noGrp="1"/>
-          </p:cNvSpPr>
+          <p:cNvGraphicFramePr>
+            <a:graphicFrameLocks noGrp="1"/>
+          </p:cNvGraphicFramePr>
           <p:nvPr>
             <p:ph idx="1"/>
+            <p:extLst>
+              <p:ext uri="{D42A27DB-BD31-4B8C-83A1-F6EECF244321}">
+                <p14:modId xmlns:p14="http://schemas.microsoft.com/office/powerpoint/2010/main" val="52285157"/>
+              </p:ext>
+            </p:extLst>
           </p:nvPr>
-        </p:nvSpPr>
-        <p:spPr/>
-        <p:txBody>
-          <a:bodyPr/>
-          <a:lstStyle/>
-          <a:p>
-            <a:r>
-              <a:rPr lang="de-CH"/>
-              <a:t>Unterschätzt</a:t>
-            </a:r>
-          </a:p>
-          <a:p>
-            <a:endParaRPr lang="de-CH"/>
-          </a:p>
-        </p:txBody>
-      </p:sp>
+        </p:nvGraphicFramePr>
+        <p:xfrm>
+          <a:off x="644056" y="2112579"/>
+          <a:ext cx="10927829" cy="4192805"/>
+        </p:xfrm>
+        <a:graphic>
+          <a:graphicData uri="http://schemas.openxmlformats.org/drawingml/2006/diagram">
+            <dgm:relIds xmlns:dgm="http://schemas.openxmlformats.org/drawingml/2006/diagram" xmlns:r="http://schemas.openxmlformats.org/officeDocument/2006/relationships" r:dm="rId3" r:lo="rId4" r:qs="rId5" r:cs="rId6"/>
+          </a:graphicData>
+        </a:graphic>
+      </p:graphicFrame>
     </p:spTree>
     <p:extLst>
       <p:ext uri="{BB962C8B-B14F-4D97-AF65-F5344CB8AC3E}">
@@ -4294,4 +12435,319 @@
     </a:ext>
   </a:extLst>
 </a:theme>
+</file>
+
+<file path=ppt/theme/theme2.xml><?xml version="1.0" encoding="utf-8"?>
+<a:theme xmlns:a="http://schemas.openxmlformats.org/drawingml/2006/main" name="Office">
+  <a:themeElements>
+    <a:clrScheme name="Office">
+      <a:dk1>
+        <a:sysClr val="windowText" lastClr="000000"/>
+      </a:dk1>
+      <a:lt1>
+        <a:sysClr val="window" lastClr="FFFFFF"/>
+      </a:lt1>
+      <a:dk2>
+        <a:srgbClr val="0E2841"/>
+      </a:dk2>
+      <a:lt2>
+        <a:srgbClr val="E8E8E8"/>
+      </a:lt2>
+      <a:accent1>
+        <a:srgbClr val="156082"/>
+      </a:accent1>
+      <a:accent2>
+        <a:srgbClr val="E97132"/>
+      </a:accent2>
+      <a:accent3>
+        <a:srgbClr val="196B24"/>
+      </a:accent3>
+      <a:accent4>
+        <a:srgbClr val="0F9ED5"/>
+      </a:accent4>
+      <a:accent5>
+        <a:srgbClr val="A02B93"/>
+      </a:accent5>
+      <a:accent6>
+        <a:srgbClr val="4EA72E"/>
+      </a:accent6>
+      <a:hlink>
+        <a:srgbClr val="467886"/>
+      </a:hlink>
+      <a:folHlink>
+        <a:srgbClr val="96607D"/>
+      </a:folHlink>
+    </a:clrScheme>
+    <a:fontScheme name="Office">
+      <a:majorFont>
+        <a:latin typeface="Aptos Display" panose="02110004020202020204"/>
+        <a:ea typeface=""/>
+        <a:cs typeface=""/>
+        <a:font script="Jpan" typeface="游ゴシック Light"/>
+        <a:font script="Hang" typeface="맑은 고딕"/>
+        <a:font script="Hans" typeface="等线 Light"/>
+        <a:font script="Hant" typeface="新細明體"/>
+        <a:font script="Arab" typeface="Times New Roman"/>
+        <a:font script="Hebr" typeface="Times New Roman"/>
+        <a:font script="Thai" typeface="Angsana New"/>
+        <a:font script="Ethi" typeface="Nyala"/>
+        <a:font script="Beng" typeface="Vrinda"/>
+        <a:font script="Gujr" typeface="Shruti"/>
+        <a:font script="Khmr" typeface="MoolBoran"/>
+        <a:font script="Knda" typeface="Tunga"/>
+        <a:font script="Guru" typeface="Raavi"/>
+        <a:font script="Cans" typeface="Euphemia"/>
+        <a:font script="Cher" typeface="Plantagenet Cherokee"/>
+        <a:font script="Yiii" typeface="Microsoft Yi Baiti"/>
+        <a:font script="Tibt" typeface="Microsoft Himalaya"/>
+        <a:font script="Thaa" typeface="MV Boli"/>
+        <a:font script="Deva" typeface="Mangal"/>
+        <a:font script="Telu" typeface="Gautami"/>
+        <a:font script="Taml" typeface="Latha"/>
+        <a:font script="Syrc" typeface="Estrangelo Edessa"/>
+        <a:font script="Orya" typeface="Kalinga"/>
+        <a:font script="Mlym" typeface="Kartika"/>
+        <a:font script="Laoo" typeface="DokChampa"/>
+        <a:font script="Sinh" typeface="Iskoola Pota"/>
+        <a:font script="Mong" typeface="Mongolian Baiti"/>
+        <a:font script="Viet" typeface="Times New Roman"/>
+        <a:font script="Uigh" typeface="Microsoft Uighur"/>
+        <a:font script="Geor" typeface="Sylfaen"/>
+        <a:font script="Armn" typeface="Arial"/>
+        <a:font script="Bugi" typeface="Leelawadee UI"/>
+        <a:font script="Bopo" typeface="Microsoft JhengHei"/>
+        <a:font script="Java" typeface="Javanese Text"/>
+        <a:font script="Lisu" typeface="Segoe UI"/>
+        <a:font script="Mymr" typeface="Myanmar Text"/>
+        <a:font script="Nkoo" typeface="Ebrima"/>
+        <a:font script="Olck" typeface="Nirmala UI"/>
+        <a:font script="Osma" typeface="Ebrima"/>
+        <a:font script="Phag" typeface="Phagspa"/>
+        <a:font script="Syrn" typeface="Estrangelo Edessa"/>
+        <a:font script="Syrj" typeface="Estrangelo Edessa"/>
+        <a:font script="Syre" typeface="Estrangelo Edessa"/>
+        <a:font script="Sora" typeface="Nirmala UI"/>
+        <a:font script="Tale" typeface="Microsoft Tai Le"/>
+        <a:font script="Talu" typeface="Microsoft New Tai Lue"/>
+        <a:font script="Tfng" typeface="Ebrima"/>
+      </a:majorFont>
+      <a:minorFont>
+        <a:latin typeface="Aptos" panose="02110004020202020204"/>
+        <a:ea typeface=""/>
+        <a:cs typeface=""/>
+        <a:font script="Jpan" typeface="游ゴシック"/>
+        <a:font script="Hang" typeface="맑은 고딕"/>
+        <a:font script="Hans" typeface="等线"/>
+        <a:font script="Hant" typeface="新細明體"/>
+        <a:font script="Arab" typeface="Arial"/>
+        <a:font script="Hebr" typeface="Arial"/>
+        <a:font script="Thai" typeface="Cordia New"/>
+        <a:font script="Ethi" typeface="Nyala"/>
+        <a:font script="Beng" typeface="Vrinda"/>
+        <a:font script="Gujr" typeface="Shruti"/>
+        <a:font script="Khmr" typeface="DaunPenh"/>
+        <a:font script="Knda" typeface="Tunga"/>
+        <a:font script="Guru" typeface="Raavi"/>
+        <a:font script="Cans" typeface="Euphemia"/>
+        <a:font script="Cher" typeface="Plantagenet Cherokee"/>
+        <a:font script="Yiii" typeface="Microsoft Yi Baiti"/>
+        <a:font script="Tibt" typeface="Microsoft Himalaya"/>
+        <a:font script="Thaa" typeface="MV Boli"/>
+        <a:font script="Deva" typeface="Mangal"/>
+        <a:font script="Telu" typeface="Gautami"/>
+        <a:font script="Taml" typeface="Latha"/>
+        <a:font script="Syrc" typeface="Estrangelo Edessa"/>
+        <a:font script="Orya" typeface="Kalinga"/>
+        <a:font script="Mlym" typeface="Kartika"/>
+        <a:font script="Laoo" typeface="DokChampa"/>
+        <a:font script="Sinh" typeface="Iskoola Pota"/>
+        <a:font script="Mong" typeface="Mongolian Baiti"/>
+        <a:font script="Viet" typeface="Arial"/>
+        <a:font script="Uigh" typeface="Microsoft Uighur"/>
+        <a:font script="Geor" typeface="Sylfaen"/>
+        <a:font script="Armn" typeface="Arial"/>
+        <a:font script="Bugi" typeface="Leelawadee UI"/>
+        <a:font script="Bopo" typeface="Microsoft JhengHei"/>
+        <a:font script="Java" typeface="Javanese Text"/>
+        <a:font script="Lisu" typeface="Segoe UI"/>
+        <a:font script="Mymr" typeface="Myanmar Text"/>
+        <a:font script="Nkoo" typeface="Ebrima"/>
+        <a:font script="Olck" typeface="Nirmala UI"/>
+        <a:font script="Osma" typeface="Ebrima"/>
+        <a:font script="Phag" typeface="Phagspa"/>
+        <a:font script="Syrn" typeface="Estrangelo Edessa"/>
+        <a:font script="Syrj" typeface="Estrangelo Edessa"/>
+        <a:font script="Syre" typeface="Estrangelo Edessa"/>
+        <a:font script="Sora" typeface="Nirmala UI"/>
+        <a:font script="Tale" typeface="Microsoft Tai Le"/>
+        <a:font script="Talu" typeface="Microsoft New Tai Lue"/>
+        <a:font script="Tfng" typeface="Ebrima"/>
+      </a:minorFont>
+    </a:fontScheme>
+    <a:fmtScheme name="Office">
+      <a:fillStyleLst>
+        <a:solidFill>
+          <a:schemeClr val="phClr"/>
+        </a:solidFill>
+        <a:gradFill rotWithShape="1">
+          <a:gsLst>
+            <a:gs pos="0">
+              <a:schemeClr val="phClr">
+                <a:lumMod val="110000"/>
+                <a:satMod val="105000"/>
+                <a:tint val="67000"/>
+              </a:schemeClr>
+            </a:gs>
+            <a:gs pos="50000">
+              <a:schemeClr val="phClr">
+                <a:lumMod val="105000"/>
+                <a:satMod val="103000"/>
+                <a:tint val="73000"/>
+              </a:schemeClr>
+            </a:gs>
+            <a:gs pos="100000">
+              <a:schemeClr val="phClr">
+                <a:lumMod val="105000"/>
+                <a:satMod val="109000"/>
+                <a:tint val="81000"/>
+              </a:schemeClr>
+            </a:gs>
+          </a:gsLst>
+          <a:lin ang="5400000" scaled="0"/>
+        </a:gradFill>
+        <a:gradFill rotWithShape="1">
+          <a:gsLst>
+            <a:gs pos="0">
+              <a:schemeClr val="phClr">
+                <a:satMod val="103000"/>
+                <a:lumMod val="102000"/>
+                <a:tint val="94000"/>
+              </a:schemeClr>
+            </a:gs>
+            <a:gs pos="50000">
+              <a:schemeClr val="phClr">
+                <a:satMod val="110000"/>
+                <a:lumMod val="100000"/>
+                <a:shade val="100000"/>
+              </a:schemeClr>
+            </a:gs>
+            <a:gs pos="100000">
+              <a:schemeClr val="phClr">
+                <a:lumMod val="99000"/>
+                <a:satMod val="120000"/>
+                <a:shade val="78000"/>
+              </a:schemeClr>
+            </a:gs>
+          </a:gsLst>
+          <a:lin ang="5400000" scaled="0"/>
+        </a:gradFill>
+      </a:fillStyleLst>
+      <a:lnStyleLst>
+        <a:ln w="12700" cap="flat" cmpd="sng" algn="ctr">
+          <a:solidFill>
+            <a:schemeClr val="phClr"/>
+          </a:solidFill>
+          <a:prstDash val="solid"/>
+          <a:miter lim="800000"/>
+        </a:ln>
+        <a:ln w="19050" cap="flat" cmpd="sng" algn="ctr">
+          <a:solidFill>
+            <a:schemeClr val="phClr"/>
+          </a:solidFill>
+          <a:prstDash val="solid"/>
+          <a:miter lim="800000"/>
+        </a:ln>
+        <a:ln w="25400" cap="flat" cmpd="sng" algn="ctr">
+          <a:solidFill>
+            <a:schemeClr val="phClr"/>
+          </a:solidFill>
+          <a:prstDash val="solid"/>
+          <a:miter lim="800000"/>
+        </a:ln>
+      </a:lnStyleLst>
+      <a:effectStyleLst>
+        <a:effectStyle>
+          <a:effectLst/>
+        </a:effectStyle>
+        <a:effectStyle>
+          <a:effectLst/>
+        </a:effectStyle>
+        <a:effectStyle>
+          <a:effectLst>
+            <a:outerShdw blurRad="57150" dist="19050" dir="5400000" algn="ctr" rotWithShape="0">
+              <a:srgbClr val="000000">
+                <a:alpha val="63000"/>
+              </a:srgbClr>
+            </a:outerShdw>
+          </a:effectLst>
+        </a:effectStyle>
+      </a:effectStyleLst>
+      <a:bgFillStyleLst>
+        <a:solidFill>
+          <a:schemeClr val="phClr"/>
+        </a:solidFill>
+        <a:solidFill>
+          <a:schemeClr val="phClr">
+            <a:tint val="95000"/>
+            <a:satMod val="170000"/>
+          </a:schemeClr>
+        </a:solidFill>
+        <a:gradFill rotWithShape="1">
+          <a:gsLst>
+            <a:gs pos="0">
+              <a:schemeClr val="phClr">
+                <a:tint val="93000"/>
+                <a:satMod val="150000"/>
+                <a:shade val="98000"/>
+                <a:lumMod val="102000"/>
+              </a:schemeClr>
+            </a:gs>
+            <a:gs pos="50000">
+              <a:schemeClr val="phClr">
+                <a:tint val="98000"/>
+                <a:satMod val="130000"/>
+                <a:shade val="90000"/>
+                <a:lumMod val="103000"/>
+              </a:schemeClr>
+            </a:gs>
+            <a:gs pos="100000">
+              <a:schemeClr val="phClr">
+                <a:shade val="63000"/>
+                <a:satMod val="120000"/>
+              </a:schemeClr>
+            </a:gs>
+          </a:gsLst>
+          <a:lin ang="5400000" scaled="0"/>
+        </a:gradFill>
+      </a:bgFillStyleLst>
+    </a:fmtScheme>
+  </a:themeElements>
+  <a:objectDefaults>
+    <a:lnDef>
+      <a:spPr/>
+      <a:bodyPr/>
+      <a:lstStyle/>
+      <a:style>
+        <a:lnRef idx="2">
+          <a:schemeClr val="accent1"/>
+        </a:lnRef>
+        <a:fillRef idx="0">
+          <a:schemeClr val="accent1"/>
+        </a:fillRef>
+        <a:effectRef idx="1">
+          <a:schemeClr val="accent1"/>
+        </a:effectRef>
+        <a:fontRef idx="minor">
+          <a:schemeClr val="tx1"/>
+        </a:fontRef>
+      </a:style>
+    </a:lnDef>
+  </a:objectDefaults>
+  <a:extraClrSchemeLst/>
+  <a:extLst>
+    <a:ext uri="{05A4C25C-085E-4340-85A3-A5531E510DB2}">
+      <thm15:themeFamily xmlns:thm15="http://schemas.microsoft.com/office/thememl/2012/main" name="Office Theme" id="{2E142A2C-CD16-42D6-873A-C26D2A0506FA}" vid="{1BDDFF52-6CD6-40A5-AB3C-68EB2F1E4D0A}"/>
+    </a:ext>
+  </a:extLst>
+</a:theme>
 </file>